--- a/DBMS.pptx
+++ b/DBMS.pptx
@@ -15,24 +15,25 @@
     <p:sldId id="264" r:id="rId9"/>
     <p:sldId id="263" r:id="rId10"/>
     <p:sldId id="265" r:id="rId11"/>
-    <p:sldId id="267" r:id="rId12"/>
-    <p:sldId id="284" r:id="rId13"/>
-    <p:sldId id="268" r:id="rId14"/>
-    <p:sldId id="274" r:id="rId15"/>
-    <p:sldId id="269" r:id="rId16"/>
-    <p:sldId id="270" r:id="rId17"/>
-    <p:sldId id="271" r:id="rId18"/>
-    <p:sldId id="272" r:id="rId19"/>
-    <p:sldId id="273" r:id="rId20"/>
-    <p:sldId id="275" r:id="rId21"/>
-    <p:sldId id="276" r:id="rId22"/>
-    <p:sldId id="277" r:id="rId23"/>
-    <p:sldId id="280" r:id="rId24"/>
-    <p:sldId id="282" r:id="rId25"/>
-    <p:sldId id="281" r:id="rId26"/>
-    <p:sldId id="279" r:id="rId27"/>
-    <p:sldId id="278" r:id="rId28"/>
-    <p:sldId id="283" r:id="rId29"/>
+    <p:sldId id="285" r:id="rId12"/>
+    <p:sldId id="267" r:id="rId13"/>
+    <p:sldId id="284" r:id="rId14"/>
+    <p:sldId id="268" r:id="rId15"/>
+    <p:sldId id="274" r:id="rId16"/>
+    <p:sldId id="269" r:id="rId17"/>
+    <p:sldId id="270" r:id="rId18"/>
+    <p:sldId id="271" r:id="rId19"/>
+    <p:sldId id="272" r:id="rId20"/>
+    <p:sldId id="273" r:id="rId21"/>
+    <p:sldId id="275" r:id="rId22"/>
+    <p:sldId id="276" r:id="rId23"/>
+    <p:sldId id="277" r:id="rId24"/>
+    <p:sldId id="280" r:id="rId25"/>
+    <p:sldId id="282" r:id="rId26"/>
+    <p:sldId id="281" r:id="rId27"/>
+    <p:sldId id="279" r:id="rId28"/>
+    <p:sldId id="278" r:id="rId29"/>
+    <p:sldId id="283" r:id="rId30"/>
   </p:sldIdLst>
   <p:sldSz cx="12192000" cy="6858000"/>
   <p:notesSz cx="6858000" cy="9144000"/>
@@ -142,9 +143,46 @@
 <file path=ppt/revisionInfo.xml><?xml version="1.0" encoding="utf-8"?>
 <p1510:revInfo xmlns:a="http://schemas.openxmlformats.org/drawingml/2006/main" xmlns:r="http://schemas.openxmlformats.org/officeDocument/2006/relationships" xmlns:p1510="http://schemas.microsoft.com/office/powerpoint/2015/10/main">
   <p1510:revLst>
-    <p1510:client id="{140ADB0A-BBB8-443B-A678-3DCF981932AE}" v="112" dt="2025-04-09T15:41:35.170"/>
+    <p1510:client id="{F6D48F73-9A74-4253-A578-D853A6F81CAD}" v="5" dt="2025-04-14T07:49:49.743"/>
   </p1510:revLst>
 </p1510:revInfo>
+</file>
+
+<file path=ppt/changesInfos/changesInfo1.xml><?xml version="1.0" encoding="utf-8"?>
+<pc:chgInfo xmlns:a="http://schemas.openxmlformats.org/drawingml/2006/main" xmlns:r="http://schemas.openxmlformats.org/officeDocument/2006/relationships" xmlns:ac="http://schemas.microsoft.com/office/drawing/2013/main/command" xmlns:pc="http://schemas.microsoft.com/office/powerpoint/2013/main/command">
+  <pc:docChgLst>
+    <pc:chgData name="Naresh Chandra pradhan" userId="0376197e0be6b433" providerId="LiveId" clId="{F6D48F73-9A74-4253-A578-D853A6F81CAD}"/>
+    <pc:docChg chg="addSld modSld">
+      <pc:chgData name="Naresh Chandra pradhan" userId="0376197e0be6b433" providerId="LiveId" clId="{F6D48F73-9A74-4253-A578-D853A6F81CAD}" dt="2025-04-14T07:49:53.288" v="7" actId="1076"/>
+      <pc:docMkLst>
+        <pc:docMk/>
+      </pc:docMkLst>
+      <pc:sldChg chg="addSp modSp new mod">
+        <pc:chgData name="Naresh Chandra pradhan" userId="0376197e0be6b433" providerId="LiveId" clId="{F6D48F73-9A74-4253-A578-D853A6F81CAD}" dt="2025-04-14T07:49:53.288" v="7" actId="1076"/>
+        <pc:sldMkLst>
+          <pc:docMk/>
+          <pc:sldMk cId="1046791164" sldId="285"/>
+        </pc:sldMkLst>
+        <pc:spChg chg="add mod">
+          <ac:chgData name="Naresh Chandra pradhan" userId="0376197e0be6b433" providerId="LiveId" clId="{F6D48F73-9A74-4253-A578-D853A6F81CAD}" dt="2025-04-14T07:49:49.741" v="5" actId="14100"/>
+          <ac:spMkLst>
+            <pc:docMk/>
+            <pc:sldMk cId="1046791164" sldId="285"/>
+            <ac:spMk id="3" creationId="{9E35DF51-20BC-78AC-8A97-4D0C701095C5}"/>
+          </ac:spMkLst>
+        </pc:spChg>
+        <pc:graphicFrameChg chg="add mod modGraphic">
+          <ac:chgData name="Naresh Chandra pradhan" userId="0376197e0be6b433" providerId="LiveId" clId="{F6D48F73-9A74-4253-A578-D853A6F81CAD}" dt="2025-04-14T07:49:53.288" v="7" actId="1076"/>
+          <ac:graphicFrameMkLst>
+            <pc:docMk/>
+            <pc:sldMk cId="1046791164" sldId="285"/>
+            <ac:graphicFrameMk id="2" creationId="{87BA3FF0-ADA2-F1ED-E211-66B75C9B810D}"/>
+          </ac:graphicFrameMkLst>
+        </pc:graphicFrameChg>
+      </pc:sldChg>
+    </pc:docChg>
+  </pc:docChgLst>
+</pc:chgInfo>
 </file>
 
 <file path=ppt/slideLayouts/slideLayout1.xml><?xml version="1.0" encoding="utf-8"?>
@@ -296,7 +334,7 @@
           <a:p>
             <a:fld id="{65502492-929F-497A-BB45-484B0B267777}" type="datetimeFigureOut">
               <a:rPr lang="en-IN" smtClean="0"/>
-              <a:t>11-04-2025</a:t>
+              <a:t>14-04-2025</a:t>
             </a:fld>
             <a:endParaRPr lang="en-IN"/>
           </a:p>
@@ -496,7 +534,7 @@
           <a:p>
             <a:fld id="{65502492-929F-497A-BB45-484B0B267777}" type="datetimeFigureOut">
               <a:rPr lang="en-IN" smtClean="0"/>
-              <a:t>11-04-2025</a:t>
+              <a:t>14-04-2025</a:t>
             </a:fld>
             <a:endParaRPr lang="en-IN"/>
           </a:p>
@@ -706,7 +744,7 @@
           <a:p>
             <a:fld id="{65502492-929F-497A-BB45-484B0B267777}" type="datetimeFigureOut">
               <a:rPr lang="en-IN" smtClean="0"/>
-              <a:t>11-04-2025</a:t>
+              <a:t>14-04-2025</a:t>
             </a:fld>
             <a:endParaRPr lang="en-IN"/>
           </a:p>
@@ -906,7 +944,7 @@
           <a:p>
             <a:fld id="{65502492-929F-497A-BB45-484B0B267777}" type="datetimeFigureOut">
               <a:rPr lang="en-IN" smtClean="0"/>
-              <a:t>11-04-2025</a:t>
+              <a:t>14-04-2025</a:t>
             </a:fld>
             <a:endParaRPr lang="en-IN"/>
           </a:p>
@@ -1182,7 +1220,7 @@
           <a:p>
             <a:fld id="{65502492-929F-497A-BB45-484B0B267777}" type="datetimeFigureOut">
               <a:rPr lang="en-IN" smtClean="0"/>
-              <a:t>11-04-2025</a:t>
+              <a:t>14-04-2025</a:t>
             </a:fld>
             <a:endParaRPr lang="en-IN"/>
           </a:p>
@@ -1450,7 +1488,7 @@
           <a:p>
             <a:fld id="{65502492-929F-497A-BB45-484B0B267777}" type="datetimeFigureOut">
               <a:rPr lang="en-IN" smtClean="0"/>
-              <a:t>11-04-2025</a:t>
+              <a:t>14-04-2025</a:t>
             </a:fld>
             <a:endParaRPr lang="en-IN"/>
           </a:p>
@@ -1865,7 +1903,7 @@
           <a:p>
             <a:fld id="{65502492-929F-497A-BB45-484B0B267777}" type="datetimeFigureOut">
               <a:rPr lang="en-IN" smtClean="0"/>
-              <a:t>11-04-2025</a:t>
+              <a:t>14-04-2025</a:t>
             </a:fld>
             <a:endParaRPr lang="en-IN"/>
           </a:p>
@@ -2007,7 +2045,7 @@
           <a:p>
             <a:fld id="{65502492-929F-497A-BB45-484B0B267777}" type="datetimeFigureOut">
               <a:rPr lang="en-IN" smtClean="0"/>
-              <a:t>11-04-2025</a:t>
+              <a:t>14-04-2025</a:t>
             </a:fld>
             <a:endParaRPr lang="en-IN"/>
           </a:p>
@@ -2120,7 +2158,7 @@
           <a:p>
             <a:fld id="{65502492-929F-497A-BB45-484B0B267777}" type="datetimeFigureOut">
               <a:rPr lang="en-IN" smtClean="0"/>
-              <a:t>11-04-2025</a:t>
+              <a:t>14-04-2025</a:t>
             </a:fld>
             <a:endParaRPr lang="en-IN"/>
           </a:p>
@@ -2433,7 +2471,7 @@
           <a:p>
             <a:fld id="{65502492-929F-497A-BB45-484B0B267777}" type="datetimeFigureOut">
               <a:rPr lang="en-IN" smtClean="0"/>
-              <a:t>11-04-2025</a:t>
+              <a:t>14-04-2025</a:t>
             </a:fld>
             <a:endParaRPr lang="en-IN"/>
           </a:p>
@@ -2722,7 +2760,7 @@
           <a:p>
             <a:fld id="{65502492-929F-497A-BB45-484B0B267777}" type="datetimeFigureOut">
               <a:rPr lang="en-IN" smtClean="0"/>
-              <a:t>11-04-2025</a:t>
+              <a:t>14-04-2025</a:t>
             </a:fld>
             <a:endParaRPr lang="en-IN"/>
           </a:p>
@@ -2965,7 +3003,7 @@
           <a:p>
             <a:fld id="{65502492-929F-497A-BB45-484B0B267777}" type="datetimeFigureOut">
               <a:rPr lang="en-IN" smtClean="0"/>
-              <a:t>11-04-2025</a:t>
+              <a:t>14-04-2025</a:t>
             </a:fld>
             <a:endParaRPr lang="en-IN"/>
           </a:p>
@@ -3652,6 +3690,2918 @@
           <a:chExt cx="0" cy="0"/>
         </a:xfrm>
       </p:grpSpPr>
+      <p:graphicFrame>
+        <p:nvGraphicFramePr>
+          <p:cNvPr id="2" name="Table 1">
+            <a:extLst>
+              <a:ext uri="{FF2B5EF4-FFF2-40B4-BE49-F238E27FC236}">
+                <a16:creationId xmlns:a16="http://schemas.microsoft.com/office/drawing/2014/main" id="{87BA3FF0-ADA2-F1ED-E211-66B75C9B810D}"/>
+              </a:ext>
+            </a:extLst>
+          </p:cNvPr>
+          <p:cNvGraphicFramePr>
+            <a:graphicFrameLocks noGrp="1"/>
+          </p:cNvGraphicFramePr>
+          <p:nvPr>
+            <p:extLst>
+              <p:ext uri="{D42A27DB-BD31-4B8C-83A1-F6EECF244321}">
+                <p14:modId xmlns:p14="http://schemas.microsoft.com/office/powerpoint/2010/main" val="3989894850"/>
+              </p:ext>
+            </p:extLst>
+          </p:nvPr>
+        </p:nvGraphicFramePr>
+        <p:xfrm>
+          <a:off x="879532" y="1590173"/>
+          <a:ext cx="6637890" cy="4430823"/>
+        </p:xfrm>
+        <a:graphic>
+          <a:graphicData uri="http://schemas.openxmlformats.org/drawingml/2006/table">
+            <a:tbl>
+              <a:tblPr/>
+              <a:tblGrid>
+                <a:gridCol w="2212630">
+                  <a:extLst>
+                    <a:ext uri="{9D8B030D-6E8A-4147-A177-3AD203B41FA5}">
+                      <a16:colId xmlns:a16="http://schemas.microsoft.com/office/drawing/2014/main" val="4158622606"/>
+                    </a:ext>
+                  </a:extLst>
+                </a:gridCol>
+                <a:gridCol w="2212630">
+                  <a:extLst>
+                    <a:ext uri="{9D8B030D-6E8A-4147-A177-3AD203B41FA5}">
+                      <a16:colId xmlns:a16="http://schemas.microsoft.com/office/drawing/2014/main" val="1354714982"/>
+                    </a:ext>
+                  </a:extLst>
+                </a:gridCol>
+                <a:gridCol w="2212630">
+                  <a:extLst>
+                    <a:ext uri="{9D8B030D-6E8A-4147-A177-3AD203B41FA5}">
+                      <a16:colId xmlns:a16="http://schemas.microsoft.com/office/drawing/2014/main" val="1461009549"/>
+                    </a:ext>
+                  </a:extLst>
+                </a:gridCol>
+              </a:tblGrid>
+              <a:tr h="201412">
+                <a:tc>
+                  <a:txBody>
+                    <a:bodyPr/>
+                    <a:lstStyle/>
+                    <a:p>
+                      <a:pPr algn="ctr" fontAlgn="base"/>
+                      <a:r>
+                        <a:rPr lang="en-IN" sz="800" b="1">
+                          <a:effectLst/>
+                        </a:rPr>
+                        <a:t>Feature</a:t>
+                      </a:r>
+                    </a:p>
+                  </a:txBody>
+                  <a:tcPr marL="20980" marR="20980" marT="41961" marB="41961" anchor="ctr">
+                    <a:lnL w="2286" cap="flat" cmpd="sng" algn="ctr">
+                      <a:solidFill>
+                        <a:srgbClr val="DFDFDF"/>
+                      </a:solidFill>
+                      <a:prstDash val="solid"/>
+                      <a:round/>
+                      <a:headEnd type="none" w="med" len="med"/>
+                      <a:tailEnd type="none" w="med" len="med"/>
+                    </a:lnL>
+                    <a:lnR w="2286" cap="flat" cmpd="sng" algn="ctr">
+                      <a:solidFill>
+                        <a:srgbClr val="DFDFDF"/>
+                      </a:solidFill>
+                      <a:prstDash val="solid"/>
+                      <a:round/>
+                      <a:headEnd type="none" w="med" len="med"/>
+                      <a:tailEnd type="none" w="med" len="med"/>
+                    </a:lnR>
+                    <a:lnT w="2286" cap="flat" cmpd="sng" algn="ctr">
+                      <a:solidFill>
+                        <a:srgbClr val="DFDFDF"/>
+                      </a:solidFill>
+                      <a:prstDash val="solid"/>
+                      <a:round/>
+                      <a:headEnd type="none" w="med" len="med"/>
+                      <a:tailEnd type="none" w="med" len="med"/>
+                    </a:lnT>
+                    <a:lnB w="2286" cap="flat" cmpd="sng" algn="ctr">
+                      <a:solidFill>
+                        <a:srgbClr val="DFDFDF"/>
+                      </a:solidFill>
+                      <a:prstDash val="solid"/>
+                      <a:round/>
+                      <a:headEnd type="none" w="med" len="med"/>
+                      <a:tailEnd type="none" w="med" len="med"/>
+                    </a:lnB>
+                    <a:solidFill>
+                      <a:srgbClr val="F9F9F9"/>
+                    </a:solidFill>
+                  </a:tcPr>
+                </a:tc>
+                <a:tc>
+                  <a:txBody>
+                    <a:bodyPr/>
+                    <a:lstStyle/>
+                    <a:p>
+                      <a:pPr algn="ctr" fontAlgn="base"/>
+                      <a:r>
+                        <a:rPr lang="en-IN" sz="800" b="1">
+                          <a:effectLst/>
+                        </a:rPr>
+                        <a:t>Clustered Index</a:t>
+                      </a:r>
+                    </a:p>
+                  </a:txBody>
+                  <a:tcPr marL="41961" marR="41961" marT="41961" marB="41961" anchor="ctr">
+                    <a:lnL w="2286" cap="flat" cmpd="sng" algn="ctr">
+                      <a:solidFill>
+                        <a:srgbClr val="DFDFDF"/>
+                      </a:solidFill>
+                      <a:prstDash val="solid"/>
+                      <a:round/>
+                      <a:headEnd type="none" w="med" len="med"/>
+                      <a:tailEnd type="none" w="med" len="med"/>
+                    </a:lnL>
+                    <a:lnR w="2286" cap="flat" cmpd="sng" algn="ctr">
+                      <a:solidFill>
+                        <a:srgbClr val="DFDFDF"/>
+                      </a:solidFill>
+                      <a:prstDash val="solid"/>
+                      <a:round/>
+                      <a:headEnd type="none" w="med" len="med"/>
+                      <a:tailEnd type="none" w="med" len="med"/>
+                    </a:lnR>
+                    <a:lnT w="2286" cap="flat" cmpd="sng" algn="ctr">
+                      <a:solidFill>
+                        <a:srgbClr val="DFDFDF"/>
+                      </a:solidFill>
+                      <a:prstDash val="solid"/>
+                      <a:round/>
+                      <a:headEnd type="none" w="med" len="med"/>
+                      <a:tailEnd type="none" w="med" len="med"/>
+                    </a:lnT>
+                    <a:lnB w="2286" cap="flat" cmpd="sng" algn="ctr">
+                      <a:solidFill>
+                        <a:srgbClr val="DFDFDF"/>
+                      </a:solidFill>
+                      <a:prstDash val="solid"/>
+                      <a:round/>
+                      <a:headEnd type="none" w="med" len="med"/>
+                      <a:tailEnd type="none" w="med" len="med"/>
+                    </a:lnB>
+                    <a:solidFill>
+                      <a:srgbClr val="F9F9F9"/>
+                    </a:solidFill>
+                  </a:tcPr>
+                </a:tc>
+                <a:tc>
+                  <a:txBody>
+                    <a:bodyPr/>
+                    <a:lstStyle/>
+                    <a:p>
+                      <a:pPr algn="ctr" fontAlgn="base"/>
+                      <a:r>
+                        <a:rPr lang="en-IN" sz="800" b="1">
+                          <a:effectLst/>
+                        </a:rPr>
+                        <a:t>Non-Clustered Index</a:t>
+                      </a:r>
+                    </a:p>
+                  </a:txBody>
+                  <a:tcPr marL="41961" marR="41961" marT="41961" marB="41961" anchor="ctr">
+                    <a:lnL w="2286" cap="flat" cmpd="sng" algn="ctr">
+                      <a:solidFill>
+                        <a:srgbClr val="DFDFDF"/>
+                      </a:solidFill>
+                      <a:prstDash val="solid"/>
+                      <a:round/>
+                      <a:headEnd type="none" w="med" len="med"/>
+                      <a:tailEnd type="none" w="med" len="med"/>
+                    </a:lnL>
+                    <a:lnR w="2286" cap="flat" cmpd="sng" algn="ctr">
+                      <a:solidFill>
+                        <a:srgbClr val="DFDFDF"/>
+                      </a:solidFill>
+                      <a:prstDash val="solid"/>
+                      <a:round/>
+                      <a:headEnd type="none" w="med" len="med"/>
+                      <a:tailEnd type="none" w="med" len="med"/>
+                    </a:lnR>
+                    <a:lnT w="2286" cap="flat" cmpd="sng" algn="ctr">
+                      <a:solidFill>
+                        <a:srgbClr val="DFDFDF"/>
+                      </a:solidFill>
+                      <a:prstDash val="solid"/>
+                      <a:round/>
+                      <a:headEnd type="none" w="med" len="med"/>
+                      <a:tailEnd type="none" w="med" len="med"/>
+                    </a:lnT>
+                    <a:lnB w="2286" cap="flat" cmpd="sng" algn="ctr">
+                      <a:solidFill>
+                        <a:srgbClr val="DFDFDF"/>
+                      </a:solidFill>
+                      <a:prstDash val="solid"/>
+                      <a:round/>
+                      <a:headEnd type="none" w="med" len="med"/>
+                      <a:tailEnd type="none" w="med" len="med"/>
+                    </a:lnB>
+                    <a:solidFill>
+                      <a:srgbClr val="F9F9F9"/>
+                    </a:solidFill>
+                  </a:tcPr>
+                </a:tc>
+                <a:extLst>
+                  <a:ext uri="{0D108BD9-81ED-4DB2-BD59-A6C34878D82A}">
+                    <a16:rowId xmlns:a16="http://schemas.microsoft.com/office/drawing/2014/main" val="851938373"/>
+                  </a:ext>
+                </a:extLst>
+              </a:tr>
+              <a:tr h="372129">
+                <a:tc>
+                  <a:txBody>
+                    <a:bodyPr/>
+                    <a:lstStyle/>
+                    <a:p>
+                      <a:pPr algn="ctr" fontAlgn="ctr"/>
+                      <a:r>
+                        <a:rPr lang="en-IN" sz="700" b="1">
+                          <a:effectLst/>
+                        </a:rPr>
+                        <a:t>Speed</a:t>
+                      </a:r>
+                      <a:endParaRPr lang="en-IN" sz="700" b="0">
+                        <a:effectLst/>
+                      </a:endParaRPr>
+                    </a:p>
+                  </a:txBody>
+                  <a:tcPr marL="41961" marR="41961" marT="58745" marB="58745" anchor="ctr">
+                    <a:lnL w="2286" cap="flat" cmpd="sng" algn="ctr">
+                      <a:solidFill>
+                        <a:srgbClr val="DFDFDF"/>
+                      </a:solidFill>
+                      <a:prstDash val="solid"/>
+                      <a:round/>
+                      <a:headEnd type="none" w="med" len="med"/>
+                      <a:tailEnd type="none" w="med" len="med"/>
+                    </a:lnL>
+                    <a:lnR w="2286" cap="flat" cmpd="sng" algn="ctr">
+                      <a:solidFill>
+                        <a:srgbClr val="DFDFDF"/>
+                      </a:solidFill>
+                      <a:prstDash val="solid"/>
+                      <a:round/>
+                      <a:headEnd type="none" w="med" len="med"/>
+                      <a:tailEnd type="none" w="med" len="med"/>
+                    </a:lnR>
+                    <a:lnT w="2286" cap="flat" cmpd="sng" algn="ctr">
+                      <a:solidFill>
+                        <a:srgbClr val="DFDFDF"/>
+                      </a:solidFill>
+                      <a:prstDash val="solid"/>
+                      <a:round/>
+                      <a:headEnd type="none" w="med" len="med"/>
+                      <a:tailEnd type="none" w="med" len="med"/>
+                    </a:lnT>
+                    <a:lnB w="2286" cap="flat" cmpd="sng" algn="ctr">
+                      <a:solidFill>
+                        <a:srgbClr val="DFDFDF"/>
+                      </a:solidFill>
+                      <a:prstDash val="solid"/>
+                      <a:round/>
+                      <a:headEnd type="none" w="med" len="med"/>
+                      <a:tailEnd type="none" w="med" len="med"/>
+                    </a:lnB>
+                    <a:solidFill>
+                      <a:srgbClr val="FFFFFF"/>
+                    </a:solidFill>
+                  </a:tcPr>
+                </a:tc>
+                <a:tc>
+                  <a:txBody>
+                    <a:bodyPr/>
+                    <a:lstStyle/>
+                    <a:p>
+                      <a:pPr algn="ctr" fontAlgn="ctr"/>
+                      <a:r>
+                        <a:rPr lang="en-US" sz="700" b="0">
+                          <a:effectLst/>
+                        </a:rPr>
+                        <a:t>Faster for range-based queries and sorting.</a:t>
+                      </a:r>
+                    </a:p>
+                  </a:txBody>
+                  <a:tcPr marL="41961" marR="41961" marT="58745" marB="58745" anchor="ctr">
+                    <a:lnL w="2286" cap="flat" cmpd="sng" algn="ctr">
+                      <a:solidFill>
+                        <a:srgbClr val="DFDFDF"/>
+                      </a:solidFill>
+                      <a:prstDash val="solid"/>
+                      <a:round/>
+                      <a:headEnd type="none" w="med" len="med"/>
+                      <a:tailEnd type="none" w="med" len="med"/>
+                    </a:lnL>
+                    <a:lnR w="2286" cap="flat" cmpd="sng" algn="ctr">
+                      <a:solidFill>
+                        <a:srgbClr val="DFDFDF"/>
+                      </a:solidFill>
+                      <a:prstDash val="solid"/>
+                      <a:round/>
+                      <a:headEnd type="none" w="med" len="med"/>
+                      <a:tailEnd type="none" w="med" len="med"/>
+                    </a:lnR>
+                    <a:lnT w="2286" cap="flat" cmpd="sng" algn="ctr">
+                      <a:solidFill>
+                        <a:srgbClr val="DFDFDF"/>
+                      </a:solidFill>
+                      <a:prstDash val="solid"/>
+                      <a:round/>
+                      <a:headEnd type="none" w="med" len="med"/>
+                      <a:tailEnd type="none" w="med" len="med"/>
+                    </a:lnT>
+                    <a:lnB w="2286" cap="flat" cmpd="sng" algn="ctr">
+                      <a:solidFill>
+                        <a:srgbClr val="DFDFDF"/>
+                      </a:solidFill>
+                      <a:prstDash val="solid"/>
+                      <a:round/>
+                      <a:headEnd type="none" w="med" len="med"/>
+                      <a:tailEnd type="none" w="med" len="med"/>
+                    </a:lnB>
+                    <a:solidFill>
+                      <a:srgbClr val="FFFFFF"/>
+                    </a:solidFill>
+                  </a:tcPr>
+                </a:tc>
+                <a:tc>
+                  <a:txBody>
+                    <a:bodyPr/>
+                    <a:lstStyle/>
+                    <a:p>
+                      <a:pPr algn="ctr" fontAlgn="ctr"/>
+                      <a:r>
+                        <a:rPr lang="en-US" sz="700" b="0">
+                          <a:effectLst/>
+                        </a:rPr>
+                        <a:t>Slower for range-based queries but faster for specific lookups.</a:t>
+                      </a:r>
+                    </a:p>
+                  </a:txBody>
+                  <a:tcPr marL="41961" marR="41961" marT="58745" marB="58745" anchor="ctr">
+                    <a:lnL w="2286" cap="flat" cmpd="sng" algn="ctr">
+                      <a:solidFill>
+                        <a:srgbClr val="DFDFDF"/>
+                      </a:solidFill>
+                      <a:prstDash val="solid"/>
+                      <a:round/>
+                      <a:headEnd type="none" w="med" len="med"/>
+                      <a:tailEnd type="none" w="med" len="med"/>
+                    </a:lnL>
+                    <a:lnR w="2286" cap="flat" cmpd="sng" algn="ctr">
+                      <a:solidFill>
+                        <a:srgbClr val="DFDFDF"/>
+                      </a:solidFill>
+                      <a:prstDash val="solid"/>
+                      <a:round/>
+                      <a:headEnd type="none" w="med" len="med"/>
+                      <a:tailEnd type="none" w="med" len="med"/>
+                    </a:lnR>
+                    <a:lnT w="2286" cap="flat" cmpd="sng" algn="ctr">
+                      <a:solidFill>
+                        <a:srgbClr val="DFDFDF"/>
+                      </a:solidFill>
+                      <a:prstDash val="solid"/>
+                      <a:round/>
+                      <a:headEnd type="none" w="med" len="med"/>
+                      <a:tailEnd type="none" w="med" len="med"/>
+                    </a:lnT>
+                    <a:lnB w="2286" cap="flat" cmpd="sng" algn="ctr">
+                      <a:solidFill>
+                        <a:srgbClr val="DFDFDF"/>
+                      </a:solidFill>
+                      <a:prstDash val="solid"/>
+                      <a:round/>
+                      <a:headEnd type="none" w="med" len="med"/>
+                      <a:tailEnd type="none" w="med" len="med"/>
+                    </a:lnB>
+                    <a:solidFill>
+                      <a:srgbClr val="FFFFFF"/>
+                    </a:solidFill>
+                  </a:tcPr>
+                </a:tc>
+                <a:extLst>
+                  <a:ext uri="{0D108BD9-81ED-4DB2-BD59-A6C34878D82A}">
+                    <a16:rowId xmlns:a16="http://schemas.microsoft.com/office/drawing/2014/main" val="1319876573"/>
+                  </a:ext>
+                </a:extLst>
+              </a:tr>
+              <a:tr h="327294">
+                <a:tc>
+                  <a:txBody>
+                    <a:bodyPr/>
+                    <a:lstStyle/>
+                    <a:p>
+                      <a:pPr algn="ctr" fontAlgn="ctr"/>
+                      <a:r>
+                        <a:rPr lang="en-IN" sz="700" b="1">
+                          <a:effectLst/>
+                        </a:rPr>
+                        <a:t>Memory Usage</a:t>
+                      </a:r>
+                      <a:endParaRPr lang="en-IN" sz="700" b="0">
+                        <a:effectLst/>
+                      </a:endParaRPr>
+                    </a:p>
+                  </a:txBody>
+                  <a:tcPr marL="41961" marR="41961" marT="58745" marB="58745" anchor="ctr">
+                    <a:lnL w="2286" cap="flat" cmpd="sng" algn="ctr">
+                      <a:solidFill>
+                        <a:srgbClr val="DFDFDF"/>
+                      </a:solidFill>
+                      <a:prstDash val="solid"/>
+                      <a:round/>
+                      <a:headEnd type="none" w="med" len="med"/>
+                      <a:tailEnd type="none" w="med" len="med"/>
+                    </a:lnL>
+                    <a:lnR w="2286" cap="flat" cmpd="sng" algn="ctr">
+                      <a:solidFill>
+                        <a:srgbClr val="DFDFDF"/>
+                      </a:solidFill>
+                      <a:prstDash val="solid"/>
+                      <a:round/>
+                      <a:headEnd type="none" w="med" len="med"/>
+                      <a:tailEnd type="none" w="med" len="med"/>
+                    </a:lnR>
+                    <a:lnT w="2286" cap="flat" cmpd="sng" algn="ctr">
+                      <a:solidFill>
+                        <a:srgbClr val="DFDFDF"/>
+                      </a:solidFill>
+                      <a:prstDash val="solid"/>
+                      <a:round/>
+                      <a:headEnd type="none" w="med" len="med"/>
+                      <a:tailEnd type="none" w="med" len="med"/>
+                    </a:lnT>
+                    <a:lnB w="2286" cap="flat" cmpd="sng" algn="ctr">
+                      <a:solidFill>
+                        <a:srgbClr val="DFDFDF"/>
+                      </a:solidFill>
+                      <a:prstDash val="solid"/>
+                      <a:round/>
+                      <a:headEnd type="none" w="med" len="med"/>
+                      <a:tailEnd type="none" w="med" len="med"/>
+                    </a:lnB>
+                    <a:solidFill>
+                      <a:srgbClr val="FFFFFF"/>
+                    </a:solidFill>
+                  </a:tcPr>
+                </a:tc>
+                <a:tc>
+                  <a:txBody>
+                    <a:bodyPr/>
+                    <a:lstStyle/>
+                    <a:p>
+                      <a:pPr algn="ctr" fontAlgn="ctr"/>
+                      <a:r>
+                        <a:rPr lang="en-US" sz="700" b="0">
+                          <a:effectLst/>
+                        </a:rPr>
+                        <a:t>Requires less memory for operations.</a:t>
+                      </a:r>
+                    </a:p>
+                  </a:txBody>
+                  <a:tcPr marL="41961" marR="41961" marT="58745" marB="58745" anchor="ctr">
+                    <a:lnL w="2286" cap="flat" cmpd="sng" algn="ctr">
+                      <a:solidFill>
+                        <a:srgbClr val="DFDFDF"/>
+                      </a:solidFill>
+                      <a:prstDash val="solid"/>
+                      <a:round/>
+                      <a:headEnd type="none" w="med" len="med"/>
+                      <a:tailEnd type="none" w="med" len="med"/>
+                    </a:lnL>
+                    <a:lnR w="2286" cap="flat" cmpd="sng" algn="ctr">
+                      <a:solidFill>
+                        <a:srgbClr val="DFDFDF"/>
+                      </a:solidFill>
+                      <a:prstDash val="solid"/>
+                      <a:round/>
+                      <a:headEnd type="none" w="med" len="med"/>
+                      <a:tailEnd type="none" w="med" len="med"/>
+                    </a:lnR>
+                    <a:lnT w="2286" cap="flat" cmpd="sng" algn="ctr">
+                      <a:solidFill>
+                        <a:srgbClr val="DFDFDF"/>
+                      </a:solidFill>
+                      <a:prstDash val="solid"/>
+                      <a:round/>
+                      <a:headEnd type="none" w="med" len="med"/>
+                      <a:tailEnd type="none" w="med" len="med"/>
+                    </a:lnT>
+                    <a:lnB w="2286" cap="flat" cmpd="sng" algn="ctr">
+                      <a:solidFill>
+                        <a:srgbClr val="DFDFDF"/>
+                      </a:solidFill>
+                      <a:prstDash val="solid"/>
+                      <a:round/>
+                      <a:headEnd type="none" w="med" len="med"/>
+                      <a:tailEnd type="none" w="med" len="med"/>
+                    </a:lnB>
+                    <a:solidFill>
+                      <a:srgbClr val="FFFFFF"/>
+                    </a:solidFill>
+                  </a:tcPr>
+                </a:tc>
+                <a:tc>
+                  <a:txBody>
+                    <a:bodyPr/>
+                    <a:lstStyle/>
+                    <a:p>
+                      <a:pPr algn="ctr" fontAlgn="ctr"/>
+                      <a:r>
+                        <a:rPr lang="en-US" sz="700" b="0">
+                          <a:effectLst/>
+                        </a:rPr>
+                        <a:t>Requires more memory due to additional index structure.</a:t>
+                      </a:r>
+                    </a:p>
+                  </a:txBody>
+                  <a:tcPr marL="41961" marR="41961" marT="58745" marB="58745" anchor="ctr">
+                    <a:lnL w="2286" cap="flat" cmpd="sng" algn="ctr">
+                      <a:solidFill>
+                        <a:srgbClr val="DFDFDF"/>
+                      </a:solidFill>
+                      <a:prstDash val="solid"/>
+                      <a:round/>
+                      <a:headEnd type="none" w="med" len="med"/>
+                      <a:tailEnd type="none" w="med" len="med"/>
+                    </a:lnL>
+                    <a:lnR w="2286" cap="flat" cmpd="sng" algn="ctr">
+                      <a:solidFill>
+                        <a:srgbClr val="DFDFDF"/>
+                      </a:solidFill>
+                      <a:prstDash val="solid"/>
+                      <a:round/>
+                      <a:headEnd type="none" w="med" len="med"/>
+                      <a:tailEnd type="none" w="med" len="med"/>
+                    </a:lnR>
+                    <a:lnT w="2286" cap="flat" cmpd="sng" algn="ctr">
+                      <a:solidFill>
+                        <a:srgbClr val="DFDFDF"/>
+                      </a:solidFill>
+                      <a:prstDash val="solid"/>
+                      <a:round/>
+                      <a:headEnd type="none" w="med" len="med"/>
+                      <a:tailEnd type="none" w="med" len="med"/>
+                    </a:lnT>
+                    <a:lnB w="2286" cap="flat" cmpd="sng" algn="ctr">
+                      <a:solidFill>
+                        <a:srgbClr val="DFDFDF"/>
+                      </a:solidFill>
+                      <a:prstDash val="solid"/>
+                      <a:round/>
+                      <a:headEnd type="none" w="med" len="med"/>
+                      <a:tailEnd type="none" w="med" len="med"/>
+                    </a:lnB>
+                    <a:solidFill>
+                      <a:srgbClr val="FFFFFF"/>
+                    </a:solidFill>
+                  </a:tcPr>
+                </a:tc>
+                <a:extLst>
+                  <a:ext uri="{0D108BD9-81ED-4DB2-BD59-A6C34878D82A}">
+                    <a16:rowId xmlns:a16="http://schemas.microsoft.com/office/drawing/2014/main" val="3316826503"/>
+                  </a:ext>
+                </a:extLst>
+              </a:tr>
+              <a:tr h="327294">
+                <a:tc>
+                  <a:txBody>
+                    <a:bodyPr/>
+                    <a:lstStyle/>
+                    <a:p>
+                      <a:pPr algn="ctr" fontAlgn="ctr"/>
+                      <a:r>
+                        <a:rPr lang="en-IN" sz="700" b="1">
+                          <a:effectLst/>
+                        </a:rPr>
+                        <a:t>Data Storage</a:t>
+                      </a:r>
+                      <a:endParaRPr lang="en-IN" sz="700" b="0">
+                        <a:effectLst/>
+                      </a:endParaRPr>
+                    </a:p>
+                  </a:txBody>
+                  <a:tcPr marL="41961" marR="41961" marT="58745" marB="58745" anchor="ctr">
+                    <a:lnL w="2286" cap="flat" cmpd="sng" algn="ctr">
+                      <a:solidFill>
+                        <a:srgbClr val="DFDFDF"/>
+                      </a:solidFill>
+                      <a:prstDash val="solid"/>
+                      <a:round/>
+                      <a:headEnd type="none" w="med" len="med"/>
+                      <a:tailEnd type="none" w="med" len="med"/>
+                    </a:lnL>
+                    <a:lnR w="2286" cap="flat" cmpd="sng" algn="ctr">
+                      <a:solidFill>
+                        <a:srgbClr val="DFDFDF"/>
+                      </a:solidFill>
+                      <a:prstDash val="solid"/>
+                      <a:round/>
+                      <a:headEnd type="none" w="med" len="med"/>
+                      <a:tailEnd type="none" w="med" len="med"/>
+                    </a:lnR>
+                    <a:lnT w="2286" cap="flat" cmpd="sng" algn="ctr">
+                      <a:solidFill>
+                        <a:srgbClr val="DFDFDF"/>
+                      </a:solidFill>
+                      <a:prstDash val="solid"/>
+                      <a:round/>
+                      <a:headEnd type="none" w="med" len="med"/>
+                      <a:tailEnd type="none" w="med" len="med"/>
+                    </a:lnT>
+                    <a:lnB w="2286" cap="flat" cmpd="sng" algn="ctr">
+                      <a:solidFill>
+                        <a:srgbClr val="DFDFDF"/>
+                      </a:solidFill>
+                      <a:prstDash val="solid"/>
+                      <a:round/>
+                      <a:headEnd type="none" w="med" len="med"/>
+                      <a:tailEnd type="none" w="med" len="med"/>
+                    </a:lnB>
+                    <a:solidFill>
+                      <a:srgbClr val="FFFFFF"/>
+                    </a:solidFill>
+                  </a:tcPr>
+                </a:tc>
+                <a:tc>
+                  <a:txBody>
+                    <a:bodyPr/>
+                    <a:lstStyle/>
+                    <a:p>
+                      <a:pPr algn="ctr" fontAlgn="ctr"/>
+                      <a:r>
+                        <a:rPr lang="en-US" sz="700" b="0">
+                          <a:effectLst/>
+                        </a:rPr>
+                        <a:t>The clustered index stores data in the table itself.</a:t>
+                      </a:r>
+                    </a:p>
+                  </a:txBody>
+                  <a:tcPr marL="41961" marR="41961" marT="58745" marB="58745" anchor="ctr">
+                    <a:lnL w="2286" cap="flat" cmpd="sng" algn="ctr">
+                      <a:solidFill>
+                        <a:srgbClr val="DFDFDF"/>
+                      </a:solidFill>
+                      <a:prstDash val="solid"/>
+                      <a:round/>
+                      <a:headEnd type="none" w="med" len="med"/>
+                      <a:tailEnd type="none" w="med" len="med"/>
+                    </a:lnL>
+                    <a:lnR w="2286" cap="flat" cmpd="sng" algn="ctr">
+                      <a:solidFill>
+                        <a:srgbClr val="DFDFDF"/>
+                      </a:solidFill>
+                      <a:prstDash val="solid"/>
+                      <a:round/>
+                      <a:headEnd type="none" w="med" len="med"/>
+                      <a:tailEnd type="none" w="med" len="med"/>
+                    </a:lnR>
+                    <a:lnT w="2286" cap="flat" cmpd="sng" algn="ctr">
+                      <a:solidFill>
+                        <a:srgbClr val="DFDFDF"/>
+                      </a:solidFill>
+                      <a:prstDash val="solid"/>
+                      <a:round/>
+                      <a:headEnd type="none" w="med" len="med"/>
+                      <a:tailEnd type="none" w="med" len="med"/>
+                    </a:lnT>
+                    <a:lnB w="2286" cap="flat" cmpd="sng" algn="ctr">
+                      <a:solidFill>
+                        <a:srgbClr val="DFDFDF"/>
+                      </a:solidFill>
+                      <a:prstDash val="solid"/>
+                      <a:round/>
+                      <a:headEnd type="none" w="med" len="med"/>
+                      <a:tailEnd type="none" w="med" len="med"/>
+                    </a:lnB>
+                    <a:solidFill>
+                      <a:srgbClr val="FFFFFF"/>
+                    </a:solidFill>
+                  </a:tcPr>
+                </a:tc>
+                <a:tc>
+                  <a:txBody>
+                    <a:bodyPr/>
+                    <a:lstStyle/>
+                    <a:p>
+                      <a:pPr algn="ctr" fontAlgn="ctr"/>
+                      <a:r>
+                        <a:rPr lang="en-US" sz="700" b="0">
+                          <a:effectLst/>
+                        </a:rPr>
+                        <a:t>The non-clustered index stores data separately from the table.</a:t>
+                      </a:r>
+                    </a:p>
+                  </a:txBody>
+                  <a:tcPr marL="41961" marR="41961" marT="58745" marB="58745" anchor="ctr">
+                    <a:lnL w="2286" cap="flat" cmpd="sng" algn="ctr">
+                      <a:solidFill>
+                        <a:srgbClr val="DFDFDF"/>
+                      </a:solidFill>
+                      <a:prstDash val="solid"/>
+                      <a:round/>
+                      <a:headEnd type="none" w="med" len="med"/>
+                      <a:tailEnd type="none" w="med" len="med"/>
+                    </a:lnL>
+                    <a:lnR w="2286" cap="flat" cmpd="sng" algn="ctr">
+                      <a:solidFill>
+                        <a:srgbClr val="DFDFDF"/>
+                      </a:solidFill>
+                      <a:prstDash val="solid"/>
+                      <a:round/>
+                      <a:headEnd type="none" w="med" len="med"/>
+                      <a:tailEnd type="none" w="med" len="med"/>
+                    </a:lnR>
+                    <a:lnT w="2286" cap="flat" cmpd="sng" algn="ctr">
+                      <a:solidFill>
+                        <a:srgbClr val="DFDFDF"/>
+                      </a:solidFill>
+                      <a:prstDash val="solid"/>
+                      <a:round/>
+                      <a:headEnd type="none" w="med" len="med"/>
+                      <a:tailEnd type="none" w="med" len="med"/>
+                    </a:lnT>
+                    <a:lnB w="2286" cap="flat" cmpd="sng" algn="ctr">
+                      <a:solidFill>
+                        <a:srgbClr val="DFDFDF"/>
+                      </a:solidFill>
+                      <a:prstDash val="solid"/>
+                      <a:round/>
+                      <a:headEnd type="none" w="med" len="med"/>
+                      <a:tailEnd type="none" w="med" len="med"/>
+                    </a:lnB>
+                    <a:solidFill>
+                      <a:srgbClr val="FFFFFF"/>
+                    </a:solidFill>
+                  </a:tcPr>
+                </a:tc>
+                <a:extLst>
+                  <a:ext uri="{0D108BD9-81ED-4DB2-BD59-A6C34878D82A}">
+                    <a16:rowId xmlns:a16="http://schemas.microsoft.com/office/drawing/2014/main" val="2419933395"/>
+                  </a:ext>
+                </a:extLst>
+              </a:tr>
+              <a:tr h="222392">
+                <a:tc>
+                  <a:txBody>
+                    <a:bodyPr/>
+                    <a:lstStyle/>
+                    <a:p>
+                      <a:pPr algn="ctr" fontAlgn="ctr"/>
+                      <a:r>
+                        <a:rPr lang="en-US" sz="700" b="1">
+                          <a:effectLst/>
+                        </a:rPr>
+                        <a:t>Number of Indexes per Table</a:t>
+                      </a:r>
+                      <a:endParaRPr lang="en-US" sz="700" b="0">
+                        <a:effectLst/>
+                      </a:endParaRPr>
+                    </a:p>
+                  </a:txBody>
+                  <a:tcPr marL="41961" marR="41961" marT="58745" marB="58745" anchor="ctr">
+                    <a:lnL w="2286" cap="flat" cmpd="sng" algn="ctr">
+                      <a:solidFill>
+                        <a:srgbClr val="DFDFDF"/>
+                      </a:solidFill>
+                      <a:prstDash val="solid"/>
+                      <a:round/>
+                      <a:headEnd type="none" w="med" len="med"/>
+                      <a:tailEnd type="none" w="med" len="med"/>
+                    </a:lnL>
+                    <a:lnR w="2286" cap="flat" cmpd="sng" algn="ctr">
+                      <a:solidFill>
+                        <a:srgbClr val="DFDFDF"/>
+                      </a:solidFill>
+                      <a:prstDash val="solid"/>
+                      <a:round/>
+                      <a:headEnd type="none" w="med" len="med"/>
+                      <a:tailEnd type="none" w="med" len="med"/>
+                    </a:lnR>
+                    <a:lnT w="2286" cap="flat" cmpd="sng" algn="ctr">
+                      <a:solidFill>
+                        <a:srgbClr val="DFDFDF"/>
+                      </a:solidFill>
+                      <a:prstDash val="solid"/>
+                      <a:round/>
+                      <a:headEnd type="none" w="med" len="med"/>
+                      <a:tailEnd type="none" w="med" len="med"/>
+                    </a:lnT>
+                    <a:lnB w="2286" cap="flat" cmpd="sng" algn="ctr">
+                      <a:solidFill>
+                        <a:srgbClr val="DFDFDF"/>
+                      </a:solidFill>
+                      <a:prstDash val="solid"/>
+                      <a:round/>
+                      <a:headEnd type="none" w="med" len="med"/>
+                      <a:tailEnd type="none" w="med" len="med"/>
+                    </a:lnB>
+                    <a:solidFill>
+                      <a:srgbClr val="FFFFFF"/>
+                    </a:solidFill>
+                  </a:tcPr>
+                </a:tc>
+                <a:tc>
+                  <a:txBody>
+                    <a:bodyPr/>
+                    <a:lstStyle/>
+                    <a:p>
+                      <a:pPr algn="ctr" fontAlgn="ctr"/>
+                      <a:r>
+                        <a:rPr lang="en-US" sz="700" b="0">
+                          <a:effectLst/>
+                        </a:rPr>
+                        <a:t>A table can have only one clustered index.</a:t>
+                      </a:r>
+                    </a:p>
+                  </a:txBody>
+                  <a:tcPr marL="41961" marR="41961" marT="58745" marB="58745" anchor="ctr">
+                    <a:lnL w="2286" cap="flat" cmpd="sng" algn="ctr">
+                      <a:solidFill>
+                        <a:srgbClr val="DFDFDF"/>
+                      </a:solidFill>
+                      <a:prstDash val="solid"/>
+                      <a:round/>
+                      <a:headEnd type="none" w="med" len="med"/>
+                      <a:tailEnd type="none" w="med" len="med"/>
+                    </a:lnL>
+                    <a:lnR w="2286" cap="flat" cmpd="sng" algn="ctr">
+                      <a:solidFill>
+                        <a:srgbClr val="DFDFDF"/>
+                      </a:solidFill>
+                      <a:prstDash val="solid"/>
+                      <a:round/>
+                      <a:headEnd type="none" w="med" len="med"/>
+                      <a:tailEnd type="none" w="med" len="med"/>
+                    </a:lnR>
+                    <a:lnT w="2286" cap="flat" cmpd="sng" algn="ctr">
+                      <a:solidFill>
+                        <a:srgbClr val="DFDFDF"/>
+                      </a:solidFill>
+                      <a:prstDash val="solid"/>
+                      <a:round/>
+                      <a:headEnd type="none" w="med" len="med"/>
+                      <a:tailEnd type="none" w="med" len="med"/>
+                    </a:lnT>
+                    <a:lnB w="2286" cap="flat" cmpd="sng" algn="ctr">
+                      <a:solidFill>
+                        <a:srgbClr val="DFDFDF"/>
+                      </a:solidFill>
+                      <a:prstDash val="solid"/>
+                      <a:round/>
+                      <a:headEnd type="none" w="med" len="med"/>
+                      <a:tailEnd type="none" w="med" len="med"/>
+                    </a:lnB>
+                    <a:solidFill>
+                      <a:srgbClr val="FFFFFF"/>
+                    </a:solidFill>
+                  </a:tcPr>
+                </a:tc>
+                <a:tc>
+                  <a:txBody>
+                    <a:bodyPr/>
+                    <a:lstStyle/>
+                    <a:p>
+                      <a:pPr algn="ctr" fontAlgn="ctr"/>
+                      <a:r>
+                        <a:rPr lang="en-US" sz="700" b="0">
+                          <a:effectLst/>
+                        </a:rPr>
+                        <a:t>A table can have multiple non-clustered indexes.</a:t>
+                      </a:r>
+                    </a:p>
+                  </a:txBody>
+                  <a:tcPr marL="41961" marR="41961" marT="58745" marB="58745" anchor="ctr">
+                    <a:lnL w="2286" cap="flat" cmpd="sng" algn="ctr">
+                      <a:solidFill>
+                        <a:srgbClr val="DFDFDF"/>
+                      </a:solidFill>
+                      <a:prstDash val="solid"/>
+                      <a:round/>
+                      <a:headEnd type="none" w="med" len="med"/>
+                      <a:tailEnd type="none" w="med" len="med"/>
+                    </a:lnL>
+                    <a:lnR w="2286" cap="flat" cmpd="sng" algn="ctr">
+                      <a:solidFill>
+                        <a:srgbClr val="DFDFDF"/>
+                      </a:solidFill>
+                      <a:prstDash val="solid"/>
+                      <a:round/>
+                      <a:headEnd type="none" w="med" len="med"/>
+                      <a:tailEnd type="none" w="med" len="med"/>
+                    </a:lnR>
+                    <a:lnT w="2286" cap="flat" cmpd="sng" algn="ctr">
+                      <a:solidFill>
+                        <a:srgbClr val="DFDFDF"/>
+                      </a:solidFill>
+                      <a:prstDash val="solid"/>
+                      <a:round/>
+                      <a:headEnd type="none" w="med" len="med"/>
+                      <a:tailEnd type="none" w="med" len="med"/>
+                    </a:lnT>
+                    <a:lnB w="2286" cap="flat" cmpd="sng" algn="ctr">
+                      <a:solidFill>
+                        <a:srgbClr val="DFDFDF"/>
+                      </a:solidFill>
+                      <a:prstDash val="solid"/>
+                      <a:round/>
+                      <a:headEnd type="none" w="med" len="med"/>
+                      <a:tailEnd type="none" w="med" len="med"/>
+                    </a:lnB>
+                    <a:solidFill>
+                      <a:srgbClr val="FFFFFF"/>
+                    </a:solidFill>
+                  </a:tcPr>
+                </a:tc>
+                <a:extLst>
+                  <a:ext uri="{0D108BD9-81ED-4DB2-BD59-A6C34878D82A}">
+                    <a16:rowId xmlns:a16="http://schemas.microsoft.com/office/drawing/2014/main" val="2134738310"/>
+                  </a:ext>
+                </a:extLst>
+              </a:tr>
+              <a:tr h="327294">
+                <a:tc>
+                  <a:txBody>
+                    <a:bodyPr/>
+                    <a:lstStyle/>
+                    <a:p>
+                      <a:pPr algn="ctr" fontAlgn="ctr"/>
+                      <a:r>
+                        <a:rPr lang="en-IN" sz="700" b="1">
+                          <a:effectLst/>
+                        </a:rPr>
+                        <a:t>Disk Storage</a:t>
+                      </a:r>
+                      <a:endParaRPr lang="en-IN" sz="700" b="0">
+                        <a:effectLst/>
+                      </a:endParaRPr>
+                    </a:p>
+                  </a:txBody>
+                  <a:tcPr marL="41961" marR="41961" marT="58745" marB="58745" anchor="ctr">
+                    <a:lnL w="2286" cap="flat" cmpd="sng" algn="ctr">
+                      <a:solidFill>
+                        <a:srgbClr val="DFDFDF"/>
+                      </a:solidFill>
+                      <a:prstDash val="solid"/>
+                      <a:round/>
+                      <a:headEnd type="none" w="med" len="med"/>
+                      <a:tailEnd type="none" w="med" len="med"/>
+                    </a:lnL>
+                    <a:lnR w="2286" cap="flat" cmpd="sng" algn="ctr">
+                      <a:solidFill>
+                        <a:srgbClr val="DFDFDF"/>
+                      </a:solidFill>
+                      <a:prstDash val="solid"/>
+                      <a:round/>
+                      <a:headEnd type="none" w="med" len="med"/>
+                      <a:tailEnd type="none" w="med" len="med"/>
+                    </a:lnR>
+                    <a:lnT w="2286" cap="flat" cmpd="sng" algn="ctr">
+                      <a:solidFill>
+                        <a:srgbClr val="DFDFDF"/>
+                      </a:solidFill>
+                      <a:prstDash val="solid"/>
+                      <a:round/>
+                      <a:headEnd type="none" w="med" len="med"/>
+                      <a:tailEnd type="none" w="med" len="med"/>
+                    </a:lnT>
+                    <a:lnB w="2286" cap="flat" cmpd="sng" algn="ctr">
+                      <a:solidFill>
+                        <a:srgbClr val="DFDFDF"/>
+                      </a:solidFill>
+                      <a:prstDash val="solid"/>
+                      <a:round/>
+                      <a:headEnd type="none" w="med" len="med"/>
+                      <a:tailEnd type="none" w="med" len="med"/>
+                    </a:lnB>
+                    <a:solidFill>
+                      <a:srgbClr val="FFFFFF"/>
+                    </a:solidFill>
+                  </a:tcPr>
+                </a:tc>
+                <a:tc>
+                  <a:txBody>
+                    <a:bodyPr/>
+                    <a:lstStyle/>
+                    <a:p>
+                      <a:pPr algn="ctr" fontAlgn="ctr"/>
+                      <a:r>
+                        <a:rPr lang="en-US" sz="700" b="0">
+                          <a:effectLst/>
+                        </a:rPr>
+                        <a:t>The clustered index can store data on the disk.</a:t>
+                      </a:r>
+                    </a:p>
+                  </a:txBody>
+                  <a:tcPr marL="41961" marR="41961" marT="58745" marB="58745" anchor="ctr">
+                    <a:lnL w="2286" cap="flat" cmpd="sng" algn="ctr">
+                      <a:solidFill>
+                        <a:srgbClr val="DFDFDF"/>
+                      </a:solidFill>
+                      <a:prstDash val="solid"/>
+                      <a:round/>
+                      <a:headEnd type="none" w="med" len="med"/>
+                      <a:tailEnd type="none" w="med" len="med"/>
+                    </a:lnL>
+                    <a:lnR w="2286" cap="flat" cmpd="sng" algn="ctr">
+                      <a:solidFill>
+                        <a:srgbClr val="DFDFDF"/>
+                      </a:solidFill>
+                      <a:prstDash val="solid"/>
+                      <a:round/>
+                      <a:headEnd type="none" w="med" len="med"/>
+                      <a:tailEnd type="none" w="med" len="med"/>
+                    </a:lnR>
+                    <a:lnT w="2286" cap="flat" cmpd="sng" algn="ctr">
+                      <a:solidFill>
+                        <a:srgbClr val="DFDFDF"/>
+                      </a:solidFill>
+                      <a:prstDash val="solid"/>
+                      <a:round/>
+                      <a:headEnd type="none" w="med" len="med"/>
+                      <a:tailEnd type="none" w="med" len="med"/>
+                    </a:lnT>
+                    <a:lnB w="2286" cap="flat" cmpd="sng" algn="ctr">
+                      <a:solidFill>
+                        <a:srgbClr val="DFDFDF"/>
+                      </a:solidFill>
+                      <a:prstDash val="solid"/>
+                      <a:round/>
+                      <a:headEnd type="none" w="med" len="med"/>
+                      <a:tailEnd type="none" w="med" len="med"/>
+                    </a:lnB>
+                    <a:solidFill>
+                      <a:srgbClr val="FFFFFF"/>
+                    </a:solidFill>
+                  </a:tcPr>
+                </a:tc>
+                <a:tc>
+                  <a:txBody>
+                    <a:bodyPr/>
+                    <a:lstStyle/>
+                    <a:p>
+                      <a:pPr algn="ctr" fontAlgn="ctr"/>
+                      <a:r>
+                        <a:rPr lang="en-US" sz="700" b="0">
+                          <a:effectLst/>
+                        </a:rPr>
+                        <a:t>The non-clustered index does not store data on the disk.</a:t>
+                      </a:r>
+                    </a:p>
+                  </a:txBody>
+                  <a:tcPr marL="41961" marR="41961" marT="58745" marB="58745" anchor="ctr">
+                    <a:lnL w="2286" cap="flat" cmpd="sng" algn="ctr">
+                      <a:solidFill>
+                        <a:srgbClr val="DFDFDF"/>
+                      </a:solidFill>
+                      <a:prstDash val="solid"/>
+                      <a:round/>
+                      <a:headEnd type="none" w="med" len="med"/>
+                      <a:tailEnd type="none" w="med" len="med"/>
+                    </a:lnL>
+                    <a:lnR w="2286" cap="flat" cmpd="sng" algn="ctr">
+                      <a:solidFill>
+                        <a:srgbClr val="DFDFDF"/>
+                      </a:solidFill>
+                      <a:prstDash val="solid"/>
+                      <a:round/>
+                      <a:headEnd type="none" w="med" len="med"/>
+                      <a:tailEnd type="none" w="med" len="med"/>
+                    </a:lnR>
+                    <a:lnT w="2286" cap="flat" cmpd="sng" algn="ctr">
+                      <a:solidFill>
+                        <a:srgbClr val="DFDFDF"/>
+                      </a:solidFill>
+                      <a:prstDash val="solid"/>
+                      <a:round/>
+                      <a:headEnd type="none" w="med" len="med"/>
+                      <a:tailEnd type="none" w="med" len="med"/>
+                    </a:lnT>
+                    <a:lnB w="2286" cap="flat" cmpd="sng" algn="ctr">
+                      <a:solidFill>
+                        <a:srgbClr val="DFDFDF"/>
+                      </a:solidFill>
+                      <a:prstDash val="solid"/>
+                      <a:round/>
+                      <a:headEnd type="none" w="med" len="med"/>
+                      <a:tailEnd type="none" w="med" len="med"/>
+                    </a:lnB>
+                    <a:solidFill>
+                      <a:srgbClr val="FFFFFF"/>
+                    </a:solidFill>
+                  </a:tcPr>
+                </a:tc>
+                <a:extLst>
+                  <a:ext uri="{0D108BD9-81ED-4DB2-BD59-A6C34878D82A}">
+                    <a16:rowId xmlns:a16="http://schemas.microsoft.com/office/drawing/2014/main" val="1984277005"/>
+                  </a:ext>
+                </a:extLst>
+              </a:tr>
+              <a:tr h="327294">
+                <a:tc>
+                  <a:txBody>
+                    <a:bodyPr/>
+                    <a:lstStyle/>
+                    <a:p>
+                      <a:pPr algn="ctr" fontAlgn="ctr"/>
+                      <a:r>
+                        <a:rPr lang="en-IN" sz="700" b="1">
+                          <a:effectLst/>
+                        </a:rPr>
+                        <a:t>Pointer Storage</a:t>
+                      </a:r>
+                      <a:endParaRPr lang="en-IN" sz="700" b="0">
+                        <a:effectLst/>
+                      </a:endParaRPr>
+                    </a:p>
+                  </a:txBody>
+                  <a:tcPr marL="41961" marR="41961" marT="58745" marB="58745" anchor="ctr">
+                    <a:lnL w="2286" cap="flat" cmpd="sng" algn="ctr">
+                      <a:solidFill>
+                        <a:srgbClr val="DFDFDF"/>
+                      </a:solidFill>
+                      <a:prstDash val="solid"/>
+                      <a:round/>
+                      <a:headEnd type="none" w="med" len="med"/>
+                      <a:tailEnd type="none" w="med" len="med"/>
+                    </a:lnL>
+                    <a:lnR w="2286" cap="flat" cmpd="sng" algn="ctr">
+                      <a:solidFill>
+                        <a:srgbClr val="DFDFDF"/>
+                      </a:solidFill>
+                      <a:prstDash val="solid"/>
+                      <a:round/>
+                      <a:headEnd type="none" w="med" len="med"/>
+                      <a:tailEnd type="none" w="med" len="med"/>
+                    </a:lnR>
+                    <a:lnT w="2286" cap="flat" cmpd="sng" algn="ctr">
+                      <a:solidFill>
+                        <a:srgbClr val="DFDFDF"/>
+                      </a:solidFill>
+                      <a:prstDash val="solid"/>
+                      <a:round/>
+                      <a:headEnd type="none" w="med" len="med"/>
+                      <a:tailEnd type="none" w="med" len="med"/>
+                    </a:lnT>
+                    <a:lnB w="2286" cap="flat" cmpd="sng" algn="ctr">
+                      <a:solidFill>
+                        <a:srgbClr val="DFDFDF"/>
+                      </a:solidFill>
+                      <a:prstDash val="solid"/>
+                      <a:round/>
+                      <a:headEnd type="none" w="med" len="med"/>
+                      <a:tailEnd type="none" w="med" len="med"/>
+                    </a:lnB>
+                    <a:solidFill>
+                      <a:srgbClr val="FFFFFF"/>
+                    </a:solidFill>
+                  </a:tcPr>
+                </a:tc>
+                <a:tc>
+                  <a:txBody>
+                    <a:bodyPr/>
+                    <a:lstStyle/>
+                    <a:p>
+                      <a:pPr algn="ctr" fontAlgn="ctr"/>
+                      <a:r>
+                        <a:rPr lang="en-US" sz="700" b="0">
+                          <a:effectLst/>
+                        </a:rPr>
+                        <a:t>Stores pointers to the data blocks, not the data itself.</a:t>
+                      </a:r>
+                    </a:p>
+                  </a:txBody>
+                  <a:tcPr marL="41961" marR="41961" marT="58745" marB="58745" anchor="ctr">
+                    <a:lnL w="2286" cap="flat" cmpd="sng" algn="ctr">
+                      <a:solidFill>
+                        <a:srgbClr val="DFDFDF"/>
+                      </a:solidFill>
+                      <a:prstDash val="solid"/>
+                      <a:round/>
+                      <a:headEnd type="none" w="med" len="med"/>
+                      <a:tailEnd type="none" w="med" len="med"/>
+                    </a:lnL>
+                    <a:lnR w="2286" cap="flat" cmpd="sng" algn="ctr">
+                      <a:solidFill>
+                        <a:srgbClr val="DFDFDF"/>
+                      </a:solidFill>
+                      <a:prstDash val="solid"/>
+                      <a:round/>
+                      <a:headEnd type="none" w="med" len="med"/>
+                      <a:tailEnd type="none" w="med" len="med"/>
+                    </a:lnR>
+                    <a:lnT w="2286" cap="flat" cmpd="sng" algn="ctr">
+                      <a:solidFill>
+                        <a:srgbClr val="DFDFDF"/>
+                      </a:solidFill>
+                      <a:prstDash val="solid"/>
+                      <a:round/>
+                      <a:headEnd type="none" w="med" len="med"/>
+                      <a:tailEnd type="none" w="med" len="med"/>
+                    </a:lnT>
+                    <a:lnB w="2286" cap="flat" cmpd="sng" algn="ctr">
+                      <a:solidFill>
+                        <a:srgbClr val="DFDFDF"/>
+                      </a:solidFill>
+                      <a:prstDash val="solid"/>
+                      <a:round/>
+                      <a:headEnd type="none" w="med" len="med"/>
+                      <a:tailEnd type="none" w="med" len="med"/>
+                    </a:lnB>
+                    <a:solidFill>
+                      <a:srgbClr val="FFFFFF"/>
+                    </a:solidFill>
+                  </a:tcPr>
+                </a:tc>
+                <a:tc>
+                  <a:txBody>
+                    <a:bodyPr/>
+                    <a:lstStyle/>
+                    <a:p>
+                      <a:pPr algn="ctr" fontAlgn="ctr"/>
+                      <a:r>
+                        <a:rPr lang="en-US" sz="700" b="0">
+                          <a:effectLst/>
+                        </a:rPr>
+                        <a:t>Stores both the indexed value and a pointer to the actual row.</a:t>
+                      </a:r>
+                    </a:p>
+                  </a:txBody>
+                  <a:tcPr marL="41961" marR="41961" marT="58745" marB="58745" anchor="ctr">
+                    <a:lnL w="2286" cap="flat" cmpd="sng" algn="ctr">
+                      <a:solidFill>
+                        <a:srgbClr val="DFDFDF"/>
+                      </a:solidFill>
+                      <a:prstDash val="solid"/>
+                      <a:round/>
+                      <a:headEnd type="none" w="med" len="med"/>
+                      <a:tailEnd type="none" w="med" len="med"/>
+                    </a:lnL>
+                    <a:lnR w="2286" cap="flat" cmpd="sng" algn="ctr">
+                      <a:solidFill>
+                        <a:srgbClr val="DFDFDF"/>
+                      </a:solidFill>
+                      <a:prstDash val="solid"/>
+                      <a:round/>
+                      <a:headEnd type="none" w="med" len="med"/>
+                      <a:tailEnd type="none" w="med" len="med"/>
+                    </a:lnR>
+                    <a:lnT w="2286" cap="flat" cmpd="sng" algn="ctr">
+                      <a:solidFill>
+                        <a:srgbClr val="DFDFDF"/>
+                      </a:solidFill>
+                      <a:prstDash val="solid"/>
+                      <a:round/>
+                      <a:headEnd type="none" w="med" len="med"/>
+                      <a:tailEnd type="none" w="med" len="med"/>
+                    </a:lnT>
+                    <a:lnB w="2286" cap="flat" cmpd="sng" algn="ctr">
+                      <a:solidFill>
+                        <a:srgbClr val="DFDFDF"/>
+                      </a:solidFill>
+                      <a:prstDash val="solid"/>
+                      <a:round/>
+                      <a:headEnd type="none" w="med" len="med"/>
+                      <a:tailEnd type="none" w="med" len="med"/>
+                    </a:lnB>
+                    <a:solidFill>
+                      <a:srgbClr val="FFFFFF"/>
+                    </a:solidFill>
+                  </a:tcPr>
+                </a:tc>
+                <a:extLst>
+                  <a:ext uri="{0D108BD9-81ED-4DB2-BD59-A6C34878D82A}">
+                    <a16:rowId xmlns:a16="http://schemas.microsoft.com/office/drawing/2014/main" val="1882580844"/>
+                  </a:ext>
+                </a:extLst>
+              </a:tr>
+              <a:tr h="327294">
+                <a:tc>
+                  <a:txBody>
+                    <a:bodyPr/>
+                    <a:lstStyle/>
+                    <a:p>
+                      <a:pPr algn="ctr" fontAlgn="ctr"/>
+                      <a:r>
+                        <a:rPr lang="en-IN" sz="700" b="1">
+                          <a:effectLst/>
+                        </a:rPr>
+                        <a:t>Leaf Nodes</a:t>
+                      </a:r>
+                      <a:endParaRPr lang="en-IN" sz="700" b="0">
+                        <a:effectLst/>
+                      </a:endParaRPr>
+                    </a:p>
+                  </a:txBody>
+                  <a:tcPr marL="41961" marR="41961" marT="58745" marB="58745" anchor="ctr">
+                    <a:lnL w="2286" cap="flat" cmpd="sng" algn="ctr">
+                      <a:solidFill>
+                        <a:srgbClr val="DFDFDF"/>
+                      </a:solidFill>
+                      <a:prstDash val="solid"/>
+                      <a:round/>
+                      <a:headEnd type="none" w="med" len="med"/>
+                      <a:tailEnd type="none" w="med" len="med"/>
+                    </a:lnL>
+                    <a:lnR w="2286" cap="flat" cmpd="sng" algn="ctr">
+                      <a:solidFill>
+                        <a:srgbClr val="DFDFDF"/>
+                      </a:solidFill>
+                      <a:prstDash val="solid"/>
+                      <a:round/>
+                      <a:headEnd type="none" w="med" len="med"/>
+                      <a:tailEnd type="none" w="med" len="med"/>
+                    </a:lnR>
+                    <a:lnT w="2286" cap="flat" cmpd="sng" algn="ctr">
+                      <a:solidFill>
+                        <a:srgbClr val="DFDFDF"/>
+                      </a:solidFill>
+                      <a:prstDash val="solid"/>
+                      <a:round/>
+                      <a:headEnd type="none" w="med" len="med"/>
+                      <a:tailEnd type="none" w="med" len="med"/>
+                    </a:lnT>
+                    <a:lnB w="2286" cap="flat" cmpd="sng" algn="ctr">
+                      <a:solidFill>
+                        <a:srgbClr val="DFDFDF"/>
+                      </a:solidFill>
+                      <a:prstDash val="solid"/>
+                      <a:round/>
+                      <a:headEnd type="none" w="med" len="med"/>
+                      <a:tailEnd type="none" w="med" len="med"/>
+                    </a:lnB>
+                    <a:solidFill>
+                      <a:srgbClr val="FFFFFF"/>
+                    </a:solidFill>
+                  </a:tcPr>
+                </a:tc>
+                <a:tc>
+                  <a:txBody>
+                    <a:bodyPr/>
+                    <a:lstStyle/>
+                    <a:p>
+                      <a:pPr algn="ctr" fontAlgn="ctr"/>
+                      <a:r>
+                        <a:rPr lang="en-US" sz="700" b="0">
+                          <a:effectLst/>
+                        </a:rPr>
+                        <a:t>Leaf nodes contain the actual data itself.</a:t>
+                      </a:r>
+                    </a:p>
+                  </a:txBody>
+                  <a:tcPr marL="41961" marR="41961" marT="58745" marB="58745" anchor="ctr">
+                    <a:lnL w="2286" cap="flat" cmpd="sng" algn="ctr">
+                      <a:solidFill>
+                        <a:srgbClr val="DFDFDF"/>
+                      </a:solidFill>
+                      <a:prstDash val="solid"/>
+                      <a:round/>
+                      <a:headEnd type="none" w="med" len="med"/>
+                      <a:tailEnd type="none" w="med" len="med"/>
+                    </a:lnL>
+                    <a:lnR w="2286" cap="flat" cmpd="sng" algn="ctr">
+                      <a:solidFill>
+                        <a:srgbClr val="DFDFDF"/>
+                      </a:solidFill>
+                      <a:prstDash val="solid"/>
+                      <a:round/>
+                      <a:headEnd type="none" w="med" len="med"/>
+                      <a:tailEnd type="none" w="med" len="med"/>
+                    </a:lnR>
+                    <a:lnT w="2286" cap="flat" cmpd="sng" algn="ctr">
+                      <a:solidFill>
+                        <a:srgbClr val="DFDFDF"/>
+                      </a:solidFill>
+                      <a:prstDash val="solid"/>
+                      <a:round/>
+                      <a:headEnd type="none" w="med" len="med"/>
+                      <a:tailEnd type="none" w="med" len="med"/>
+                    </a:lnT>
+                    <a:lnB w="2286" cap="flat" cmpd="sng" algn="ctr">
+                      <a:solidFill>
+                        <a:srgbClr val="DFDFDF"/>
+                      </a:solidFill>
+                      <a:prstDash val="solid"/>
+                      <a:round/>
+                      <a:headEnd type="none" w="med" len="med"/>
+                      <a:tailEnd type="none" w="med" len="med"/>
+                    </a:lnB>
+                    <a:solidFill>
+                      <a:srgbClr val="FFFFFF"/>
+                    </a:solidFill>
+                  </a:tcPr>
+                </a:tc>
+                <a:tc>
+                  <a:txBody>
+                    <a:bodyPr/>
+                    <a:lstStyle/>
+                    <a:p>
+                      <a:pPr algn="ctr" fontAlgn="ctr"/>
+                      <a:r>
+                        <a:rPr lang="en-US" sz="700" b="0">
+                          <a:effectLst/>
+                        </a:rPr>
+                        <a:t>Leaf nodes contain indexed columns and pointers to data.</a:t>
+                      </a:r>
+                    </a:p>
+                  </a:txBody>
+                  <a:tcPr marL="41961" marR="41961" marT="58745" marB="58745" anchor="ctr">
+                    <a:lnL w="2286" cap="flat" cmpd="sng" algn="ctr">
+                      <a:solidFill>
+                        <a:srgbClr val="DFDFDF"/>
+                      </a:solidFill>
+                      <a:prstDash val="solid"/>
+                      <a:round/>
+                      <a:headEnd type="none" w="med" len="med"/>
+                      <a:tailEnd type="none" w="med" len="med"/>
+                    </a:lnL>
+                    <a:lnR w="2286" cap="flat" cmpd="sng" algn="ctr">
+                      <a:solidFill>
+                        <a:srgbClr val="DFDFDF"/>
+                      </a:solidFill>
+                      <a:prstDash val="solid"/>
+                      <a:round/>
+                      <a:headEnd type="none" w="med" len="med"/>
+                      <a:tailEnd type="none" w="med" len="med"/>
+                    </a:lnR>
+                    <a:lnT w="2286" cap="flat" cmpd="sng" algn="ctr">
+                      <a:solidFill>
+                        <a:srgbClr val="DFDFDF"/>
+                      </a:solidFill>
+                      <a:prstDash val="solid"/>
+                      <a:round/>
+                      <a:headEnd type="none" w="med" len="med"/>
+                      <a:tailEnd type="none" w="med" len="med"/>
+                    </a:lnT>
+                    <a:lnB w="2286" cap="flat" cmpd="sng" algn="ctr">
+                      <a:solidFill>
+                        <a:srgbClr val="DFDFDF"/>
+                      </a:solidFill>
+                      <a:prstDash val="solid"/>
+                      <a:round/>
+                      <a:headEnd type="none" w="med" len="med"/>
+                      <a:tailEnd type="none" w="med" len="med"/>
+                    </a:lnB>
+                    <a:solidFill>
+                      <a:srgbClr val="FFFFFF"/>
+                    </a:solidFill>
+                  </a:tcPr>
+                </a:tc>
+                <a:extLst>
+                  <a:ext uri="{0D108BD9-81ED-4DB2-BD59-A6C34878D82A}">
+                    <a16:rowId xmlns:a16="http://schemas.microsoft.com/office/drawing/2014/main" val="145451054"/>
+                  </a:ext>
+                </a:extLst>
+              </a:tr>
+              <a:tr h="327294">
+                <a:tc>
+                  <a:txBody>
+                    <a:bodyPr/>
+                    <a:lstStyle/>
+                    <a:p>
+                      <a:pPr algn="ctr" fontAlgn="ctr"/>
+                      <a:r>
+                        <a:rPr lang="en-IN" sz="700" b="1">
+                          <a:effectLst/>
+                        </a:rPr>
+                        <a:t>Data Order</a:t>
+                      </a:r>
+                      <a:endParaRPr lang="en-IN" sz="700" b="0">
+                        <a:effectLst/>
+                      </a:endParaRPr>
+                    </a:p>
+                  </a:txBody>
+                  <a:tcPr marL="41961" marR="41961" marT="58745" marB="58745" anchor="ctr">
+                    <a:lnL w="2286" cap="flat" cmpd="sng" algn="ctr">
+                      <a:solidFill>
+                        <a:srgbClr val="DFDFDF"/>
+                      </a:solidFill>
+                      <a:prstDash val="solid"/>
+                      <a:round/>
+                      <a:headEnd type="none" w="med" len="med"/>
+                      <a:tailEnd type="none" w="med" len="med"/>
+                    </a:lnL>
+                    <a:lnR w="2286" cap="flat" cmpd="sng" algn="ctr">
+                      <a:solidFill>
+                        <a:srgbClr val="DFDFDF"/>
+                      </a:solidFill>
+                      <a:prstDash val="solid"/>
+                      <a:round/>
+                      <a:headEnd type="none" w="med" len="med"/>
+                      <a:tailEnd type="none" w="med" len="med"/>
+                    </a:lnR>
+                    <a:lnT w="2286" cap="flat" cmpd="sng" algn="ctr">
+                      <a:solidFill>
+                        <a:srgbClr val="DFDFDF"/>
+                      </a:solidFill>
+                      <a:prstDash val="solid"/>
+                      <a:round/>
+                      <a:headEnd type="none" w="med" len="med"/>
+                      <a:tailEnd type="none" w="med" len="med"/>
+                    </a:lnT>
+                    <a:lnB w="2286" cap="flat" cmpd="sng" algn="ctr">
+                      <a:solidFill>
+                        <a:srgbClr val="DFDFDF"/>
+                      </a:solidFill>
+                      <a:prstDash val="solid"/>
+                      <a:round/>
+                      <a:headEnd type="none" w="med" len="med"/>
+                      <a:tailEnd type="none" w="med" len="med"/>
+                    </a:lnB>
+                    <a:solidFill>
+                      <a:srgbClr val="FFFFFF"/>
+                    </a:solidFill>
+                  </a:tcPr>
+                </a:tc>
+                <a:tc>
+                  <a:txBody>
+                    <a:bodyPr/>
+                    <a:lstStyle/>
+                    <a:p>
+                      <a:pPr algn="ctr" fontAlgn="ctr"/>
+                      <a:r>
+                        <a:rPr lang="en-US" sz="700" b="0">
+                          <a:effectLst/>
+                        </a:rPr>
+                        <a:t>Defines the physical order of the rows in the table.</a:t>
+                      </a:r>
+                    </a:p>
+                  </a:txBody>
+                  <a:tcPr marL="41961" marR="41961" marT="58745" marB="58745" anchor="ctr">
+                    <a:lnL w="2286" cap="flat" cmpd="sng" algn="ctr">
+                      <a:solidFill>
+                        <a:srgbClr val="DFDFDF"/>
+                      </a:solidFill>
+                      <a:prstDash val="solid"/>
+                      <a:round/>
+                      <a:headEnd type="none" w="med" len="med"/>
+                      <a:tailEnd type="none" w="med" len="med"/>
+                    </a:lnL>
+                    <a:lnR w="2286" cap="flat" cmpd="sng" algn="ctr">
+                      <a:solidFill>
+                        <a:srgbClr val="DFDFDF"/>
+                      </a:solidFill>
+                      <a:prstDash val="solid"/>
+                      <a:round/>
+                      <a:headEnd type="none" w="med" len="med"/>
+                      <a:tailEnd type="none" w="med" len="med"/>
+                    </a:lnR>
+                    <a:lnT w="2286" cap="flat" cmpd="sng" algn="ctr">
+                      <a:solidFill>
+                        <a:srgbClr val="DFDFDF"/>
+                      </a:solidFill>
+                      <a:prstDash val="solid"/>
+                      <a:round/>
+                      <a:headEnd type="none" w="med" len="med"/>
+                      <a:tailEnd type="none" w="med" len="med"/>
+                    </a:lnT>
+                    <a:lnB w="2286" cap="flat" cmpd="sng" algn="ctr">
+                      <a:solidFill>
+                        <a:srgbClr val="DFDFDF"/>
+                      </a:solidFill>
+                      <a:prstDash val="solid"/>
+                      <a:round/>
+                      <a:headEnd type="none" w="med" len="med"/>
+                      <a:tailEnd type="none" w="med" len="med"/>
+                    </a:lnB>
+                    <a:solidFill>
+                      <a:srgbClr val="FFFFFF"/>
+                    </a:solidFill>
+                  </a:tcPr>
+                </a:tc>
+                <a:tc>
+                  <a:txBody>
+                    <a:bodyPr/>
+                    <a:lstStyle/>
+                    <a:p>
+                      <a:pPr algn="ctr" fontAlgn="ctr"/>
+                      <a:r>
+                        <a:rPr lang="en-US" sz="700" b="0">
+                          <a:effectLst/>
+                        </a:rPr>
+                        <a:t>Defines the logical order of data in the index, not the table.</a:t>
+                      </a:r>
+                    </a:p>
+                  </a:txBody>
+                  <a:tcPr marL="41961" marR="41961" marT="58745" marB="58745" anchor="ctr">
+                    <a:lnL w="2286" cap="flat" cmpd="sng" algn="ctr">
+                      <a:solidFill>
+                        <a:srgbClr val="DFDFDF"/>
+                      </a:solidFill>
+                      <a:prstDash val="solid"/>
+                      <a:round/>
+                      <a:headEnd type="none" w="med" len="med"/>
+                      <a:tailEnd type="none" w="med" len="med"/>
+                    </a:lnL>
+                    <a:lnR w="2286" cap="flat" cmpd="sng" algn="ctr">
+                      <a:solidFill>
+                        <a:srgbClr val="DFDFDF"/>
+                      </a:solidFill>
+                      <a:prstDash val="solid"/>
+                      <a:round/>
+                      <a:headEnd type="none" w="med" len="med"/>
+                      <a:tailEnd type="none" w="med" len="med"/>
+                    </a:lnR>
+                    <a:lnT w="2286" cap="flat" cmpd="sng" algn="ctr">
+                      <a:solidFill>
+                        <a:srgbClr val="DFDFDF"/>
+                      </a:solidFill>
+                      <a:prstDash val="solid"/>
+                      <a:round/>
+                      <a:headEnd type="none" w="med" len="med"/>
+                      <a:tailEnd type="none" w="med" len="med"/>
+                    </a:lnT>
+                    <a:lnB w="2286" cap="flat" cmpd="sng" algn="ctr">
+                      <a:solidFill>
+                        <a:srgbClr val="DFDFDF"/>
+                      </a:solidFill>
+                      <a:prstDash val="solid"/>
+                      <a:round/>
+                      <a:headEnd type="none" w="med" len="med"/>
+                      <a:tailEnd type="none" w="med" len="med"/>
+                    </a:lnB>
+                    <a:solidFill>
+                      <a:srgbClr val="FFFFFF"/>
+                    </a:solidFill>
+                  </a:tcPr>
+                </a:tc>
+                <a:extLst>
+                  <a:ext uri="{0D108BD9-81ED-4DB2-BD59-A6C34878D82A}">
+                    <a16:rowId xmlns:a16="http://schemas.microsoft.com/office/drawing/2014/main" val="1084357321"/>
+                  </a:ext>
+                </a:extLst>
+              </a:tr>
+              <a:tr h="327294">
+                <a:tc>
+                  <a:txBody>
+                    <a:bodyPr/>
+                    <a:lstStyle/>
+                    <a:p>
+                      <a:pPr algn="ctr" fontAlgn="ctr"/>
+                      <a:r>
+                        <a:rPr lang="en-IN" sz="700" b="1">
+                          <a:effectLst/>
+                        </a:rPr>
+                        <a:t>Index Structure</a:t>
+                      </a:r>
+                      <a:endParaRPr lang="en-IN" sz="700" b="0">
+                        <a:effectLst/>
+                      </a:endParaRPr>
+                    </a:p>
+                  </a:txBody>
+                  <a:tcPr marL="41961" marR="41961" marT="58745" marB="58745" anchor="ctr">
+                    <a:lnL w="2286" cap="flat" cmpd="sng" algn="ctr">
+                      <a:solidFill>
+                        <a:srgbClr val="DFDFDF"/>
+                      </a:solidFill>
+                      <a:prstDash val="solid"/>
+                      <a:round/>
+                      <a:headEnd type="none" w="med" len="med"/>
+                      <a:tailEnd type="none" w="med" len="med"/>
+                    </a:lnL>
+                    <a:lnR w="2286" cap="flat" cmpd="sng" algn="ctr">
+                      <a:solidFill>
+                        <a:srgbClr val="DFDFDF"/>
+                      </a:solidFill>
+                      <a:prstDash val="solid"/>
+                      <a:round/>
+                      <a:headEnd type="none" w="med" len="med"/>
+                      <a:tailEnd type="none" w="med" len="med"/>
+                    </a:lnR>
+                    <a:lnT w="2286" cap="flat" cmpd="sng" algn="ctr">
+                      <a:solidFill>
+                        <a:srgbClr val="DFDFDF"/>
+                      </a:solidFill>
+                      <a:prstDash val="solid"/>
+                      <a:round/>
+                      <a:headEnd type="none" w="med" len="med"/>
+                      <a:tailEnd type="none" w="med" len="med"/>
+                    </a:lnT>
+                    <a:lnB w="2286" cap="flat" cmpd="sng" algn="ctr">
+                      <a:solidFill>
+                        <a:srgbClr val="DFDFDF"/>
+                      </a:solidFill>
+                      <a:prstDash val="solid"/>
+                      <a:round/>
+                      <a:headEnd type="none" w="med" len="med"/>
+                      <a:tailEnd type="none" w="med" len="med"/>
+                    </a:lnB>
+                    <a:solidFill>
+                      <a:srgbClr val="FFFFFF"/>
+                    </a:solidFill>
+                  </a:tcPr>
+                </a:tc>
+                <a:tc>
+                  <a:txBody>
+                    <a:bodyPr/>
+                    <a:lstStyle/>
+                    <a:p>
+                      <a:pPr algn="ctr" fontAlgn="ctr"/>
+                      <a:r>
+                        <a:rPr lang="en-US" sz="700" b="0">
+                          <a:effectLst/>
+                        </a:rPr>
+                        <a:t>The data is physically reordered to match the index.</a:t>
+                      </a:r>
+                    </a:p>
+                  </a:txBody>
+                  <a:tcPr marL="41961" marR="41961" marT="58745" marB="58745" anchor="ctr">
+                    <a:lnL w="2286" cap="flat" cmpd="sng" algn="ctr">
+                      <a:solidFill>
+                        <a:srgbClr val="DFDFDF"/>
+                      </a:solidFill>
+                      <a:prstDash val="solid"/>
+                      <a:round/>
+                      <a:headEnd type="none" w="med" len="med"/>
+                      <a:tailEnd type="none" w="med" len="med"/>
+                    </a:lnL>
+                    <a:lnR w="2286" cap="flat" cmpd="sng" algn="ctr">
+                      <a:solidFill>
+                        <a:srgbClr val="DFDFDF"/>
+                      </a:solidFill>
+                      <a:prstDash val="solid"/>
+                      <a:round/>
+                      <a:headEnd type="none" w="med" len="med"/>
+                      <a:tailEnd type="none" w="med" len="med"/>
+                    </a:lnR>
+                    <a:lnT w="2286" cap="flat" cmpd="sng" algn="ctr">
+                      <a:solidFill>
+                        <a:srgbClr val="DFDFDF"/>
+                      </a:solidFill>
+                      <a:prstDash val="solid"/>
+                      <a:round/>
+                      <a:headEnd type="none" w="med" len="med"/>
+                      <a:tailEnd type="none" w="med" len="med"/>
+                    </a:lnT>
+                    <a:lnB w="2286" cap="flat" cmpd="sng" algn="ctr">
+                      <a:solidFill>
+                        <a:srgbClr val="DFDFDF"/>
+                      </a:solidFill>
+                      <a:prstDash val="solid"/>
+                      <a:round/>
+                      <a:headEnd type="none" w="med" len="med"/>
+                      <a:tailEnd type="none" w="med" len="med"/>
+                    </a:lnB>
+                    <a:solidFill>
+                      <a:srgbClr val="FFFFFF"/>
+                    </a:solidFill>
+                  </a:tcPr>
+                </a:tc>
+                <a:tc>
+                  <a:txBody>
+                    <a:bodyPr/>
+                    <a:lstStyle/>
+                    <a:p>
+                      <a:pPr algn="ctr" fontAlgn="ctr"/>
+                      <a:r>
+                        <a:rPr lang="en-US" sz="700" b="0">
+                          <a:effectLst/>
+                        </a:rPr>
+                        <a:t>The logical order does not match the physical order of rows.</a:t>
+                      </a:r>
+                    </a:p>
+                  </a:txBody>
+                  <a:tcPr marL="41961" marR="41961" marT="58745" marB="58745" anchor="ctr">
+                    <a:lnL w="2286" cap="flat" cmpd="sng" algn="ctr">
+                      <a:solidFill>
+                        <a:srgbClr val="DFDFDF"/>
+                      </a:solidFill>
+                      <a:prstDash val="solid"/>
+                      <a:round/>
+                      <a:headEnd type="none" w="med" len="med"/>
+                      <a:tailEnd type="none" w="med" len="med"/>
+                    </a:lnL>
+                    <a:lnR w="2286" cap="flat" cmpd="sng" algn="ctr">
+                      <a:solidFill>
+                        <a:srgbClr val="DFDFDF"/>
+                      </a:solidFill>
+                      <a:prstDash val="solid"/>
+                      <a:round/>
+                      <a:headEnd type="none" w="med" len="med"/>
+                      <a:tailEnd type="none" w="med" len="med"/>
+                    </a:lnR>
+                    <a:lnT w="2286" cap="flat" cmpd="sng" algn="ctr">
+                      <a:solidFill>
+                        <a:srgbClr val="DFDFDF"/>
+                      </a:solidFill>
+                      <a:prstDash val="solid"/>
+                      <a:round/>
+                      <a:headEnd type="none" w="med" len="med"/>
+                      <a:tailEnd type="none" w="med" len="med"/>
+                    </a:lnT>
+                    <a:lnB w="2286" cap="flat" cmpd="sng" algn="ctr">
+                      <a:solidFill>
+                        <a:srgbClr val="DFDFDF"/>
+                      </a:solidFill>
+                      <a:prstDash val="solid"/>
+                      <a:round/>
+                      <a:headEnd type="none" w="med" len="med"/>
+                      <a:tailEnd type="none" w="med" len="med"/>
+                    </a:lnB>
+                    <a:solidFill>
+                      <a:srgbClr val="FFFFFF"/>
+                    </a:solidFill>
+                  </a:tcPr>
+                </a:tc>
+                <a:extLst>
+                  <a:ext uri="{0D108BD9-81ED-4DB2-BD59-A6C34878D82A}">
+                    <a16:rowId xmlns:a16="http://schemas.microsoft.com/office/drawing/2014/main" val="1639122633"/>
+                  </a:ext>
+                </a:extLst>
+              </a:tr>
+              <a:tr h="327294">
+                <a:tc>
+                  <a:txBody>
+                    <a:bodyPr/>
+                    <a:lstStyle/>
+                    <a:p>
+                      <a:pPr algn="ctr" fontAlgn="ctr"/>
+                      <a:r>
+                        <a:rPr lang="en-IN" sz="700" b="1">
+                          <a:effectLst/>
+                        </a:rPr>
+                        <a:t>Primary Key</a:t>
+                      </a:r>
+                      <a:endParaRPr lang="en-IN" sz="700" b="0">
+                        <a:effectLst/>
+                      </a:endParaRPr>
+                    </a:p>
+                  </a:txBody>
+                  <a:tcPr marL="41961" marR="41961" marT="58745" marB="58745" anchor="ctr">
+                    <a:lnL w="2286" cap="flat" cmpd="sng" algn="ctr">
+                      <a:solidFill>
+                        <a:srgbClr val="DFDFDF"/>
+                      </a:solidFill>
+                      <a:prstDash val="solid"/>
+                      <a:round/>
+                      <a:headEnd type="none" w="med" len="med"/>
+                      <a:tailEnd type="none" w="med" len="med"/>
+                    </a:lnL>
+                    <a:lnR w="2286" cap="flat" cmpd="sng" algn="ctr">
+                      <a:solidFill>
+                        <a:srgbClr val="DFDFDF"/>
+                      </a:solidFill>
+                      <a:prstDash val="solid"/>
+                      <a:round/>
+                      <a:headEnd type="none" w="med" len="med"/>
+                      <a:tailEnd type="none" w="med" len="med"/>
+                    </a:lnR>
+                    <a:lnT w="2286" cap="flat" cmpd="sng" algn="ctr">
+                      <a:solidFill>
+                        <a:srgbClr val="DFDFDF"/>
+                      </a:solidFill>
+                      <a:prstDash val="solid"/>
+                      <a:round/>
+                      <a:headEnd type="none" w="med" len="med"/>
+                      <a:tailEnd type="none" w="med" len="med"/>
+                    </a:lnT>
+                    <a:lnB w="2286" cap="flat" cmpd="sng" algn="ctr">
+                      <a:solidFill>
+                        <a:srgbClr val="DFDFDF"/>
+                      </a:solidFill>
+                      <a:prstDash val="solid"/>
+                      <a:round/>
+                      <a:headEnd type="none" w="med" len="med"/>
+                      <a:tailEnd type="none" w="med" len="med"/>
+                    </a:lnB>
+                    <a:solidFill>
+                      <a:srgbClr val="FFFFFF"/>
+                    </a:solidFill>
+                  </a:tcPr>
+                </a:tc>
+                <a:tc>
+                  <a:txBody>
+                    <a:bodyPr/>
+                    <a:lstStyle/>
+                    <a:p>
+                      <a:pPr algn="ctr" fontAlgn="ctr"/>
+                      <a:r>
+                        <a:rPr lang="en-US" sz="700" b="0">
+                          <a:effectLst/>
+                        </a:rPr>
+                        <a:t>Primary keys are by default clustered indexes.</a:t>
+                      </a:r>
+                    </a:p>
+                  </a:txBody>
+                  <a:tcPr marL="41961" marR="41961" marT="58745" marB="58745" anchor="ctr">
+                    <a:lnL w="2286" cap="flat" cmpd="sng" algn="ctr">
+                      <a:solidFill>
+                        <a:srgbClr val="DFDFDF"/>
+                      </a:solidFill>
+                      <a:prstDash val="solid"/>
+                      <a:round/>
+                      <a:headEnd type="none" w="med" len="med"/>
+                      <a:tailEnd type="none" w="med" len="med"/>
+                    </a:lnL>
+                    <a:lnR w="2286" cap="flat" cmpd="sng" algn="ctr">
+                      <a:solidFill>
+                        <a:srgbClr val="DFDFDF"/>
+                      </a:solidFill>
+                      <a:prstDash val="solid"/>
+                      <a:round/>
+                      <a:headEnd type="none" w="med" len="med"/>
+                      <a:tailEnd type="none" w="med" len="med"/>
+                    </a:lnR>
+                    <a:lnT w="2286" cap="flat" cmpd="sng" algn="ctr">
+                      <a:solidFill>
+                        <a:srgbClr val="DFDFDF"/>
+                      </a:solidFill>
+                      <a:prstDash val="solid"/>
+                      <a:round/>
+                      <a:headEnd type="none" w="med" len="med"/>
+                      <a:tailEnd type="none" w="med" len="med"/>
+                    </a:lnT>
+                    <a:lnB w="2286" cap="flat" cmpd="sng" algn="ctr">
+                      <a:solidFill>
+                        <a:srgbClr val="DFDFDF"/>
+                      </a:solidFill>
+                      <a:prstDash val="solid"/>
+                      <a:round/>
+                      <a:headEnd type="none" w="med" len="med"/>
+                      <a:tailEnd type="none" w="med" len="med"/>
+                    </a:lnB>
+                    <a:solidFill>
+                      <a:srgbClr val="FFFFFF"/>
+                    </a:solidFill>
+                  </a:tcPr>
+                </a:tc>
+                <a:tc>
+                  <a:txBody>
+                    <a:bodyPr/>
+                    <a:lstStyle/>
+                    <a:p>
+                      <a:pPr algn="ctr" fontAlgn="ctr"/>
+                      <a:r>
+                        <a:rPr lang="en-US" sz="700" b="0">
+                          <a:effectLst/>
+                        </a:rPr>
+                        <a:t>Composite keys used with unique constraints are non-clustered.</a:t>
+                      </a:r>
+                    </a:p>
+                  </a:txBody>
+                  <a:tcPr marL="41961" marR="41961" marT="58745" marB="58745" anchor="ctr">
+                    <a:lnL w="2286" cap="flat" cmpd="sng" algn="ctr">
+                      <a:solidFill>
+                        <a:srgbClr val="DFDFDF"/>
+                      </a:solidFill>
+                      <a:prstDash val="solid"/>
+                      <a:round/>
+                      <a:headEnd type="none" w="med" len="med"/>
+                      <a:tailEnd type="none" w="med" len="med"/>
+                    </a:lnL>
+                    <a:lnR w="2286" cap="flat" cmpd="sng" algn="ctr">
+                      <a:solidFill>
+                        <a:srgbClr val="DFDFDF"/>
+                      </a:solidFill>
+                      <a:prstDash val="solid"/>
+                      <a:round/>
+                      <a:headEnd type="none" w="med" len="med"/>
+                      <a:tailEnd type="none" w="med" len="med"/>
+                    </a:lnR>
+                    <a:lnT w="2286" cap="flat" cmpd="sng" algn="ctr">
+                      <a:solidFill>
+                        <a:srgbClr val="DFDFDF"/>
+                      </a:solidFill>
+                      <a:prstDash val="solid"/>
+                      <a:round/>
+                      <a:headEnd type="none" w="med" len="med"/>
+                      <a:tailEnd type="none" w="med" len="med"/>
+                    </a:lnT>
+                    <a:lnB w="2286" cap="flat" cmpd="sng" algn="ctr">
+                      <a:solidFill>
+                        <a:srgbClr val="DFDFDF"/>
+                      </a:solidFill>
+                      <a:prstDash val="solid"/>
+                      <a:round/>
+                      <a:headEnd type="none" w="med" len="med"/>
+                      <a:tailEnd type="none" w="med" len="med"/>
+                    </a:lnB>
+                    <a:solidFill>
+                      <a:srgbClr val="FFFFFF"/>
+                    </a:solidFill>
+                  </a:tcPr>
+                </a:tc>
+                <a:extLst>
+                  <a:ext uri="{0D108BD9-81ED-4DB2-BD59-A6C34878D82A}">
+                    <a16:rowId xmlns:a16="http://schemas.microsoft.com/office/drawing/2014/main" val="2257497285"/>
+                  </a:ext>
+                </a:extLst>
+              </a:tr>
+              <a:tr h="327294">
+                <a:tc>
+                  <a:txBody>
+                    <a:bodyPr/>
+                    <a:lstStyle/>
+                    <a:p>
+                      <a:pPr algn="ctr" fontAlgn="ctr"/>
+                      <a:r>
+                        <a:rPr lang="en-IN" sz="700" b="1">
+                          <a:effectLst/>
+                        </a:rPr>
+                        <a:t>Size</a:t>
+                      </a:r>
+                      <a:endParaRPr lang="en-IN" sz="700" b="0">
+                        <a:effectLst/>
+                      </a:endParaRPr>
+                    </a:p>
+                  </a:txBody>
+                  <a:tcPr marL="41961" marR="41961" marT="58745" marB="58745" anchor="ctr">
+                    <a:lnL w="2286" cap="flat" cmpd="sng" algn="ctr">
+                      <a:solidFill>
+                        <a:srgbClr val="DFDFDF"/>
+                      </a:solidFill>
+                      <a:prstDash val="solid"/>
+                      <a:round/>
+                      <a:headEnd type="none" w="med" len="med"/>
+                      <a:tailEnd type="none" w="med" len="med"/>
+                    </a:lnL>
+                    <a:lnR w="2286" cap="flat" cmpd="sng" algn="ctr">
+                      <a:solidFill>
+                        <a:srgbClr val="DFDFDF"/>
+                      </a:solidFill>
+                      <a:prstDash val="solid"/>
+                      <a:round/>
+                      <a:headEnd type="none" w="med" len="med"/>
+                      <a:tailEnd type="none" w="med" len="med"/>
+                    </a:lnR>
+                    <a:lnT w="2286" cap="flat" cmpd="sng" algn="ctr">
+                      <a:solidFill>
+                        <a:srgbClr val="DFDFDF"/>
+                      </a:solidFill>
+                      <a:prstDash val="solid"/>
+                      <a:round/>
+                      <a:headEnd type="none" w="med" len="med"/>
+                      <a:tailEnd type="none" w="med" len="med"/>
+                    </a:lnT>
+                    <a:lnB w="2286" cap="flat" cmpd="sng" algn="ctr">
+                      <a:solidFill>
+                        <a:srgbClr val="DFDFDF"/>
+                      </a:solidFill>
+                      <a:prstDash val="solid"/>
+                      <a:round/>
+                      <a:headEnd type="none" w="med" len="med"/>
+                      <a:tailEnd type="none" w="med" len="med"/>
+                    </a:lnB>
+                    <a:solidFill>
+                      <a:srgbClr val="FFFFFF"/>
+                    </a:solidFill>
+                  </a:tcPr>
+                </a:tc>
+                <a:tc>
+                  <a:txBody>
+                    <a:bodyPr/>
+                    <a:lstStyle/>
+                    <a:p>
+                      <a:pPr algn="ctr" fontAlgn="ctr"/>
+                      <a:r>
+                        <a:rPr lang="en-US" sz="700" b="0">
+                          <a:effectLst/>
+                        </a:rPr>
+                        <a:t>Typically larger, especially for large primary clustered indexes.</a:t>
+                      </a:r>
+                    </a:p>
+                  </a:txBody>
+                  <a:tcPr marL="41961" marR="41961" marT="58745" marB="58745" anchor="ctr">
+                    <a:lnL w="2286" cap="flat" cmpd="sng" algn="ctr">
+                      <a:solidFill>
+                        <a:srgbClr val="DFDFDF"/>
+                      </a:solidFill>
+                      <a:prstDash val="solid"/>
+                      <a:round/>
+                      <a:headEnd type="none" w="med" len="med"/>
+                      <a:tailEnd type="none" w="med" len="med"/>
+                    </a:lnL>
+                    <a:lnR w="2286" cap="flat" cmpd="sng" algn="ctr">
+                      <a:solidFill>
+                        <a:srgbClr val="DFDFDF"/>
+                      </a:solidFill>
+                      <a:prstDash val="solid"/>
+                      <a:round/>
+                      <a:headEnd type="none" w="med" len="med"/>
+                      <a:tailEnd type="none" w="med" len="med"/>
+                    </a:lnR>
+                    <a:lnT w="2286" cap="flat" cmpd="sng" algn="ctr">
+                      <a:solidFill>
+                        <a:srgbClr val="DFDFDF"/>
+                      </a:solidFill>
+                      <a:prstDash val="solid"/>
+                      <a:round/>
+                      <a:headEnd type="none" w="med" len="med"/>
+                      <a:tailEnd type="none" w="med" len="med"/>
+                    </a:lnT>
+                    <a:lnB w="2286" cap="flat" cmpd="sng" algn="ctr">
+                      <a:solidFill>
+                        <a:srgbClr val="DFDFDF"/>
+                      </a:solidFill>
+                      <a:prstDash val="solid"/>
+                      <a:round/>
+                      <a:headEnd type="none" w="med" len="med"/>
+                      <a:tailEnd type="none" w="med" len="med"/>
+                    </a:lnB>
+                    <a:solidFill>
+                      <a:srgbClr val="FFFFFF"/>
+                    </a:solidFill>
+                  </a:tcPr>
+                </a:tc>
+                <a:tc>
+                  <a:txBody>
+                    <a:bodyPr/>
+                    <a:lstStyle/>
+                    <a:p>
+                      <a:pPr algn="ctr" fontAlgn="ctr"/>
+                      <a:r>
+                        <a:rPr lang="en-US" sz="700" b="0">
+                          <a:effectLst/>
+                        </a:rPr>
+                        <a:t>Smaller than clustered indexes, especially when composite.</a:t>
+                      </a:r>
+                    </a:p>
+                  </a:txBody>
+                  <a:tcPr marL="41961" marR="41961" marT="58745" marB="58745" anchor="ctr">
+                    <a:lnL w="2286" cap="flat" cmpd="sng" algn="ctr">
+                      <a:solidFill>
+                        <a:srgbClr val="DFDFDF"/>
+                      </a:solidFill>
+                      <a:prstDash val="solid"/>
+                      <a:round/>
+                      <a:headEnd type="none" w="med" len="med"/>
+                      <a:tailEnd type="none" w="med" len="med"/>
+                    </a:lnL>
+                    <a:lnR w="2286" cap="flat" cmpd="sng" algn="ctr">
+                      <a:solidFill>
+                        <a:srgbClr val="DFDFDF"/>
+                      </a:solidFill>
+                      <a:prstDash val="solid"/>
+                      <a:round/>
+                      <a:headEnd type="none" w="med" len="med"/>
+                      <a:tailEnd type="none" w="med" len="med"/>
+                    </a:lnR>
+                    <a:lnT w="2286" cap="flat" cmpd="sng" algn="ctr">
+                      <a:solidFill>
+                        <a:srgbClr val="DFDFDF"/>
+                      </a:solidFill>
+                      <a:prstDash val="solid"/>
+                      <a:round/>
+                      <a:headEnd type="none" w="med" len="med"/>
+                      <a:tailEnd type="none" w="med" len="med"/>
+                    </a:lnT>
+                    <a:lnB w="2286" cap="flat" cmpd="sng" algn="ctr">
+                      <a:solidFill>
+                        <a:srgbClr val="DFDFDF"/>
+                      </a:solidFill>
+                      <a:prstDash val="solid"/>
+                      <a:round/>
+                      <a:headEnd type="none" w="med" len="med"/>
+                      <a:tailEnd type="none" w="med" len="med"/>
+                    </a:lnB>
+                    <a:solidFill>
+                      <a:srgbClr val="FFFFFF"/>
+                    </a:solidFill>
+                  </a:tcPr>
+                </a:tc>
+                <a:extLst>
+                  <a:ext uri="{0D108BD9-81ED-4DB2-BD59-A6C34878D82A}">
+                    <a16:rowId xmlns:a16="http://schemas.microsoft.com/office/drawing/2014/main" val="1665486514"/>
+                  </a:ext>
+                </a:extLst>
+              </a:tr>
+              <a:tr h="327294">
+                <a:tc>
+                  <a:txBody>
+                    <a:bodyPr/>
+                    <a:lstStyle/>
+                    <a:p>
+                      <a:pPr algn="ctr" fontAlgn="ctr"/>
+                      <a:r>
+                        <a:rPr lang="en-IN" sz="700" b="1">
+                          <a:effectLst/>
+                        </a:rPr>
+                        <a:t>Use Case</a:t>
+                      </a:r>
+                      <a:endParaRPr lang="en-IN" sz="700" b="0">
+                        <a:effectLst/>
+                      </a:endParaRPr>
+                    </a:p>
+                  </a:txBody>
+                  <a:tcPr marL="41961" marR="41961" marT="58745" marB="58745" anchor="ctr">
+                    <a:lnL w="2286" cap="flat" cmpd="sng" algn="ctr">
+                      <a:solidFill>
+                        <a:srgbClr val="DFDFDF"/>
+                      </a:solidFill>
+                      <a:prstDash val="solid"/>
+                      <a:round/>
+                      <a:headEnd type="none" w="med" len="med"/>
+                      <a:tailEnd type="none" w="med" len="med"/>
+                    </a:lnL>
+                    <a:lnR w="2286" cap="flat" cmpd="sng" algn="ctr">
+                      <a:solidFill>
+                        <a:srgbClr val="DFDFDF"/>
+                      </a:solidFill>
+                      <a:prstDash val="solid"/>
+                      <a:round/>
+                      <a:headEnd type="none" w="med" len="med"/>
+                      <a:tailEnd type="none" w="med" len="med"/>
+                    </a:lnR>
+                    <a:lnT w="2286" cap="flat" cmpd="sng" algn="ctr">
+                      <a:solidFill>
+                        <a:srgbClr val="DFDFDF"/>
+                      </a:solidFill>
+                      <a:prstDash val="solid"/>
+                      <a:round/>
+                      <a:headEnd type="none" w="med" len="med"/>
+                      <a:tailEnd type="none" w="med" len="med"/>
+                    </a:lnT>
+                    <a:lnB w="2286" cap="flat" cmpd="sng" algn="ctr">
+                      <a:solidFill>
+                        <a:srgbClr val="DFDFDF"/>
+                      </a:solidFill>
+                      <a:prstDash val="solid"/>
+                      <a:round/>
+                      <a:headEnd type="none" w="med" len="med"/>
+                      <a:tailEnd type="none" w="med" len="med"/>
+                    </a:lnB>
+                    <a:solidFill>
+                      <a:srgbClr val="FFFFFF"/>
+                    </a:solidFill>
+                  </a:tcPr>
+                </a:tc>
+                <a:tc>
+                  <a:txBody>
+                    <a:bodyPr/>
+                    <a:lstStyle/>
+                    <a:p>
+                      <a:pPr algn="ctr" fontAlgn="ctr"/>
+                      <a:r>
+                        <a:rPr lang="en-US" sz="700" b="0">
+                          <a:effectLst/>
+                        </a:rPr>
+                        <a:t>Ideal for range queries and sorting.</a:t>
+                      </a:r>
+                    </a:p>
+                  </a:txBody>
+                  <a:tcPr marL="41961" marR="41961" marT="58745" marB="58745" anchor="ctr">
+                    <a:lnL w="2286" cap="flat" cmpd="sng" algn="ctr">
+                      <a:solidFill>
+                        <a:srgbClr val="DFDFDF"/>
+                      </a:solidFill>
+                      <a:prstDash val="solid"/>
+                      <a:round/>
+                      <a:headEnd type="none" w="med" len="med"/>
+                      <a:tailEnd type="none" w="med" len="med"/>
+                    </a:lnL>
+                    <a:lnR w="2286" cap="flat" cmpd="sng" algn="ctr">
+                      <a:solidFill>
+                        <a:srgbClr val="DFDFDF"/>
+                      </a:solidFill>
+                      <a:prstDash val="solid"/>
+                      <a:round/>
+                      <a:headEnd type="none" w="med" len="med"/>
+                      <a:tailEnd type="none" w="med" len="med"/>
+                    </a:lnR>
+                    <a:lnT w="2286" cap="flat" cmpd="sng" algn="ctr">
+                      <a:solidFill>
+                        <a:srgbClr val="DFDFDF"/>
+                      </a:solidFill>
+                      <a:prstDash val="solid"/>
+                      <a:round/>
+                      <a:headEnd type="none" w="med" len="med"/>
+                      <a:tailEnd type="none" w="med" len="med"/>
+                    </a:lnT>
+                    <a:lnB w="2286" cap="flat" cmpd="sng" algn="ctr">
+                      <a:solidFill>
+                        <a:srgbClr val="DFDFDF"/>
+                      </a:solidFill>
+                      <a:prstDash val="solid"/>
+                      <a:round/>
+                      <a:headEnd type="none" w="med" len="med"/>
+                      <a:tailEnd type="none" w="med" len="med"/>
+                    </a:lnB>
+                    <a:solidFill>
+                      <a:srgbClr val="FFFFFF"/>
+                    </a:solidFill>
+                  </a:tcPr>
+                </a:tc>
+                <a:tc>
+                  <a:txBody>
+                    <a:bodyPr/>
+                    <a:lstStyle/>
+                    <a:p>
+                      <a:pPr algn="ctr" fontAlgn="ctr"/>
+                      <a:r>
+                        <a:rPr lang="en-US" sz="700" b="0">
+                          <a:effectLst/>
+                        </a:rPr>
+                        <a:t>Suitable for optimizing lookups and queries on non-primary columns.</a:t>
+                      </a:r>
+                    </a:p>
+                  </a:txBody>
+                  <a:tcPr marL="41961" marR="41961" marT="58745" marB="58745" anchor="ctr">
+                    <a:lnL w="2286" cap="flat" cmpd="sng" algn="ctr">
+                      <a:solidFill>
+                        <a:srgbClr val="DFDFDF"/>
+                      </a:solidFill>
+                      <a:prstDash val="solid"/>
+                      <a:round/>
+                      <a:headEnd type="none" w="med" len="med"/>
+                      <a:tailEnd type="none" w="med" len="med"/>
+                    </a:lnL>
+                    <a:lnR w="2286" cap="flat" cmpd="sng" algn="ctr">
+                      <a:solidFill>
+                        <a:srgbClr val="DFDFDF"/>
+                      </a:solidFill>
+                      <a:prstDash val="solid"/>
+                      <a:round/>
+                      <a:headEnd type="none" w="med" len="med"/>
+                      <a:tailEnd type="none" w="med" len="med"/>
+                    </a:lnR>
+                    <a:lnT w="2286" cap="flat" cmpd="sng" algn="ctr">
+                      <a:solidFill>
+                        <a:srgbClr val="DFDFDF"/>
+                      </a:solidFill>
+                      <a:prstDash val="solid"/>
+                      <a:round/>
+                      <a:headEnd type="none" w="med" len="med"/>
+                      <a:tailEnd type="none" w="med" len="med"/>
+                    </a:lnT>
+                    <a:lnB w="2286" cap="flat" cmpd="sng" algn="ctr">
+                      <a:solidFill>
+                        <a:srgbClr val="DFDFDF"/>
+                      </a:solidFill>
+                      <a:prstDash val="solid"/>
+                      <a:round/>
+                      <a:headEnd type="none" w="med" len="med"/>
+                      <a:tailEnd type="none" w="med" len="med"/>
+                    </a:lnB>
+                    <a:solidFill>
+                      <a:srgbClr val="FFFFFF"/>
+                    </a:solidFill>
+                  </a:tcPr>
+                </a:tc>
+                <a:extLst>
+                  <a:ext uri="{0D108BD9-81ED-4DB2-BD59-A6C34878D82A}">
+                    <a16:rowId xmlns:a16="http://schemas.microsoft.com/office/drawing/2014/main" val="4048266080"/>
+                  </a:ext>
+                </a:extLst>
+              </a:tr>
+              <a:tr h="327294">
+                <a:tc>
+                  <a:txBody>
+                    <a:bodyPr/>
+                    <a:lstStyle/>
+                    <a:p>
+                      <a:pPr algn="ctr" fontAlgn="ctr"/>
+                      <a:r>
+                        <a:rPr lang="en-IN" sz="700" b="1">
+                          <a:effectLst/>
+                        </a:rPr>
+                        <a:t>Impact on Table</a:t>
+                      </a:r>
+                      <a:endParaRPr lang="en-IN" sz="700" b="0">
+                        <a:effectLst/>
+                      </a:endParaRPr>
+                    </a:p>
+                  </a:txBody>
+                  <a:tcPr marL="41961" marR="41961" marT="58745" marB="58745" anchor="ctr">
+                    <a:lnL w="2286" cap="flat" cmpd="sng" algn="ctr">
+                      <a:solidFill>
+                        <a:srgbClr val="DFDFDF"/>
+                      </a:solidFill>
+                      <a:prstDash val="solid"/>
+                      <a:round/>
+                      <a:headEnd type="none" w="med" len="med"/>
+                      <a:tailEnd type="none" w="med" len="med"/>
+                    </a:lnL>
+                    <a:lnR w="2286" cap="flat" cmpd="sng" algn="ctr">
+                      <a:solidFill>
+                        <a:srgbClr val="DFDFDF"/>
+                      </a:solidFill>
+                      <a:prstDash val="solid"/>
+                      <a:round/>
+                      <a:headEnd type="none" w="med" len="med"/>
+                      <a:tailEnd type="none" w="med" len="med"/>
+                    </a:lnR>
+                    <a:lnT w="2286" cap="flat" cmpd="sng" algn="ctr">
+                      <a:solidFill>
+                        <a:srgbClr val="DFDFDF"/>
+                      </a:solidFill>
+                      <a:prstDash val="solid"/>
+                      <a:round/>
+                      <a:headEnd type="none" w="med" len="med"/>
+                      <a:tailEnd type="none" w="med" len="med"/>
+                    </a:lnT>
+                    <a:lnB w="2286" cap="flat" cmpd="sng" algn="ctr">
+                      <a:solidFill>
+                        <a:srgbClr val="DFDFDF"/>
+                      </a:solidFill>
+                      <a:prstDash val="solid"/>
+                      <a:round/>
+                      <a:headEnd type="none" w="med" len="med"/>
+                      <a:tailEnd type="none" w="med" len="med"/>
+                    </a:lnB>
+                    <a:solidFill>
+                      <a:srgbClr val="FFFFFF"/>
+                    </a:solidFill>
+                  </a:tcPr>
+                </a:tc>
+                <a:tc>
+                  <a:txBody>
+                    <a:bodyPr/>
+                    <a:lstStyle/>
+                    <a:p>
+                      <a:pPr algn="ctr" fontAlgn="ctr"/>
+                      <a:r>
+                        <a:rPr lang="en-US" sz="700" b="0">
+                          <a:effectLst/>
+                        </a:rPr>
+                        <a:t>A clustered index directly impacts the table’s physical storage order.</a:t>
+                      </a:r>
+                    </a:p>
+                  </a:txBody>
+                  <a:tcPr marL="41961" marR="41961" marT="58745" marB="58745" anchor="ctr">
+                    <a:lnL w="2286" cap="flat" cmpd="sng" algn="ctr">
+                      <a:solidFill>
+                        <a:srgbClr val="DFDFDF"/>
+                      </a:solidFill>
+                      <a:prstDash val="solid"/>
+                      <a:round/>
+                      <a:headEnd type="none" w="med" len="med"/>
+                      <a:tailEnd type="none" w="med" len="med"/>
+                    </a:lnL>
+                    <a:lnR w="2286" cap="flat" cmpd="sng" algn="ctr">
+                      <a:solidFill>
+                        <a:srgbClr val="DFDFDF"/>
+                      </a:solidFill>
+                      <a:prstDash val="solid"/>
+                      <a:round/>
+                      <a:headEnd type="none" w="med" len="med"/>
+                      <a:tailEnd type="none" w="med" len="med"/>
+                    </a:lnR>
+                    <a:lnT w="2286" cap="flat" cmpd="sng" algn="ctr">
+                      <a:solidFill>
+                        <a:srgbClr val="DFDFDF"/>
+                      </a:solidFill>
+                      <a:prstDash val="solid"/>
+                      <a:round/>
+                      <a:headEnd type="none" w="med" len="med"/>
+                      <a:tailEnd type="none" w="med" len="med"/>
+                    </a:lnT>
+                    <a:lnB w="2286" cap="flat" cmpd="sng" algn="ctr">
+                      <a:solidFill>
+                        <a:srgbClr val="DFDFDF"/>
+                      </a:solidFill>
+                      <a:prstDash val="solid"/>
+                      <a:round/>
+                      <a:headEnd type="none" w="med" len="med"/>
+                      <a:tailEnd type="none" w="med" len="med"/>
+                    </a:lnB>
+                    <a:solidFill>
+                      <a:srgbClr val="FFFFFF"/>
+                    </a:solidFill>
+                  </a:tcPr>
+                </a:tc>
+                <a:tc>
+                  <a:txBody>
+                    <a:bodyPr/>
+                    <a:lstStyle/>
+                    <a:p>
+                      <a:pPr algn="ctr" fontAlgn="ctr"/>
+                      <a:r>
+                        <a:rPr lang="en-US" sz="700" b="0" dirty="0">
+                          <a:effectLst/>
+                        </a:rPr>
+                        <a:t>A non-clustered index does not affect the physical storage order of the table.</a:t>
+                      </a:r>
+                    </a:p>
+                  </a:txBody>
+                  <a:tcPr marL="41961" marR="41961" marT="58745" marB="58745" anchor="ctr">
+                    <a:lnL w="2286" cap="flat" cmpd="sng" algn="ctr">
+                      <a:solidFill>
+                        <a:srgbClr val="DFDFDF"/>
+                      </a:solidFill>
+                      <a:prstDash val="solid"/>
+                      <a:round/>
+                      <a:headEnd type="none" w="med" len="med"/>
+                      <a:tailEnd type="none" w="med" len="med"/>
+                    </a:lnL>
+                    <a:lnR w="2286" cap="flat" cmpd="sng" algn="ctr">
+                      <a:solidFill>
+                        <a:srgbClr val="DFDFDF"/>
+                      </a:solidFill>
+                      <a:prstDash val="solid"/>
+                      <a:round/>
+                      <a:headEnd type="none" w="med" len="med"/>
+                      <a:tailEnd type="none" w="med" len="med"/>
+                    </a:lnR>
+                    <a:lnT w="2286" cap="flat" cmpd="sng" algn="ctr">
+                      <a:solidFill>
+                        <a:srgbClr val="DFDFDF"/>
+                      </a:solidFill>
+                      <a:prstDash val="solid"/>
+                      <a:round/>
+                      <a:headEnd type="none" w="med" len="med"/>
+                      <a:tailEnd type="none" w="med" len="med"/>
+                    </a:lnT>
+                    <a:lnB w="2286" cap="flat" cmpd="sng" algn="ctr">
+                      <a:solidFill>
+                        <a:srgbClr val="DFDFDF"/>
+                      </a:solidFill>
+                      <a:prstDash val="solid"/>
+                      <a:round/>
+                      <a:headEnd type="none" w="med" len="med"/>
+                      <a:tailEnd type="none" w="med" len="med"/>
+                    </a:lnB>
+                    <a:solidFill>
+                      <a:srgbClr val="FFFFFF"/>
+                    </a:solidFill>
+                  </a:tcPr>
+                </a:tc>
+                <a:extLst>
+                  <a:ext uri="{0D108BD9-81ED-4DB2-BD59-A6C34878D82A}">
+                    <a16:rowId xmlns:a16="http://schemas.microsoft.com/office/drawing/2014/main" val="1991069300"/>
+                  </a:ext>
+                </a:extLst>
+              </a:tr>
+            </a:tbl>
+          </a:graphicData>
+        </a:graphic>
+      </p:graphicFrame>
+      <p:sp>
+        <p:nvSpPr>
+          <p:cNvPr id="3" name="Rectangle 1">
+            <a:extLst>
+              <a:ext uri="{FF2B5EF4-FFF2-40B4-BE49-F238E27FC236}">
+                <a16:creationId xmlns:a16="http://schemas.microsoft.com/office/drawing/2014/main" id="{9E35DF51-20BC-78AC-8A97-4D0C701095C5}"/>
+              </a:ext>
+            </a:extLst>
+          </p:cNvPr>
+          <p:cNvSpPr>
+            <a:spLocks noChangeArrowheads="1"/>
+          </p:cNvSpPr>
+          <p:nvPr/>
+        </p:nvSpPr>
+        <p:spPr bwMode="auto">
+          <a:xfrm>
+            <a:off x="475130" y="454730"/>
+            <a:ext cx="8941432" cy="677108"/>
+          </a:xfrm>
+          <a:prstGeom prst="rect">
+            <a:avLst/>
+          </a:prstGeom>
+          <a:solidFill>
+            <a:srgbClr val="FFFFFF"/>
+          </a:solidFill>
+          <a:ln>
+            <a:noFill/>
+          </a:ln>
+          <a:effectLst/>
+          <a:extLst>
+            <a:ext uri="{91240B29-F687-4F45-9708-019B960494DF}">
+              <a14:hiddenLine xmlns:a14="http://schemas.microsoft.com/office/drawing/2010/main" w="9525">
+                <a:solidFill>
+                  <a:schemeClr val="tx1"/>
+                </a:solidFill>
+                <a:miter lim="800000"/>
+                <a:headEnd/>
+                <a:tailEnd/>
+              </a14:hiddenLine>
+            </a:ext>
+            <a:ext uri="{AF507438-7753-43E0-B8FC-AC1667EBCBE1}">
+              <a14:hiddenEffects xmlns:a14="http://schemas.microsoft.com/office/drawing/2010/main">
+                <a:effectLst>
+                  <a:outerShdw dist="35921" dir="2700000" algn="ctr" rotWithShape="0">
+                    <a:schemeClr val="bg2"/>
+                  </a:outerShdw>
+                </a:effectLst>
+              </a14:hiddenEffects>
+            </a:ext>
+          </a:extLst>
+        </p:spPr>
+        <p:txBody>
+          <a:bodyPr vert="horz" wrap="square" lIns="0" tIns="0" rIns="0" bIns="0" numCol="1" anchor="ctr" anchorCtr="0" compatLnSpc="1">
+            <a:prstTxWarp prst="textNoShape">
+              <a:avLst/>
+            </a:prstTxWarp>
+            <a:spAutoFit/>
+          </a:bodyPr>
+          <a:lstStyle>
+            <a:lvl1pPr eaLnBrk="0" fontAlgn="base" hangingPunct="0">
+              <a:spcBef>
+                <a:spcPct val="0"/>
+              </a:spcBef>
+              <a:spcAft>
+                <a:spcPct val="0"/>
+              </a:spcAft>
+              <a:defRPr>
+                <a:solidFill>
+                  <a:schemeClr val="tx1"/>
+                </a:solidFill>
+                <a:latin typeface="Arial" panose="020B0604020202020204" pitchFamily="34" charset="0"/>
+              </a:defRPr>
+            </a:lvl1pPr>
+            <a:lvl2pPr eaLnBrk="0" fontAlgn="base" hangingPunct="0">
+              <a:spcBef>
+                <a:spcPct val="0"/>
+              </a:spcBef>
+              <a:spcAft>
+                <a:spcPct val="0"/>
+              </a:spcAft>
+              <a:defRPr>
+                <a:solidFill>
+                  <a:schemeClr val="tx1"/>
+                </a:solidFill>
+                <a:latin typeface="Arial" panose="020B0604020202020204" pitchFamily="34" charset="0"/>
+              </a:defRPr>
+            </a:lvl2pPr>
+            <a:lvl3pPr eaLnBrk="0" fontAlgn="base" hangingPunct="0">
+              <a:spcBef>
+                <a:spcPct val="0"/>
+              </a:spcBef>
+              <a:spcAft>
+                <a:spcPct val="0"/>
+              </a:spcAft>
+              <a:defRPr>
+                <a:solidFill>
+                  <a:schemeClr val="tx1"/>
+                </a:solidFill>
+                <a:latin typeface="Arial" panose="020B0604020202020204" pitchFamily="34" charset="0"/>
+              </a:defRPr>
+            </a:lvl3pPr>
+            <a:lvl4pPr eaLnBrk="0" fontAlgn="base" hangingPunct="0">
+              <a:spcBef>
+                <a:spcPct val="0"/>
+              </a:spcBef>
+              <a:spcAft>
+                <a:spcPct val="0"/>
+              </a:spcAft>
+              <a:defRPr>
+                <a:solidFill>
+                  <a:schemeClr val="tx1"/>
+                </a:solidFill>
+                <a:latin typeface="Arial" panose="020B0604020202020204" pitchFamily="34" charset="0"/>
+              </a:defRPr>
+            </a:lvl4pPr>
+            <a:lvl5pPr eaLnBrk="0" fontAlgn="base" hangingPunct="0">
+              <a:spcBef>
+                <a:spcPct val="0"/>
+              </a:spcBef>
+              <a:spcAft>
+                <a:spcPct val="0"/>
+              </a:spcAft>
+              <a:defRPr>
+                <a:solidFill>
+                  <a:schemeClr val="tx1"/>
+                </a:solidFill>
+                <a:latin typeface="Arial" panose="020B0604020202020204" pitchFamily="34" charset="0"/>
+              </a:defRPr>
+            </a:lvl5pPr>
+            <a:lvl6pPr eaLnBrk="0" fontAlgn="base" hangingPunct="0">
+              <a:spcBef>
+                <a:spcPct val="0"/>
+              </a:spcBef>
+              <a:spcAft>
+                <a:spcPct val="0"/>
+              </a:spcAft>
+              <a:defRPr>
+                <a:solidFill>
+                  <a:schemeClr val="tx1"/>
+                </a:solidFill>
+                <a:latin typeface="Arial" panose="020B0604020202020204" pitchFamily="34" charset="0"/>
+              </a:defRPr>
+            </a:lvl6pPr>
+            <a:lvl7pPr eaLnBrk="0" fontAlgn="base" hangingPunct="0">
+              <a:spcBef>
+                <a:spcPct val="0"/>
+              </a:spcBef>
+              <a:spcAft>
+                <a:spcPct val="0"/>
+              </a:spcAft>
+              <a:defRPr>
+                <a:solidFill>
+                  <a:schemeClr val="tx1"/>
+                </a:solidFill>
+                <a:latin typeface="Arial" panose="020B0604020202020204" pitchFamily="34" charset="0"/>
+              </a:defRPr>
+            </a:lvl7pPr>
+            <a:lvl8pPr eaLnBrk="0" fontAlgn="base" hangingPunct="0">
+              <a:spcBef>
+                <a:spcPct val="0"/>
+              </a:spcBef>
+              <a:spcAft>
+                <a:spcPct val="0"/>
+              </a:spcAft>
+              <a:defRPr>
+                <a:solidFill>
+                  <a:schemeClr val="tx1"/>
+                </a:solidFill>
+                <a:latin typeface="Arial" panose="020B0604020202020204" pitchFamily="34" charset="0"/>
+              </a:defRPr>
+            </a:lvl8pPr>
+            <a:lvl9pPr eaLnBrk="0" fontAlgn="base" hangingPunct="0">
+              <a:spcBef>
+                <a:spcPct val="0"/>
+              </a:spcBef>
+              <a:spcAft>
+                <a:spcPct val="0"/>
+              </a:spcAft>
+              <a:defRPr>
+                <a:solidFill>
+                  <a:schemeClr val="tx1"/>
+                </a:solidFill>
+                <a:latin typeface="Arial" panose="020B0604020202020204" pitchFamily="34" charset="0"/>
+              </a:defRPr>
+            </a:lvl9pPr>
+          </a:lstStyle>
+          <a:p>
+            <a:pPr marL="0" marR="0" lvl="0" indent="0" algn="just" defTabSz="914400" rtl="0" eaLnBrk="0" fontAlgn="base" latinLnBrk="0" hangingPunct="0">
+              <a:lnSpc>
+                <a:spcPct val="100000"/>
+              </a:lnSpc>
+              <a:spcBef>
+                <a:spcPct val="0"/>
+              </a:spcBef>
+              <a:spcAft>
+                <a:spcPct val="0"/>
+              </a:spcAft>
+              <a:buClrTx/>
+              <a:buSzTx/>
+              <a:buFontTx/>
+              <a:buNone/>
+              <a:tabLst/>
+            </a:pPr>
+            <a:r>
+              <a:rPr kumimoji="0" lang="en-US" altLang="en-US" sz="1800" b="1" i="0" u="none" strike="noStrike" cap="none" normalizeH="0" baseline="0" dirty="0">
+                <a:ln>
+                  <a:noFill/>
+                </a:ln>
+                <a:solidFill>
+                  <a:srgbClr val="273239"/>
+                </a:solidFill>
+                <a:effectLst/>
+                <a:latin typeface="Nunito" panose="020F0502020204030204" pitchFamily="2" charset="0"/>
+              </a:rPr>
+              <a:t>Differences Between Clustered and Non-Clustered Index</a:t>
+            </a:r>
+          </a:p>
+          <a:p>
+            <a:pPr marL="0" marR="0" lvl="0" indent="0" algn="just" defTabSz="914400" rtl="0" eaLnBrk="0" fontAlgn="base" latinLnBrk="0" hangingPunct="0">
+              <a:lnSpc>
+                <a:spcPct val="100000"/>
+              </a:lnSpc>
+              <a:spcBef>
+                <a:spcPct val="0"/>
+              </a:spcBef>
+              <a:spcAft>
+                <a:spcPct val="0"/>
+              </a:spcAft>
+              <a:buClrTx/>
+              <a:buSzTx/>
+              <a:buFontTx/>
+              <a:buNone/>
+              <a:tabLst/>
+            </a:pPr>
+            <a:r>
+              <a:rPr kumimoji="0" lang="en-US" altLang="en-US" sz="1300" b="0" i="0" u="none" strike="noStrike" cap="none" normalizeH="0" baseline="0" dirty="0">
+                <a:ln>
+                  <a:noFill/>
+                </a:ln>
+                <a:solidFill>
+                  <a:srgbClr val="273239"/>
+                </a:solidFill>
+                <a:effectLst/>
+                <a:latin typeface="Nunito" panose="020F0502020204030204" pitchFamily="2" charset="0"/>
+              </a:rPr>
+              <a:t>This table organizes the </a:t>
+            </a:r>
+            <a:r>
+              <a:rPr kumimoji="0" lang="en-US" altLang="en-US" sz="1300" b="1" i="0" u="none" strike="noStrike" cap="none" normalizeH="0" baseline="0" dirty="0">
+                <a:ln>
+                  <a:noFill/>
+                </a:ln>
+                <a:solidFill>
+                  <a:srgbClr val="273239"/>
+                </a:solidFill>
+                <a:effectLst/>
+                <a:latin typeface="Nunito" panose="020F0502020204030204" pitchFamily="2" charset="0"/>
+              </a:rPr>
+              <a:t>primary differences</a:t>
+            </a:r>
+            <a:r>
+              <a:rPr kumimoji="0" lang="en-US" altLang="en-US" sz="1300" b="0" i="0" u="none" strike="noStrike" cap="none" normalizeH="0" baseline="0" dirty="0">
+                <a:ln>
+                  <a:noFill/>
+                </a:ln>
+                <a:solidFill>
+                  <a:srgbClr val="273239"/>
+                </a:solidFill>
+                <a:effectLst/>
+                <a:latin typeface="Nunito" panose="020F0502020204030204" pitchFamily="2" charset="0"/>
+              </a:rPr>
+              <a:t> between </a:t>
+            </a:r>
+            <a:r>
+              <a:rPr kumimoji="0" lang="en-US" altLang="en-US" sz="1300" b="1" i="0" u="none" strike="noStrike" cap="none" normalizeH="0" baseline="0" dirty="0">
+                <a:ln>
+                  <a:noFill/>
+                </a:ln>
+                <a:solidFill>
+                  <a:srgbClr val="273239"/>
+                </a:solidFill>
+                <a:effectLst/>
+                <a:latin typeface="Nunito" panose="020F0502020204030204" pitchFamily="2" charset="0"/>
+              </a:rPr>
+              <a:t>clustered</a:t>
+            </a:r>
+            <a:r>
+              <a:rPr kumimoji="0" lang="en-US" altLang="en-US" sz="1300" b="0" i="0" u="none" strike="noStrike" cap="none" normalizeH="0" baseline="0" dirty="0">
+                <a:ln>
+                  <a:noFill/>
+                </a:ln>
+                <a:solidFill>
+                  <a:srgbClr val="273239"/>
+                </a:solidFill>
+                <a:effectLst/>
+                <a:latin typeface="Nunito" panose="020F0502020204030204" pitchFamily="2" charset="0"/>
+              </a:rPr>
+              <a:t> and </a:t>
+            </a:r>
+            <a:r>
+              <a:rPr kumimoji="0" lang="en-US" altLang="en-US" sz="1300" b="1" i="0" u="none" strike="noStrike" cap="none" normalizeH="0" baseline="0" dirty="0">
+                <a:ln>
+                  <a:noFill/>
+                </a:ln>
+                <a:solidFill>
+                  <a:srgbClr val="273239"/>
+                </a:solidFill>
+                <a:effectLst/>
+                <a:latin typeface="Nunito" panose="020F0502020204030204" pitchFamily="2" charset="0"/>
+              </a:rPr>
+              <a:t>non-clustered indexes</a:t>
+            </a:r>
+            <a:r>
+              <a:rPr kumimoji="0" lang="en-US" altLang="en-US" sz="1300" b="0" i="0" u="none" strike="noStrike" cap="none" normalizeH="0" baseline="0" dirty="0">
+                <a:ln>
+                  <a:noFill/>
+                </a:ln>
+                <a:solidFill>
+                  <a:srgbClr val="273239"/>
+                </a:solidFill>
+                <a:effectLst/>
+                <a:latin typeface="Nunito" panose="020F0502020204030204" pitchFamily="2" charset="0"/>
+              </a:rPr>
+              <a:t>, making it easier to understand when to use each index type based on performance requirements and database structure.</a:t>
+            </a:r>
+            <a:endParaRPr kumimoji="0" lang="en-US" altLang="en-US" sz="1800" b="0" i="0" u="none" strike="noStrike" cap="none" normalizeH="0" baseline="0" dirty="0">
+              <a:ln>
+                <a:noFill/>
+              </a:ln>
+              <a:solidFill>
+                <a:schemeClr val="tx1"/>
+              </a:solidFill>
+              <a:effectLst/>
+              <a:latin typeface="Arial" panose="020B0604020202020204" pitchFamily="34" charset="0"/>
+            </a:endParaRPr>
+          </a:p>
+        </p:txBody>
+      </p:sp>
+    </p:spTree>
+    <p:extLst>
+      <p:ext uri="{BB962C8B-B14F-4D97-AF65-F5344CB8AC3E}">
+        <p14:creationId xmlns:p14="http://schemas.microsoft.com/office/powerpoint/2010/main" val="1046791164"/>
+      </p:ext>
+    </p:extLst>
+  </p:cSld>
+  <p:clrMapOvr>
+    <a:masterClrMapping/>
+  </p:clrMapOvr>
+</p:sld>
+</file>
+
+<file path=ppt/slides/slide12.xml><?xml version="1.0" encoding="utf-8"?>
+<p:sld xmlns:a="http://schemas.openxmlformats.org/drawingml/2006/main" xmlns:r="http://schemas.openxmlformats.org/officeDocument/2006/relationships" xmlns:p="http://schemas.openxmlformats.org/presentationml/2006/main">
+  <p:cSld>
+    <p:spTree>
+      <p:nvGrpSpPr>
+        <p:cNvPr id="1" name=""/>
+        <p:cNvGrpSpPr/>
+        <p:nvPr/>
+      </p:nvGrpSpPr>
+      <p:grpSpPr>
+        <a:xfrm>
+          <a:off x="0" y="0"/>
+          <a:ext cx="0" cy="0"/>
+          <a:chOff x="0" y="0"/>
+          <a:chExt cx="0" cy="0"/>
+        </a:xfrm>
+      </p:grpSpPr>
       <p:sp>
         <p:nvSpPr>
           <p:cNvPr id="3" name="Rectangle 1">
@@ -4545,7 +7495,7 @@
 </p:sld>
 </file>
 
-<file path=ppt/slides/slide12.xml><?xml version="1.0" encoding="utf-8"?>
+<file path=ppt/slides/slide13.xml><?xml version="1.0" encoding="utf-8"?>
 <p:sld xmlns:a="http://schemas.openxmlformats.org/drawingml/2006/main" xmlns:r="http://schemas.openxmlformats.org/officeDocument/2006/relationships" xmlns:p="http://schemas.openxmlformats.org/presentationml/2006/main">
   <p:cSld>
     <p:spTree>
@@ -5764,7 +8714,7 @@
 </p:sld>
 </file>
 
-<file path=ppt/slides/slide13.xml><?xml version="1.0" encoding="utf-8"?>
+<file path=ppt/slides/slide14.xml><?xml version="1.0" encoding="utf-8"?>
 <p:sld xmlns:a="http://schemas.openxmlformats.org/drawingml/2006/main" xmlns:r="http://schemas.openxmlformats.org/officeDocument/2006/relationships" xmlns:p="http://schemas.openxmlformats.org/presentationml/2006/main">
   <p:cSld>
     <p:spTree>
@@ -5891,7 +8841,7 @@
 </p:sld>
 </file>
 
-<file path=ppt/slides/slide14.xml><?xml version="1.0" encoding="utf-8"?>
+<file path=ppt/slides/slide15.xml><?xml version="1.0" encoding="utf-8"?>
 <p:sld xmlns:a="http://schemas.openxmlformats.org/drawingml/2006/main" xmlns:r="http://schemas.openxmlformats.org/officeDocument/2006/relationships" xmlns:p="http://schemas.openxmlformats.org/presentationml/2006/main">
   <p:cSld>
     <p:spTree>
@@ -6555,7 +9505,7 @@
 </p:sld>
 </file>
 
-<file path=ppt/slides/slide15.xml><?xml version="1.0" encoding="utf-8"?>
+<file path=ppt/slides/slide16.xml><?xml version="1.0" encoding="utf-8"?>
 <p:sld xmlns:a="http://schemas.openxmlformats.org/drawingml/2006/main" xmlns:r="http://schemas.openxmlformats.org/officeDocument/2006/relationships" xmlns:p="http://schemas.openxmlformats.org/presentationml/2006/main">
   <p:cSld>
     <p:spTree>
@@ -7330,7 +10280,7 @@
 </p:sld>
 </file>
 
-<file path=ppt/slides/slide16.xml><?xml version="1.0" encoding="utf-8"?>
+<file path=ppt/slides/slide17.xml><?xml version="1.0" encoding="utf-8"?>
 <p:sld xmlns:a="http://schemas.openxmlformats.org/drawingml/2006/main" xmlns:r="http://schemas.openxmlformats.org/officeDocument/2006/relationships" xmlns:p="http://schemas.openxmlformats.org/presentationml/2006/main">
   <p:cSld>
     <p:spTree>
@@ -7848,7 +10798,7 @@
 </p:sld>
 </file>
 
-<file path=ppt/slides/slide17.xml><?xml version="1.0" encoding="utf-8"?>
+<file path=ppt/slides/slide18.xml><?xml version="1.0" encoding="utf-8"?>
 <p:sld xmlns:a="http://schemas.openxmlformats.org/drawingml/2006/main" xmlns:r="http://schemas.openxmlformats.org/officeDocument/2006/relationships" xmlns:p="http://schemas.openxmlformats.org/presentationml/2006/main">
   <p:cSld>
     <p:spTree>
@@ -8232,7 +11182,7 @@
 </p:sld>
 </file>
 
-<file path=ppt/slides/slide18.xml><?xml version="1.0" encoding="utf-8"?>
+<file path=ppt/slides/slide19.xml><?xml version="1.0" encoding="utf-8"?>
 <p:sld xmlns:a="http://schemas.openxmlformats.org/drawingml/2006/main" xmlns:r="http://schemas.openxmlformats.org/officeDocument/2006/relationships" xmlns:p="http://schemas.openxmlformats.org/presentationml/2006/main">
   <p:cSld>
     <p:spTree>
@@ -9070,1142 +12020,6 @@
     <p:extLst>
       <p:ext uri="{BB962C8B-B14F-4D97-AF65-F5344CB8AC3E}">
         <p14:creationId xmlns:p14="http://schemas.microsoft.com/office/powerpoint/2010/main" val="1186026592"/>
-      </p:ext>
-    </p:extLst>
-  </p:cSld>
-  <p:clrMapOvr>
-    <a:masterClrMapping/>
-  </p:clrMapOvr>
-</p:sld>
-</file>
-
-<file path=ppt/slides/slide19.xml><?xml version="1.0" encoding="utf-8"?>
-<p:sld xmlns:a="http://schemas.openxmlformats.org/drawingml/2006/main" xmlns:r="http://schemas.openxmlformats.org/officeDocument/2006/relationships" xmlns:p="http://schemas.openxmlformats.org/presentationml/2006/main">
-  <p:cSld>
-    <p:spTree>
-      <p:nvGrpSpPr>
-        <p:cNvPr id="1" name=""/>
-        <p:cNvGrpSpPr/>
-        <p:nvPr/>
-      </p:nvGrpSpPr>
-      <p:grpSpPr>
-        <a:xfrm>
-          <a:off x="0" y="0"/>
-          <a:ext cx="0" cy="0"/>
-          <a:chOff x="0" y="0"/>
-          <a:chExt cx="0" cy="0"/>
-        </a:xfrm>
-      </p:grpSpPr>
-      <p:sp>
-        <p:nvSpPr>
-          <p:cNvPr id="2" name="TextBox 1">
-            <a:extLst>
-              <a:ext uri="{FF2B5EF4-FFF2-40B4-BE49-F238E27FC236}">
-                <a16:creationId xmlns:a16="http://schemas.microsoft.com/office/drawing/2014/main" id="{D7E07C89-F24D-F2CE-9001-D0D38F69BF23}"/>
-              </a:ext>
-            </a:extLst>
-          </p:cNvPr>
-          <p:cNvSpPr txBox="1"/>
-          <p:nvPr/>
-        </p:nvSpPr>
-        <p:spPr>
-          <a:xfrm>
-            <a:off x="1447800" y="660400"/>
-            <a:ext cx="10134600" cy="6294031"/>
-          </a:xfrm>
-          <a:prstGeom prst="rect">
-            <a:avLst/>
-          </a:prstGeom>
-          <a:noFill/>
-        </p:spPr>
-        <p:txBody>
-          <a:bodyPr wrap="square" rtlCol="0">
-            <a:spAutoFit/>
-          </a:bodyPr>
-          <a:lstStyle/>
-          <a:p>
-            <a:pPr marL="0" marR="0" lvl="0" indent="0" algn="l" defTabSz="914400" rtl="0" eaLnBrk="0" fontAlgn="base" latinLnBrk="0" hangingPunct="0">
-              <a:lnSpc>
-                <a:spcPct val="100000"/>
-              </a:lnSpc>
-              <a:spcBef>
-                <a:spcPct val="0"/>
-              </a:spcBef>
-              <a:spcAft>
-                <a:spcPct val="0"/>
-              </a:spcAft>
-              <a:buClrTx/>
-              <a:buSzTx/>
-              <a:buFontTx/>
-              <a:buNone/>
-              <a:tabLst/>
-            </a:pPr>
-            <a:r>
-              <a:rPr kumimoji="0" lang="en-US" altLang="en-US" sz="1300" b="1" i="0" u="none" strike="noStrike" cap="none" normalizeH="0" baseline="0" dirty="0">
-                <a:ln>
-                  <a:noFill/>
-                </a:ln>
-                <a:solidFill>
-                  <a:schemeClr val="tx1"/>
-                </a:solidFill>
-                <a:effectLst/>
-                <a:latin typeface="+mj-lt"/>
-              </a:rPr>
-              <a:t>3. Subquery</a:t>
-            </a:r>
-          </a:p>
-          <a:p>
-            <a:pPr marL="536575" marR="0" lvl="0" algn="l" defTabSz="914400" rtl="0" eaLnBrk="0" fontAlgn="base" latinLnBrk="0" hangingPunct="0">
-              <a:lnSpc>
-                <a:spcPct val="100000"/>
-              </a:lnSpc>
-              <a:spcBef>
-                <a:spcPct val="0"/>
-              </a:spcBef>
-              <a:spcAft>
-                <a:spcPct val="0"/>
-              </a:spcAft>
-              <a:buClrTx/>
-              <a:buSzTx/>
-              <a:buFontTx/>
-              <a:buNone/>
-              <a:tabLst/>
-            </a:pPr>
-            <a:r>
-              <a:rPr kumimoji="0" lang="en-US" altLang="en-US" sz="1300" b="0" i="0" u="none" strike="noStrike" cap="none" normalizeH="0" baseline="0" dirty="0">
-                <a:ln>
-                  <a:noFill/>
-                </a:ln>
-                <a:solidFill>
-                  <a:schemeClr val="tx1"/>
-                </a:solidFill>
-                <a:effectLst/>
-                <a:latin typeface="+mj-lt"/>
-              </a:rPr>
-              <a:t>A </a:t>
-            </a:r>
-            <a:r>
-              <a:rPr kumimoji="0" lang="en-US" altLang="en-US" sz="1300" b="1" i="0" u="none" strike="noStrike" cap="none" normalizeH="0" baseline="0" dirty="0">
-                <a:ln>
-                  <a:noFill/>
-                </a:ln>
-                <a:solidFill>
-                  <a:schemeClr val="tx1"/>
-                </a:solidFill>
-                <a:effectLst/>
-                <a:latin typeface="+mj-lt"/>
-              </a:rPr>
-              <a:t>subquery</a:t>
-            </a:r>
-            <a:r>
-              <a:rPr kumimoji="0" lang="en-US" altLang="en-US" sz="1300" b="0" i="0" u="none" strike="noStrike" cap="none" normalizeH="0" baseline="0" dirty="0">
-                <a:ln>
-                  <a:noFill/>
-                </a:ln>
-                <a:solidFill>
-                  <a:schemeClr val="tx1"/>
-                </a:solidFill>
-                <a:effectLst/>
-                <a:latin typeface="+mj-lt"/>
-              </a:rPr>
-              <a:t> is a query embedded within another query. It can return scalar, single-row, or multi-row results.</a:t>
-            </a:r>
-          </a:p>
-          <a:p>
-            <a:pPr marL="0" marR="0" lvl="0" indent="0" algn="l" defTabSz="914400" rtl="0" eaLnBrk="0" fontAlgn="base" latinLnBrk="0" hangingPunct="0">
-              <a:lnSpc>
-                <a:spcPct val="100000"/>
-              </a:lnSpc>
-              <a:spcBef>
-                <a:spcPct val="0"/>
-              </a:spcBef>
-              <a:spcAft>
-                <a:spcPct val="0"/>
-              </a:spcAft>
-              <a:buClrTx/>
-              <a:buSzTx/>
-              <a:buFontTx/>
-              <a:buNone/>
-              <a:tabLst/>
-            </a:pPr>
-            <a:endParaRPr kumimoji="0" lang="en-US" altLang="en-US" sz="1300" b="1" i="0" u="none" strike="noStrike" cap="none" normalizeH="0" baseline="0" dirty="0">
-              <a:ln>
-                <a:noFill/>
-              </a:ln>
-              <a:solidFill>
-                <a:schemeClr val="tx1"/>
-              </a:solidFill>
-              <a:effectLst/>
-              <a:latin typeface="+mj-lt"/>
-            </a:endParaRPr>
-          </a:p>
-          <a:p>
-            <a:pPr marL="984250" marR="0" lvl="0" algn="l" defTabSz="914400" rtl="0" eaLnBrk="0" fontAlgn="base" latinLnBrk="0" hangingPunct="0">
-              <a:lnSpc>
-                <a:spcPct val="100000"/>
-              </a:lnSpc>
-              <a:spcBef>
-                <a:spcPct val="0"/>
-              </a:spcBef>
-              <a:spcAft>
-                <a:spcPct val="0"/>
-              </a:spcAft>
-              <a:buClrTx/>
-              <a:buSzTx/>
-              <a:buFontTx/>
-              <a:buNone/>
-              <a:tabLst/>
-            </a:pPr>
-            <a:r>
-              <a:rPr kumimoji="0" lang="en-US" altLang="en-US" sz="1300" b="1" i="0" u="none" strike="noStrike" cap="none" normalizeH="0" baseline="0" dirty="0">
-                <a:ln>
-                  <a:noFill/>
-                </a:ln>
-                <a:solidFill>
-                  <a:schemeClr val="tx1"/>
-                </a:solidFill>
-                <a:effectLst/>
-                <a:latin typeface="+mj-lt"/>
-              </a:rPr>
-              <a:t>Example:</a:t>
-            </a:r>
-          </a:p>
-          <a:p>
-            <a:pPr marL="0" marR="0" lvl="0" indent="0" algn="l" defTabSz="914400" rtl="0" eaLnBrk="0" fontAlgn="base" latinLnBrk="0" hangingPunct="0">
-              <a:lnSpc>
-                <a:spcPct val="100000"/>
-              </a:lnSpc>
-              <a:spcBef>
-                <a:spcPct val="0"/>
-              </a:spcBef>
-              <a:spcAft>
-                <a:spcPct val="0"/>
-              </a:spcAft>
-              <a:buClrTx/>
-              <a:buSzTx/>
-              <a:buFontTx/>
-              <a:buNone/>
-              <a:tabLst/>
-            </a:pPr>
-            <a:endParaRPr kumimoji="0" lang="en-US" altLang="en-US" sz="1300" b="0" i="0" u="none" strike="noStrike" cap="none" normalizeH="0" baseline="0" dirty="0">
-              <a:ln>
-                <a:noFill/>
-              </a:ln>
-              <a:solidFill>
-                <a:schemeClr val="tx1"/>
-              </a:solidFill>
-              <a:effectLst/>
-              <a:latin typeface="+mj-lt"/>
-            </a:endParaRPr>
-          </a:p>
-          <a:p>
-            <a:pPr marL="1169988" marR="0" lvl="0" algn="l" defTabSz="914400" rtl="0" eaLnBrk="0" fontAlgn="base" latinLnBrk="0" hangingPunct="0">
-              <a:lnSpc>
-                <a:spcPct val="100000"/>
-              </a:lnSpc>
-              <a:spcBef>
-                <a:spcPct val="0"/>
-              </a:spcBef>
-              <a:spcAft>
-                <a:spcPct val="0"/>
-              </a:spcAft>
-              <a:buClrTx/>
-              <a:buSzTx/>
-              <a:buFontTx/>
-              <a:buNone/>
-              <a:tabLst/>
-            </a:pPr>
-            <a:r>
-              <a:rPr kumimoji="0" lang="en-US" altLang="en-US" sz="1300" b="0" i="0" u="none" strike="noStrike" cap="none" normalizeH="0" baseline="0" dirty="0">
-                <a:ln>
-                  <a:noFill/>
-                </a:ln>
-                <a:solidFill>
-                  <a:schemeClr val="tx1"/>
-                </a:solidFill>
-                <a:effectLst/>
-                <a:latin typeface="+mj-lt"/>
-              </a:rPr>
-              <a:t>SELECT Name FROM Employees WHERE ID IN (SELECT </a:t>
-            </a:r>
-            <a:r>
-              <a:rPr kumimoji="0" lang="en-US" altLang="en-US" sz="1300" b="0" i="0" u="none" strike="noStrike" cap="none" normalizeH="0" baseline="0" dirty="0" err="1">
-                <a:ln>
-                  <a:noFill/>
-                </a:ln>
-                <a:solidFill>
-                  <a:schemeClr val="tx1"/>
-                </a:solidFill>
-                <a:effectLst/>
-                <a:latin typeface="+mj-lt"/>
-              </a:rPr>
-              <a:t>ManagerID</a:t>
-            </a:r>
-            <a:r>
-              <a:rPr kumimoji="0" lang="en-US" altLang="en-US" sz="1300" b="0" i="0" u="none" strike="noStrike" cap="none" normalizeH="0" baseline="0" dirty="0">
-                <a:ln>
-                  <a:noFill/>
-                </a:ln>
-                <a:solidFill>
-                  <a:schemeClr val="tx1"/>
-                </a:solidFill>
-                <a:effectLst/>
-                <a:latin typeface="+mj-lt"/>
-              </a:rPr>
-              <a:t> FROM Departments WHERE Department = 'Sales’); </a:t>
-            </a:r>
-          </a:p>
-          <a:p>
-            <a:pPr marL="1169988" marR="0" lvl="0" algn="l" defTabSz="914400" rtl="0" eaLnBrk="0" fontAlgn="base" latinLnBrk="0" hangingPunct="0">
-              <a:lnSpc>
-                <a:spcPct val="100000"/>
-              </a:lnSpc>
-              <a:spcBef>
-                <a:spcPct val="0"/>
-              </a:spcBef>
-              <a:spcAft>
-                <a:spcPct val="0"/>
-              </a:spcAft>
-              <a:buClrTx/>
-              <a:buSzTx/>
-              <a:buFontTx/>
-              <a:buNone/>
-              <a:tabLst/>
-            </a:pPr>
-            <a:endParaRPr kumimoji="0" lang="en-US" altLang="en-US" sz="1300" b="0" i="0" u="none" strike="noStrike" cap="none" normalizeH="0" baseline="0" dirty="0">
-              <a:ln>
-                <a:noFill/>
-              </a:ln>
-              <a:solidFill>
-                <a:schemeClr val="tx1"/>
-              </a:solidFill>
-              <a:effectLst/>
-              <a:latin typeface="+mj-lt"/>
-            </a:endParaRPr>
-          </a:p>
-          <a:p>
-            <a:pPr marL="1344613" marR="0" lvl="0" algn="l" defTabSz="914400" rtl="0" eaLnBrk="0" fontAlgn="base" latinLnBrk="0" hangingPunct="0">
-              <a:lnSpc>
-                <a:spcPct val="100000"/>
-              </a:lnSpc>
-              <a:spcBef>
-                <a:spcPct val="0"/>
-              </a:spcBef>
-              <a:spcAft>
-                <a:spcPct val="0"/>
-              </a:spcAft>
-              <a:buClrTx/>
-              <a:buSzTx/>
-              <a:buFontTx/>
-              <a:buChar char="•"/>
-              <a:tabLst/>
-            </a:pPr>
-            <a:r>
-              <a:rPr kumimoji="0" lang="en-US" altLang="en-US" sz="1300" b="1" i="0" u="none" strike="noStrike" cap="none" normalizeH="0" baseline="0" dirty="0">
-                <a:ln>
-                  <a:noFill/>
-                </a:ln>
-                <a:solidFill>
-                  <a:schemeClr val="tx1"/>
-                </a:solidFill>
-                <a:effectLst/>
-                <a:latin typeface="+mj-lt"/>
-              </a:rPr>
-              <a:t>Purpose</a:t>
-            </a:r>
-            <a:r>
-              <a:rPr kumimoji="0" lang="en-US" altLang="en-US" sz="1300" b="0" i="0" u="none" strike="noStrike" cap="none" normalizeH="0" baseline="0" dirty="0">
-                <a:ln>
-                  <a:noFill/>
-                </a:ln>
-                <a:solidFill>
-                  <a:schemeClr val="tx1"/>
-                </a:solidFill>
-                <a:effectLst/>
-                <a:latin typeface="+mj-lt"/>
-              </a:rPr>
-              <a:t>: Used to filter data or compute intermediate results.</a:t>
-            </a:r>
-          </a:p>
-          <a:p>
-            <a:pPr marL="0" marR="0" lvl="0" indent="0" algn="l" defTabSz="914400" rtl="0" eaLnBrk="0" fontAlgn="base" latinLnBrk="0" hangingPunct="0">
-              <a:lnSpc>
-                <a:spcPct val="100000"/>
-              </a:lnSpc>
-              <a:spcBef>
-                <a:spcPct val="0"/>
-              </a:spcBef>
-              <a:spcAft>
-                <a:spcPct val="0"/>
-              </a:spcAft>
-              <a:buClrTx/>
-              <a:buSzTx/>
-              <a:buFontTx/>
-              <a:buNone/>
-              <a:tabLst/>
-            </a:pPr>
-            <a:endParaRPr kumimoji="0" lang="en-US" altLang="en-US" sz="1300" b="1" i="0" u="none" strike="noStrike" cap="none" normalizeH="0" baseline="0" dirty="0">
-              <a:ln>
-                <a:noFill/>
-              </a:ln>
-              <a:solidFill>
-                <a:schemeClr val="tx1"/>
-              </a:solidFill>
-              <a:effectLst/>
-              <a:latin typeface="+mj-lt"/>
-            </a:endParaRPr>
-          </a:p>
-          <a:p>
-            <a:pPr marL="0" marR="0" lvl="0" indent="0" algn="l" defTabSz="914400" rtl="0" eaLnBrk="0" fontAlgn="base" latinLnBrk="0" hangingPunct="0">
-              <a:lnSpc>
-                <a:spcPct val="100000"/>
-              </a:lnSpc>
-              <a:spcBef>
-                <a:spcPct val="0"/>
-              </a:spcBef>
-              <a:spcAft>
-                <a:spcPct val="0"/>
-              </a:spcAft>
-              <a:buClrTx/>
-              <a:buSzTx/>
-              <a:buFontTx/>
-              <a:buNone/>
-              <a:tabLst/>
-            </a:pPr>
-            <a:r>
-              <a:rPr kumimoji="0" lang="en-US" altLang="en-US" sz="1300" b="1" i="0" u="none" strike="noStrike" cap="none" normalizeH="0" baseline="0" dirty="0">
-                <a:ln>
-                  <a:noFill/>
-                </a:ln>
-                <a:solidFill>
-                  <a:schemeClr val="tx1"/>
-                </a:solidFill>
-                <a:effectLst/>
-                <a:latin typeface="+mj-lt"/>
-              </a:rPr>
-              <a:t>4. View</a:t>
-            </a:r>
-          </a:p>
-          <a:p>
-            <a:pPr marL="536575" marR="0" lvl="0" algn="l" defTabSz="914400" rtl="0" eaLnBrk="0" fontAlgn="base" latinLnBrk="0" hangingPunct="0">
-              <a:lnSpc>
-                <a:spcPct val="100000"/>
-              </a:lnSpc>
-              <a:spcBef>
-                <a:spcPct val="0"/>
-              </a:spcBef>
-              <a:spcAft>
-                <a:spcPct val="0"/>
-              </a:spcAft>
-              <a:buClrTx/>
-              <a:buSzTx/>
-              <a:buFontTx/>
-              <a:buNone/>
-              <a:tabLst/>
-            </a:pPr>
-            <a:r>
-              <a:rPr kumimoji="0" lang="en-US" altLang="en-US" sz="1300" b="0" i="0" u="none" strike="noStrike" cap="none" normalizeH="0" baseline="0" dirty="0">
-                <a:ln>
-                  <a:noFill/>
-                </a:ln>
-                <a:solidFill>
-                  <a:schemeClr val="tx1"/>
-                </a:solidFill>
-                <a:effectLst/>
-                <a:latin typeface="+mj-lt"/>
-              </a:rPr>
-              <a:t>   A </a:t>
-            </a:r>
-            <a:r>
-              <a:rPr kumimoji="0" lang="en-US" altLang="en-US" sz="1300" b="1" i="0" u="none" strike="noStrike" cap="none" normalizeH="0" baseline="0" dirty="0">
-                <a:ln>
-                  <a:noFill/>
-                </a:ln>
-                <a:solidFill>
-                  <a:schemeClr val="tx1"/>
-                </a:solidFill>
-                <a:effectLst/>
-                <a:latin typeface="+mj-lt"/>
-              </a:rPr>
-              <a:t>view</a:t>
-            </a:r>
-            <a:r>
-              <a:rPr kumimoji="0" lang="en-US" altLang="en-US" sz="1300" b="0" i="0" u="none" strike="noStrike" cap="none" normalizeH="0" baseline="0" dirty="0">
-                <a:ln>
-                  <a:noFill/>
-                </a:ln>
-                <a:solidFill>
-                  <a:schemeClr val="tx1"/>
-                </a:solidFill>
-                <a:effectLst/>
-                <a:latin typeface="+mj-lt"/>
-              </a:rPr>
-              <a:t> is a virtual table created by a query. It does not store data itself but dynamically retrieves data from underlying tables.</a:t>
-            </a:r>
-            <a:endParaRPr kumimoji="0" lang="en-US" altLang="en-US" sz="1300" b="1" i="0" u="none" strike="noStrike" cap="none" normalizeH="0" baseline="0" dirty="0">
-              <a:ln>
-                <a:noFill/>
-              </a:ln>
-              <a:solidFill>
-                <a:schemeClr val="tx1"/>
-              </a:solidFill>
-              <a:effectLst/>
-              <a:latin typeface="+mj-lt"/>
-            </a:endParaRPr>
-          </a:p>
-          <a:p>
-            <a:pPr marL="982663" marR="0" lvl="0" algn="l" defTabSz="914400" rtl="0" eaLnBrk="0" fontAlgn="base" latinLnBrk="0" hangingPunct="0">
-              <a:lnSpc>
-                <a:spcPct val="100000"/>
-              </a:lnSpc>
-              <a:spcBef>
-                <a:spcPct val="0"/>
-              </a:spcBef>
-              <a:spcAft>
-                <a:spcPct val="0"/>
-              </a:spcAft>
-              <a:buClrTx/>
-              <a:buSzTx/>
-              <a:buFontTx/>
-              <a:buNone/>
-              <a:tabLst/>
-            </a:pPr>
-            <a:endParaRPr kumimoji="0" lang="en-US" altLang="en-US" sz="1300" b="1" i="0" u="none" strike="noStrike" cap="none" normalizeH="0" baseline="0" dirty="0">
-              <a:ln>
-                <a:noFill/>
-              </a:ln>
-              <a:solidFill>
-                <a:schemeClr val="tx1"/>
-              </a:solidFill>
-              <a:effectLst/>
-              <a:latin typeface="+mj-lt"/>
-            </a:endParaRPr>
-          </a:p>
-          <a:p>
-            <a:pPr marL="982663" marR="0" lvl="0" algn="l" defTabSz="914400" rtl="0" eaLnBrk="0" fontAlgn="base" latinLnBrk="0" hangingPunct="0">
-              <a:lnSpc>
-                <a:spcPct val="100000"/>
-              </a:lnSpc>
-              <a:spcBef>
-                <a:spcPct val="0"/>
-              </a:spcBef>
-              <a:spcAft>
-                <a:spcPct val="0"/>
-              </a:spcAft>
-              <a:buClrTx/>
-              <a:buSzTx/>
-              <a:buFontTx/>
-              <a:buNone/>
-              <a:tabLst/>
-            </a:pPr>
-            <a:r>
-              <a:rPr kumimoji="0" lang="en-US" altLang="en-US" sz="1300" b="1" i="0" u="none" strike="noStrike" cap="none" normalizeH="0" baseline="0" dirty="0">
-                <a:ln>
-                  <a:noFill/>
-                </a:ln>
-                <a:solidFill>
-                  <a:schemeClr val="tx1"/>
-                </a:solidFill>
-                <a:effectLst/>
-                <a:latin typeface="+mj-lt"/>
-              </a:rPr>
-              <a:t>Example:</a:t>
-            </a:r>
-          </a:p>
-          <a:p>
-            <a:pPr marL="0" marR="0" lvl="0" indent="0" algn="l" defTabSz="914400" rtl="0" eaLnBrk="0" fontAlgn="base" latinLnBrk="0" hangingPunct="0">
-              <a:lnSpc>
-                <a:spcPct val="100000"/>
-              </a:lnSpc>
-              <a:spcBef>
-                <a:spcPct val="0"/>
-              </a:spcBef>
-              <a:spcAft>
-                <a:spcPct val="0"/>
-              </a:spcAft>
-              <a:buClrTx/>
-              <a:buSzTx/>
-              <a:buFontTx/>
-              <a:buNone/>
-              <a:tabLst/>
-            </a:pPr>
-            <a:endParaRPr kumimoji="0" lang="en-US" altLang="en-US" sz="1300" b="0" i="0" u="none" strike="noStrike" cap="none" normalizeH="0" baseline="0" dirty="0">
-              <a:ln>
-                <a:noFill/>
-              </a:ln>
-              <a:solidFill>
-                <a:schemeClr val="tx1"/>
-              </a:solidFill>
-              <a:effectLst/>
-              <a:latin typeface="+mj-lt"/>
-            </a:endParaRPr>
-          </a:p>
-          <a:p>
-            <a:pPr marL="1341438" marR="0" lvl="0" algn="l" defTabSz="914400" rtl="0" eaLnBrk="0" fontAlgn="base" latinLnBrk="0" hangingPunct="0">
-              <a:lnSpc>
-                <a:spcPct val="100000"/>
-              </a:lnSpc>
-              <a:spcBef>
-                <a:spcPct val="0"/>
-              </a:spcBef>
-              <a:spcAft>
-                <a:spcPct val="0"/>
-              </a:spcAft>
-              <a:buClrTx/>
-              <a:buSzTx/>
-              <a:buFontTx/>
-              <a:buNone/>
-              <a:tabLst/>
-            </a:pPr>
-            <a:r>
-              <a:rPr kumimoji="0" lang="en-US" altLang="en-US" sz="1300" b="0" i="0" u="none" strike="noStrike" cap="none" normalizeH="0" baseline="0" dirty="0">
-                <a:ln>
-                  <a:noFill/>
-                </a:ln>
-                <a:solidFill>
-                  <a:schemeClr val="tx1"/>
-                </a:solidFill>
-                <a:effectLst/>
-                <a:latin typeface="+mj-lt"/>
-              </a:rPr>
-              <a:t>CREATE VIEW </a:t>
-            </a:r>
-            <a:r>
-              <a:rPr kumimoji="0" lang="en-US" altLang="en-US" sz="1300" b="0" i="0" u="none" strike="noStrike" cap="none" normalizeH="0" baseline="0" dirty="0" err="1">
-                <a:ln>
-                  <a:noFill/>
-                </a:ln>
-                <a:solidFill>
-                  <a:schemeClr val="tx1"/>
-                </a:solidFill>
-                <a:effectLst/>
-                <a:latin typeface="+mj-lt"/>
-              </a:rPr>
-              <a:t>SalesView</a:t>
-            </a:r>
-            <a:r>
-              <a:rPr kumimoji="0" lang="en-US" altLang="en-US" sz="1300" b="0" i="0" u="none" strike="noStrike" cap="none" normalizeH="0" baseline="0" dirty="0">
-                <a:ln>
-                  <a:noFill/>
-                </a:ln>
-                <a:solidFill>
-                  <a:schemeClr val="tx1"/>
-                </a:solidFill>
-                <a:effectLst/>
-                <a:latin typeface="+mj-lt"/>
-              </a:rPr>
-              <a:t> AS SELECT ID, Name, </a:t>
-            </a:r>
-            <a:r>
-              <a:rPr kumimoji="0" lang="en-US" altLang="en-US" sz="1300" b="0" i="0" u="none" strike="noStrike" cap="none" normalizeH="0" baseline="0" dirty="0" err="1">
-                <a:ln>
-                  <a:noFill/>
-                </a:ln>
-                <a:solidFill>
-                  <a:schemeClr val="tx1"/>
-                </a:solidFill>
-                <a:effectLst/>
-                <a:latin typeface="+mj-lt"/>
-              </a:rPr>
-              <a:t>SalesAmount</a:t>
-            </a:r>
-            <a:r>
-              <a:rPr kumimoji="0" lang="en-US" altLang="en-US" sz="1300" b="0" i="0" u="none" strike="noStrike" cap="none" normalizeH="0" baseline="0" dirty="0">
-                <a:ln>
-                  <a:noFill/>
-                </a:ln>
-                <a:solidFill>
-                  <a:schemeClr val="tx1"/>
-                </a:solidFill>
-                <a:effectLst/>
-                <a:latin typeface="+mj-lt"/>
-              </a:rPr>
-              <a:t> FROM Employees WHERE Department = 'Sales'; SELECT * FROM </a:t>
-            </a:r>
-            <a:r>
-              <a:rPr kumimoji="0" lang="en-US" altLang="en-US" sz="1300" b="0" i="0" u="none" strike="noStrike" cap="none" normalizeH="0" baseline="0" dirty="0" err="1">
-                <a:ln>
-                  <a:noFill/>
-                </a:ln>
-                <a:solidFill>
-                  <a:schemeClr val="tx1"/>
-                </a:solidFill>
-                <a:effectLst/>
-                <a:latin typeface="+mj-lt"/>
-              </a:rPr>
-              <a:t>SalesView</a:t>
-            </a:r>
-            <a:r>
-              <a:rPr kumimoji="0" lang="en-US" altLang="en-US" sz="1300" b="0" i="0" u="none" strike="noStrike" cap="none" normalizeH="0" baseline="0" dirty="0">
-                <a:ln>
-                  <a:noFill/>
-                </a:ln>
-                <a:solidFill>
-                  <a:schemeClr val="tx1"/>
-                </a:solidFill>
-                <a:effectLst/>
-                <a:latin typeface="+mj-lt"/>
-              </a:rPr>
-              <a:t>; </a:t>
-            </a:r>
-          </a:p>
-          <a:p>
-            <a:pPr marL="1341438" marR="0" lvl="0" algn="l" defTabSz="914400" rtl="0" eaLnBrk="0" fontAlgn="base" latinLnBrk="0" hangingPunct="0">
-              <a:lnSpc>
-                <a:spcPct val="100000"/>
-              </a:lnSpc>
-              <a:spcBef>
-                <a:spcPct val="0"/>
-              </a:spcBef>
-              <a:spcAft>
-                <a:spcPct val="0"/>
-              </a:spcAft>
-              <a:buClrTx/>
-              <a:buSzTx/>
-              <a:buFontTx/>
-              <a:buNone/>
-              <a:tabLst/>
-            </a:pPr>
-            <a:endParaRPr kumimoji="0" lang="en-US" altLang="en-US" sz="1300" b="0" i="0" u="none" strike="noStrike" cap="none" normalizeH="0" baseline="0" dirty="0">
-              <a:ln>
-                <a:noFill/>
-              </a:ln>
-              <a:solidFill>
-                <a:schemeClr val="tx1"/>
-              </a:solidFill>
-              <a:effectLst/>
-              <a:latin typeface="+mj-lt"/>
-            </a:endParaRPr>
-          </a:p>
-          <a:p>
-            <a:pPr marL="1341438" marR="0" lvl="0" algn="l" defTabSz="914400" rtl="0" eaLnBrk="0" fontAlgn="base" latinLnBrk="0" hangingPunct="0">
-              <a:lnSpc>
-                <a:spcPct val="100000"/>
-              </a:lnSpc>
-              <a:spcBef>
-                <a:spcPct val="0"/>
-              </a:spcBef>
-              <a:spcAft>
-                <a:spcPct val="0"/>
-              </a:spcAft>
-              <a:buClrTx/>
-              <a:buSzTx/>
-              <a:buFontTx/>
-              <a:buChar char="•"/>
-              <a:tabLst/>
-            </a:pPr>
-            <a:r>
-              <a:rPr kumimoji="0" lang="en-US" altLang="en-US" sz="1300" b="1" i="0" u="none" strike="noStrike" cap="none" normalizeH="0" baseline="0" dirty="0">
-                <a:ln>
-                  <a:noFill/>
-                </a:ln>
-                <a:solidFill>
-                  <a:schemeClr val="tx1"/>
-                </a:solidFill>
-                <a:effectLst/>
-                <a:latin typeface="+mj-lt"/>
-              </a:rPr>
-              <a:t>Scope</a:t>
-            </a:r>
-            <a:r>
-              <a:rPr kumimoji="0" lang="en-US" altLang="en-US" sz="1300" b="0" i="0" u="none" strike="noStrike" cap="none" normalizeH="0" baseline="0" dirty="0">
-                <a:ln>
-                  <a:noFill/>
-                </a:ln>
-                <a:solidFill>
-                  <a:schemeClr val="tx1"/>
-                </a:solidFill>
-                <a:effectLst/>
-                <a:latin typeface="+mj-lt"/>
-              </a:rPr>
-              <a:t>: Permanent, until explicitly dropped.</a:t>
-            </a:r>
-          </a:p>
-          <a:p>
-            <a:pPr marL="1341438" marR="0" lvl="0" algn="l" defTabSz="914400" rtl="0" eaLnBrk="0" fontAlgn="base" latinLnBrk="0" hangingPunct="0">
-              <a:lnSpc>
-                <a:spcPct val="100000"/>
-              </a:lnSpc>
-              <a:spcBef>
-                <a:spcPct val="0"/>
-              </a:spcBef>
-              <a:spcAft>
-                <a:spcPct val="0"/>
-              </a:spcAft>
-              <a:buClrTx/>
-              <a:buSzTx/>
-              <a:buFontTx/>
-              <a:buChar char="•"/>
-              <a:tabLst/>
-            </a:pPr>
-            <a:r>
-              <a:rPr kumimoji="0" lang="en-US" altLang="en-US" sz="1300" b="1" i="0" u="none" strike="noStrike" cap="none" normalizeH="0" baseline="0" dirty="0">
-                <a:ln>
-                  <a:noFill/>
-                </a:ln>
-                <a:solidFill>
-                  <a:schemeClr val="tx1"/>
-                </a:solidFill>
-                <a:effectLst/>
-                <a:latin typeface="+mj-lt"/>
-              </a:rPr>
-              <a:t>Purpose</a:t>
-            </a:r>
-            <a:r>
-              <a:rPr kumimoji="0" lang="en-US" altLang="en-US" sz="1300" b="0" i="0" u="none" strike="noStrike" cap="none" normalizeH="0" baseline="0" dirty="0">
-                <a:ln>
-                  <a:noFill/>
-                </a:ln>
-                <a:solidFill>
-                  <a:schemeClr val="tx1"/>
-                </a:solidFill>
-                <a:effectLst/>
-                <a:latin typeface="+mj-lt"/>
-              </a:rPr>
-              <a:t>: Simplifies access to complex queries and enhances security by exposing only specific columns.</a:t>
-            </a:r>
-          </a:p>
-          <a:p>
-            <a:pPr marL="0" marR="0" lvl="0" indent="0" algn="l" defTabSz="914400" rtl="0" eaLnBrk="0" fontAlgn="base" latinLnBrk="0" hangingPunct="0">
-              <a:lnSpc>
-                <a:spcPct val="100000"/>
-              </a:lnSpc>
-              <a:spcBef>
-                <a:spcPct val="0"/>
-              </a:spcBef>
-              <a:spcAft>
-                <a:spcPct val="0"/>
-              </a:spcAft>
-              <a:buClrTx/>
-              <a:buSzTx/>
-              <a:buFontTx/>
-              <a:buNone/>
-              <a:tabLst/>
-            </a:pPr>
-            <a:endParaRPr kumimoji="0" lang="en-US" altLang="en-US" sz="1300" b="1" i="0" u="none" strike="noStrike" cap="none" normalizeH="0" baseline="0" dirty="0">
-              <a:ln>
-                <a:noFill/>
-              </a:ln>
-              <a:solidFill>
-                <a:schemeClr val="tx1"/>
-              </a:solidFill>
-              <a:effectLst/>
-              <a:latin typeface="+mj-lt"/>
-            </a:endParaRPr>
-          </a:p>
-          <a:p>
-            <a:pPr marL="0" marR="0" lvl="0" indent="0" algn="l" defTabSz="914400" rtl="0" eaLnBrk="0" fontAlgn="base" latinLnBrk="0" hangingPunct="0">
-              <a:lnSpc>
-                <a:spcPct val="100000"/>
-              </a:lnSpc>
-              <a:spcBef>
-                <a:spcPct val="0"/>
-              </a:spcBef>
-              <a:spcAft>
-                <a:spcPct val="0"/>
-              </a:spcAft>
-              <a:buClrTx/>
-              <a:buSzTx/>
-              <a:buFontTx/>
-              <a:buNone/>
-              <a:tabLst/>
-            </a:pPr>
-            <a:r>
-              <a:rPr kumimoji="0" lang="en-US" altLang="en-US" sz="1300" b="1" i="0" u="none" strike="noStrike" cap="none" normalizeH="0" baseline="0" dirty="0">
-                <a:ln>
-                  <a:noFill/>
-                </a:ln>
-                <a:solidFill>
-                  <a:schemeClr val="tx1"/>
-                </a:solidFill>
-                <a:effectLst/>
-                <a:latin typeface="+mj-lt"/>
-              </a:rPr>
-              <a:t>5. Table Variable</a:t>
-            </a:r>
-          </a:p>
-          <a:p>
-            <a:pPr marL="0" marR="0" lvl="0" indent="0" algn="l" defTabSz="914400" rtl="0" eaLnBrk="0" fontAlgn="base" latinLnBrk="0" hangingPunct="0">
-              <a:lnSpc>
-                <a:spcPct val="100000"/>
-              </a:lnSpc>
-              <a:spcBef>
-                <a:spcPct val="0"/>
-              </a:spcBef>
-              <a:spcAft>
-                <a:spcPct val="0"/>
-              </a:spcAft>
-              <a:buClrTx/>
-              <a:buSzTx/>
-              <a:buFontTx/>
-              <a:buNone/>
-              <a:tabLst/>
-            </a:pPr>
-            <a:r>
-              <a:rPr kumimoji="0" lang="en-US" altLang="en-US" sz="1300" b="0" i="0" u="none" strike="noStrike" cap="none" normalizeH="0" baseline="0" dirty="0">
-                <a:ln>
-                  <a:noFill/>
-                </a:ln>
-                <a:solidFill>
-                  <a:schemeClr val="tx1"/>
-                </a:solidFill>
-                <a:effectLst/>
-                <a:latin typeface="+mj-lt"/>
-              </a:rPr>
-              <a:t>              A </a:t>
-            </a:r>
-            <a:r>
-              <a:rPr kumimoji="0" lang="en-US" altLang="en-US" sz="1300" b="1" i="0" u="none" strike="noStrike" cap="none" normalizeH="0" baseline="0" dirty="0">
-                <a:ln>
-                  <a:noFill/>
-                </a:ln>
-                <a:solidFill>
-                  <a:schemeClr val="tx1"/>
-                </a:solidFill>
-                <a:effectLst/>
-                <a:latin typeface="+mj-lt"/>
-              </a:rPr>
-              <a:t>table variable</a:t>
-            </a:r>
-            <a:r>
-              <a:rPr kumimoji="0" lang="en-US" altLang="en-US" sz="1300" b="0" i="0" u="none" strike="noStrike" cap="none" normalizeH="0" baseline="0" dirty="0">
-                <a:ln>
-                  <a:noFill/>
-                </a:ln>
-                <a:solidFill>
-                  <a:schemeClr val="tx1"/>
-                </a:solidFill>
-                <a:effectLst/>
-                <a:latin typeface="+mj-lt"/>
-              </a:rPr>
-              <a:t> is a variable that holds table-like data and exists only within the scope of the batch or procedure.</a:t>
-            </a:r>
-            <a:endParaRPr kumimoji="0" lang="en-US" altLang="en-US" sz="1300" b="1" i="0" u="none" strike="noStrike" cap="none" normalizeH="0" baseline="0" dirty="0">
-              <a:ln>
-                <a:noFill/>
-              </a:ln>
-              <a:solidFill>
-                <a:schemeClr val="tx1"/>
-              </a:solidFill>
-              <a:effectLst/>
-              <a:latin typeface="+mj-lt"/>
-            </a:endParaRPr>
-          </a:p>
-          <a:p>
-            <a:pPr marL="0" marR="0" lvl="0" indent="0" algn="l" defTabSz="914400" rtl="0" eaLnBrk="0" fontAlgn="base" latinLnBrk="0" hangingPunct="0">
-              <a:lnSpc>
-                <a:spcPct val="100000"/>
-              </a:lnSpc>
-              <a:spcBef>
-                <a:spcPct val="0"/>
-              </a:spcBef>
-              <a:spcAft>
-                <a:spcPct val="0"/>
-              </a:spcAft>
-              <a:buClrTx/>
-              <a:buSzTx/>
-              <a:buFontTx/>
-              <a:buNone/>
-              <a:tabLst/>
-            </a:pPr>
-            <a:endParaRPr kumimoji="0" lang="en-US" altLang="en-US" sz="1300" b="1" i="0" u="none" strike="noStrike" cap="none" normalizeH="0" baseline="0" dirty="0">
-              <a:ln>
-                <a:noFill/>
-              </a:ln>
-              <a:solidFill>
-                <a:schemeClr val="tx1"/>
-              </a:solidFill>
-              <a:effectLst/>
-              <a:latin typeface="+mj-lt"/>
-            </a:endParaRPr>
-          </a:p>
-          <a:p>
-            <a:pPr marL="982663" marR="0" lvl="0" algn="l" defTabSz="914400" rtl="0" eaLnBrk="0" fontAlgn="base" latinLnBrk="0" hangingPunct="0">
-              <a:lnSpc>
-                <a:spcPct val="100000"/>
-              </a:lnSpc>
-              <a:spcBef>
-                <a:spcPct val="0"/>
-              </a:spcBef>
-              <a:spcAft>
-                <a:spcPct val="0"/>
-              </a:spcAft>
-              <a:buClrTx/>
-              <a:buSzTx/>
-              <a:buFontTx/>
-              <a:buNone/>
-              <a:tabLst/>
-            </a:pPr>
-            <a:r>
-              <a:rPr kumimoji="0" lang="en-US" altLang="en-US" sz="1300" b="1" i="0" u="none" strike="noStrike" cap="none" normalizeH="0" baseline="0" dirty="0">
-                <a:ln>
-                  <a:noFill/>
-                </a:ln>
-                <a:solidFill>
-                  <a:schemeClr val="tx1"/>
-                </a:solidFill>
-                <a:effectLst/>
-                <a:latin typeface="+mj-lt"/>
-              </a:rPr>
-              <a:t>Example:</a:t>
-            </a:r>
-          </a:p>
-          <a:p>
-            <a:pPr marL="0" marR="0" lvl="0" indent="0" algn="l" defTabSz="914400" rtl="0" eaLnBrk="0" fontAlgn="base" latinLnBrk="0" hangingPunct="0">
-              <a:lnSpc>
-                <a:spcPct val="100000"/>
-              </a:lnSpc>
-              <a:spcBef>
-                <a:spcPct val="0"/>
-              </a:spcBef>
-              <a:spcAft>
-                <a:spcPct val="0"/>
-              </a:spcAft>
-              <a:buClrTx/>
-              <a:buSzTx/>
-              <a:buFontTx/>
-              <a:buNone/>
-              <a:tabLst/>
-            </a:pPr>
-            <a:endParaRPr kumimoji="0" lang="en-US" altLang="en-US" sz="1300" b="0" i="0" u="none" strike="noStrike" cap="none" normalizeH="0" baseline="0" dirty="0">
-              <a:ln>
-                <a:noFill/>
-              </a:ln>
-              <a:solidFill>
-                <a:schemeClr val="tx1"/>
-              </a:solidFill>
-              <a:effectLst/>
-              <a:latin typeface="+mj-lt"/>
-            </a:endParaRPr>
-          </a:p>
-          <a:p>
-            <a:pPr marL="1341438" marR="0" lvl="0" algn="l" defTabSz="914400" rtl="0" eaLnBrk="0" fontAlgn="base" latinLnBrk="0" hangingPunct="0">
-              <a:lnSpc>
-                <a:spcPct val="100000"/>
-              </a:lnSpc>
-              <a:spcBef>
-                <a:spcPct val="0"/>
-              </a:spcBef>
-              <a:spcAft>
-                <a:spcPct val="0"/>
-              </a:spcAft>
-              <a:buClrTx/>
-              <a:buSzTx/>
-              <a:buFontTx/>
-              <a:buNone/>
-              <a:tabLst/>
-            </a:pPr>
-            <a:r>
-              <a:rPr kumimoji="0" lang="en-US" altLang="en-US" sz="1300" b="0" i="0" u="none" strike="noStrike" cap="none" normalizeH="0" baseline="0" dirty="0">
-                <a:ln>
-                  <a:noFill/>
-                </a:ln>
-                <a:solidFill>
-                  <a:schemeClr val="tx1"/>
-                </a:solidFill>
-                <a:effectLst/>
-                <a:latin typeface="+mj-lt"/>
-              </a:rPr>
-              <a:t>DECLARE @TableVar TABLE (ID INT, Name NVARCHAR(50)); INSERT INTO @TableVar VALUES (1, 'Alice'), (2, 'Bob'); SELECT * FROM @TableVar; </a:t>
-            </a:r>
-          </a:p>
-          <a:p>
-            <a:pPr marL="1341438" marR="0" lvl="0" algn="l" defTabSz="914400" rtl="0" eaLnBrk="0" fontAlgn="base" latinLnBrk="0" hangingPunct="0">
-              <a:lnSpc>
-                <a:spcPct val="100000"/>
-              </a:lnSpc>
-              <a:spcBef>
-                <a:spcPct val="0"/>
-              </a:spcBef>
-              <a:spcAft>
-                <a:spcPct val="0"/>
-              </a:spcAft>
-              <a:buClrTx/>
-              <a:buSzTx/>
-              <a:buFontTx/>
-              <a:buChar char="•"/>
-              <a:tabLst/>
-            </a:pPr>
-            <a:r>
-              <a:rPr kumimoji="0" lang="en-US" altLang="en-US" sz="1300" b="1" i="0" u="none" strike="noStrike" cap="none" normalizeH="0" baseline="0" dirty="0">
-                <a:ln>
-                  <a:noFill/>
-                </a:ln>
-                <a:solidFill>
-                  <a:schemeClr val="tx1"/>
-                </a:solidFill>
-                <a:effectLst/>
-                <a:latin typeface="+mj-lt"/>
-              </a:rPr>
-              <a:t>Scope</a:t>
-            </a:r>
-            <a:r>
-              <a:rPr kumimoji="0" lang="en-US" altLang="en-US" sz="1300" b="0" i="0" u="none" strike="noStrike" cap="none" normalizeH="0" baseline="0" dirty="0">
-                <a:ln>
-                  <a:noFill/>
-                </a:ln>
-                <a:solidFill>
-                  <a:schemeClr val="tx1"/>
-                </a:solidFill>
-                <a:effectLst/>
-                <a:latin typeface="+mj-lt"/>
-              </a:rPr>
-              <a:t>: Exists only within the batch or procedure.</a:t>
-            </a:r>
-          </a:p>
-          <a:p>
-            <a:pPr marL="1341438" marR="0" lvl="0" algn="l" defTabSz="914400" rtl="0" eaLnBrk="0" fontAlgn="base" latinLnBrk="0" hangingPunct="0">
-              <a:lnSpc>
-                <a:spcPct val="100000"/>
-              </a:lnSpc>
-              <a:spcBef>
-                <a:spcPct val="0"/>
-              </a:spcBef>
-              <a:spcAft>
-                <a:spcPct val="0"/>
-              </a:spcAft>
-              <a:buClrTx/>
-              <a:buSzTx/>
-              <a:buFontTx/>
-              <a:buChar char="•"/>
-              <a:tabLst/>
-            </a:pPr>
-            <a:r>
-              <a:rPr kumimoji="0" lang="en-US" altLang="en-US" sz="1300" b="1" i="0" u="none" strike="noStrike" cap="none" normalizeH="0" baseline="0" dirty="0">
-                <a:ln>
-                  <a:noFill/>
-                </a:ln>
-                <a:solidFill>
-                  <a:schemeClr val="tx1"/>
-                </a:solidFill>
-                <a:effectLst/>
-                <a:latin typeface="+mj-lt"/>
-              </a:rPr>
-              <a:t>Purpose</a:t>
-            </a:r>
-            <a:r>
-              <a:rPr kumimoji="0" lang="en-US" altLang="en-US" sz="1300" b="0" i="0" u="none" strike="noStrike" cap="none" normalizeH="0" baseline="0" dirty="0">
-                <a:ln>
-                  <a:noFill/>
-                </a:ln>
-                <a:solidFill>
-                  <a:schemeClr val="tx1"/>
-                </a:solidFill>
-                <a:effectLst/>
-                <a:latin typeface="+mj-lt"/>
-              </a:rPr>
-              <a:t>: Provides faster performance compared to temp tables for small datasets.</a:t>
-            </a:r>
-          </a:p>
-          <a:p>
-            <a:endParaRPr lang="en-IN" sz="1300" dirty="0"/>
-          </a:p>
-        </p:txBody>
-      </p:sp>
-    </p:spTree>
-    <p:extLst>
-      <p:ext uri="{BB962C8B-B14F-4D97-AF65-F5344CB8AC3E}">
-        <p14:creationId xmlns:p14="http://schemas.microsoft.com/office/powerpoint/2010/main" val="2491072414"/>
       </p:ext>
     </p:extLst>
   </p:cSld>
@@ -10412,6 +12226,1142 @@
       </p:grpSpPr>
       <p:sp>
         <p:nvSpPr>
+          <p:cNvPr id="2" name="TextBox 1">
+            <a:extLst>
+              <a:ext uri="{FF2B5EF4-FFF2-40B4-BE49-F238E27FC236}">
+                <a16:creationId xmlns:a16="http://schemas.microsoft.com/office/drawing/2014/main" id="{D7E07C89-F24D-F2CE-9001-D0D38F69BF23}"/>
+              </a:ext>
+            </a:extLst>
+          </p:cNvPr>
+          <p:cNvSpPr txBox="1"/>
+          <p:nvPr/>
+        </p:nvSpPr>
+        <p:spPr>
+          <a:xfrm>
+            <a:off x="1447800" y="660400"/>
+            <a:ext cx="10134600" cy="6294031"/>
+          </a:xfrm>
+          <a:prstGeom prst="rect">
+            <a:avLst/>
+          </a:prstGeom>
+          <a:noFill/>
+        </p:spPr>
+        <p:txBody>
+          <a:bodyPr wrap="square" rtlCol="0">
+            <a:spAutoFit/>
+          </a:bodyPr>
+          <a:lstStyle/>
+          <a:p>
+            <a:pPr marL="0" marR="0" lvl="0" indent="0" algn="l" defTabSz="914400" rtl="0" eaLnBrk="0" fontAlgn="base" latinLnBrk="0" hangingPunct="0">
+              <a:lnSpc>
+                <a:spcPct val="100000"/>
+              </a:lnSpc>
+              <a:spcBef>
+                <a:spcPct val="0"/>
+              </a:spcBef>
+              <a:spcAft>
+                <a:spcPct val="0"/>
+              </a:spcAft>
+              <a:buClrTx/>
+              <a:buSzTx/>
+              <a:buFontTx/>
+              <a:buNone/>
+              <a:tabLst/>
+            </a:pPr>
+            <a:r>
+              <a:rPr kumimoji="0" lang="en-US" altLang="en-US" sz="1300" b="1" i="0" u="none" strike="noStrike" cap="none" normalizeH="0" baseline="0" dirty="0">
+                <a:ln>
+                  <a:noFill/>
+                </a:ln>
+                <a:solidFill>
+                  <a:schemeClr val="tx1"/>
+                </a:solidFill>
+                <a:effectLst/>
+                <a:latin typeface="+mj-lt"/>
+              </a:rPr>
+              <a:t>3. Subquery</a:t>
+            </a:r>
+          </a:p>
+          <a:p>
+            <a:pPr marL="536575" marR="0" lvl="0" algn="l" defTabSz="914400" rtl="0" eaLnBrk="0" fontAlgn="base" latinLnBrk="0" hangingPunct="0">
+              <a:lnSpc>
+                <a:spcPct val="100000"/>
+              </a:lnSpc>
+              <a:spcBef>
+                <a:spcPct val="0"/>
+              </a:spcBef>
+              <a:spcAft>
+                <a:spcPct val="0"/>
+              </a:spcAft>
+              <a:buClrTx/>
+              <a:buSzTx/>
+              <a:buFontTx/>
+              <a:buNone/>
+              <a:tabLst/>
+            </a:pPr>
+            <a:r>
+              <a:rPr kumimoji="0" lang="en-US" altLang="en-US" sz="1300" b="0" i="0" u="none" strike="noStrike" cap="none" normalizeH="0" baseline="0" dirty="0">
+                <a:ln>
+                  <a:noFill/>
+                </a:ln>
+                <a:solidFill>
+                  <a:schemeClr val="tx1"/>
+                </a:solidFill>
+                <a:effectLst/>
+                <a:latin typeface="+mj-lt"/>
+              </a:rPr>
+              <a:t>A </a:t>
+            </a:r>
+            <a:r>
+              <a:rPr kumimoji="0" lang="en-US" altLang="en-US" sz="1300" b="1" i="0" u="none" strike="noStrike" cap="none" normalizeH="0" baseline="0" dirty="0">
+                <a:ln>
+                  <a:noFill/>
+                </a:ln>
+                <a:solidFill>
+                  <a:schemeClr val="tx1"/>
+                </a:solidFill>
+                <a:effectLst/>
+                <a:latin typeface="+mj-lt"/>
+              </a:rPr>
+              <a:t>subquery</a:t>
+            </a:r>
+            <a:r>
+              <a:rPr kumimoji="0" lang="en-US" altLang="en-US" sz="1300" b="0" i="0" u="none" strike="noStrike" cap="none" normalizeH="0" baseline="0" dirty="0">
+                <a:ln>
+                  <a:noFill/>
+                </a:ln>
+                <a:solidFill>
+                  <a:schemeClr val="tx1"/>
+                </a:solidFill>
+                <a:effectLst/>
+                <a:latin typeface="+mj-lt"/>
+              </a:rPr>
+              <a:t> is a query embedded within another query. It can return scalar, single-row, or multi-row results.</a:t>
+            </a:r>
+          </a:p>
+          <a:p>
+            <a:pPr marL="0" marR="0" lvl="0" indent="0" algn="l" defTabSz="914400" rtl="0" eaLnBrk="0" fontAlgn="base" latinLnBrk="0" hangingPunct="0">
+              <a:lnSpc>
+                <a:spcPct val="100000"/>
+              </a:lnSpc>
+              <a:spcBef>
+                <a:spcPct val="0"/>
+              </a:spcBef>
+              <a:spcAft>
+                <a:spcPct val="0"/>
+              </a:spcAft>
+              <a:buClrTx/>
+              <a:buSzTx/>
+              <a:buFontTx/>
+              <a:buNone/>
+              <a:tabLst/>
+            </a:pPr>
+            <a:endParaRPr kumimoji="0" lang="en-US" altLang="en-US" sz="1300" b="1" i="0" u="none" strike="noStrike" cap="none" normalizeH="0" baseline="0" dirty="0">
+              <a:ln>
+                <a:noFill/>
+              </a:ln>
+              <a:solidFill>
+                <a:schemeClr val="tx1"/>
+              </a:solidFill>
+              <a:effectLst/>
+              <a:latin typeface="+mj-lt"/>
+            </a:endParaRPr>
+          </a:p>
+          <a:p>
+            <a:pPr marL="984250" marR="0" lvl="0" algn="l" defTabSz="914400" rtl="0" eaLnBrk="0" fontAlgn="base" latinLnBrk="0" hangingPunct="0">
+              <a:lnSpc>
+                <a:spcPct val="100000"/>
+              </a:lnSpc>
+              <a:spcBef>
+                <a:spcPct val="0"/>
+              </a:spcBef>
+              <a:spcAft>
+                <a:spcPct val="0"/>
+              </a:spcAft>
+              <a:buClrTx/>
+              <a:buSzTx/>
+              <a:buFontTx/>
+              <a:buNone/>
+              <a:tabLst/>
+            </a:pPr>
+            <a:r>
+              <a:rPr kumimoji="0" lang="en-US" altLang="en-US" sz="1300" b="1" i="0" u="none" strike="noStrike" cap="none" normalizeH="0" baseline="0" dirty="0">
+                <a:ln>
+                  <a:noFill/>
+                </a:ln>
+                <a:solidFill>
+                  <a:schemeClr val="tx1"/>
+                </a:solidFill>
+                <a:effectLst/>
+                <a:latin typeface="+mj-lt"/>
+              </a:rPr>
+              <a:t>Example:</a:t>
+            </a:r>
+          </a:p>
+          <a:p>
+            <a:pPr marL="0" marR="0" lvl="0" indent="0" algn="l" defTabSz="914400" rtl="0" eaLnBrk="0" fontAlgn="base" latinLnBrk="0" hangingPunct="0">
+              <a:lnSpc>
+                <a:spcPct val="100000"/>
+              </a:lnSpc>
+              <a:spcBef>
+                <a:spcPct val="0"/>
+              </a:spcBef>
+              <a:spcAft>
+                <a:spcPct val="0"/>
+              </a:spcAft>
+              <a:buClrTx/>
+              <a:buSzTx/>
+              <a:buFontTx/>
+              <a:buNone/>
+              <a:tabLst/>
+            </a:pPr>
+            <a:endParaRPr kumimoji="0" lang="en-US" altLang="en-US" sz="1300" b="0" i="0" u="none" strike="noStrike" cap="none" normalizeH="0" baseline="0" dirty="0">
+              <a:ln>
+                <a:noFill/>
+              </a:ln>
+              <a:solidFill>
+                <a:schemeClr val="tx1"/>
+              </a:solidFill>
+              <a:effectLst/>
+              <a:latin typeface="+mj-lt"/>
+            </a:endParaRPr>
+          </a:p>
+          <a:p>
+            <a:pPr marL="1169988" marR="0" lvl="0" algn="l" defTabSz="914400" rtl="0" eaLnBrk="0" fontAlgn="base" latinLnBrk="0" hangingPunct="0">
+              <a:lnSpc>
+                <a:spcPct val="100000"/>
+              </a:lnSpc>
+              <a:spcBef>
+                <a:spcPct val="0"/>
+              </a:spcBef>
+              <a:spcAft>
+                <a:spcPct val="0"/>
+              </a:spcAft>
+              <a:buClrTx/>
+              <a:buSzTx/>
+              <a:buFontTx/>
+              <a:buNone/>
+              <a:tabLst/>
+            </a:pPr>
+            <a:r>
+              <a:rPr kumimoji="0" lang="en-US" altLang="en-US" sz="1300" b="0" i="0" u="none" strike="noStrike" cap="none" normalizeH="0" baseline="0" dirty="0">
+                <a:ln>
+                  <a:noFill/>
+                </a:ln>
+                <a:solidFill>
+                  <a:schemeClr val="tx1"/>
+                </a:solidFill>
+                <a:effectLst/>
+                <a:latin typeface="+mj-lt"/>
+              </a:rPr>
+              <a:t>SELECT Name FROM Employees WHERE ID IN (SELECT </a:t>
+            </a:r>
+            <a:r>
+              <a:rPr kumimoji="0" lang="en-US" altLang="en-US" sz="1300" b="0" i="0" u="none" strike="noStrike" cap="none" normalizeH="0" baseline="0" dirty="0" err="1">
+                <a:ln>
+                  <a:noFill/>
+                </a:ln>
+                <a:solidFill>
+                  <a:schemeClr val="tx1"/>
+                </a:solidFill>
+                <a:effectLst/>
+                <a:latin typeface="+mj-lt"/>
+              </a:rPr>
+              <a:t>ManagerID</a:t>
+            </a:r>
+            <a:r>
+              <a:rPr kumimoji="0" lang="en-US" altLang="en-US" sz="1300" b="0" i="0" u="none" strike="noStrike" cap="none" normalizeH="0" baseline="0" dirty="0">
+                <a:ln>
+                  <a:noFill/>
+                </a:ln>
+                <a:solidFill>
+                  <a:schemeClr val="tx1"/>
+                </a:solidFill>
+                <a:effectLst/>
+                <a:latin typeface="+mj-lt"/>
+              </a:rPr>
+              <a:t> FROM Departments WHERE Department = 'Sales’); </a:t>
+            </a:r>
+          </a:p>
+          <a:p>
+            <a:pPr marL="1169988" marR="0" lvl="0" algn="l" defTabSz="914400" rtl="0" eaLnBrk="0" fontAlgn="base" latinLnBrk="0" hangingPunct="0">
+              <a:lnSpc>
+                <a:spcPct val="100000"/>
+              </a:lnSpc>
+              <a:spcBef>
+                <a:spcPct val="0"/>
+              </a:spcBef>
+              <a:spcAft>
+                <a:spcPct val="0"/>
+              </a:spcAft>
+              <a:buClrTx/>
+              <a:buSzTx/>
+              <a:buFontTx/>
+              <a:buNone/>
+              <a:tabLst/>
+            </a:pPr>
+            <a:endParaRPr kumimoji="0" lang="en-US" altLang="en-US" sz="1300" b="0" i="0" u="none" strike="noStrike" cap="none" normalizeH="0" baseline="0" dirty="0">
+              <a:ln>
+                <a:noFill/>
+              </a:ln>
+              <a:solidFill>
+                <a:schemeClr val="tx1"/>
+              </a:solidFill>
+              <a:effectLst/>
+              <a:latin typeface="+mj-lt"/>
+            </a:endParaRPr>
+          </a:p>
+          <a:p>
+            <a:pPr marL="1344613" marR="0" lvl="0" algn="l" defTabSz="914400" rtl="0" eaLnBrk="0" fontAlgn="base" latinLnBrk="0" hangingPunct="0">
+              <a:lnSpc>
+                <a:spcPct val="100000"/>
+              </a:lnSpc>
+              <a:spcBef>
+                <a:spcPct val="0"/>
+              </a:spcBef>
+              <a:spcAft>
+                <a:spcPct val="0"/>
+              </a:spcAft>
+              <a:buClrTx/>
+              <a:buSzTx/>
+              <a:buFontTx/>
+              <a:buChar char="•"/>
+              <a:tabLst/>
+            </a:pPr>
+            <a:r>
+              <a:rPr kumimoji="0" lang="en-US" altLang="en-US" sz="1300" b="1" i="0" u="none" strike="noStrike" cap="none" normalizeH="0" baseline="0" dirty="0">
+                <a:ln>
+                  <a:noFill/>
+                </a:ln>
+                <a:solidFill>
+                  <a:schemeClr val="tx1"/>
+                </a:solidFill>
+                <a:effectLst/>
+                <a:latin typeface="+mj-lt"/>
+              </a:rPr>
+              <a:t>Purpose</a:t>
+            </a:r>
+            <a:r>
+              <a:rPr kumimoji="0" lang="en-US" altLang="en-US" sz="1300" b="0" i="0" u="none" strike="noStrike" cap="none" normalizeH="0" baseline="0" dirty="0">
+                <a:ln>
+                  <a:noFill/>
+                </a:ln>
+                <a:solidFill>
+                  <a:schemeClr val="tx1"/>
+                </a:solidFill>
+                <a:effectLst/>
+                <a:latin typeface="+mj-lt"/>
+              </a:rPr>
+              <a:t>: Used to filter data or compute intermediate results.</a:t>
+            </a:r>
+          </a:p>
+          <a:p>
+            <a:pPr marL="0" marR="0" lvl="0" indent="0" algn="l" defTabSz="914400" rtl="0" eaLnBrk="0" fontAlgn="base" latinLnBrk="0" hangingPunct="0">
+              <a:lnSpc>
+                <a:spcPct val="100000"/>
+              </a:lnSpc>
+              <a:spcBef>
+                <a:spcPct val="0"/>
+              </a:spcBef>
+              <a:spcAft>
+                <a:spcPct val="0"/>
+              </a:spcAft>
+              <a:buClrTx/>
+              <a:buSzTx/>
+              <a:buFontTx/>
+              <a:buNone/>
+              <a:tabLst/>
+            </a:pPr>
+            <a:endParaRPr kumimoji="0" lang="en-US" altLang="en-US" sz="1300" b="1" i="0" u="none" strike="noStrike" cap="none" normalizeH="0" baseline="0" dirty="0">
+              <a:ln>
+                <a:noFill/>
+              </a:ln>
+              <a:solidFill>
+                <a:schemeClr val="tx1"/>
+              </a:solidFill>
+              <a:effectLst/>
+              <a:latin typeface="+mj-lt"/>
+            </a:endParaRPr>
+          </a:p>
+          <a:p>
+            <a:pPr marL="0" marR="0" lvl="0" indent="0" algn="l" defTabSz="914400" rtl="0" eaLnBrk="0" fontAlgn="base" latinLnBrk="0" hangingPunct="0">
+              <a:lnSpc>
+                <a:spcPct val="100000"/>
+              </a:lnSpc>
+              <a:spcBef>
+                <a:spcPct val="0"/>
+              </a:spcBef>
+              <a:spcAft>
+                <a:spcPct val="0"/>
+              </a:spcAft>
+              <a:buClrTx/>
+              <a:buSzTx/>
+              <a:buFontTx/>
+              <a:buNone/>
+              <a:tabLst/>
+            </a:pPr>
+            <a:r>
+              <a:rPr kumimoji="0" lang="en-US" altLang="en-US" sz="1300" b="1" i="0" u="none" strike="noStrike" cap="none" normalizeH="0" baseline="0" dirty="0">
+                <a:ln>
+                  <a:noFill/>
+                </a:ln>
+                <a:solidFill>
+                  <a:schemeClr val="tx1"/>
+                </a:solidFill>
+                <a:effectLst/>
+                <a:latin typeface="+mj-lt"/>
+              </a:rPr>
+              <a:t>4. View</a:t>
+            </a:r>
+          </a:p>
+          <a:p>
+            <a:pPr marL="536575" marR="0" lvl="0" algn="l" defTabSz="914400" rtl="0" eaLnBrk="0" fontAlgn="base" latinLnBrk="0" hangingPunct="0">
+              <a:lnSpc>
+                <a:spcPct val="100000"/>
+              </a:lnSpc>
+              <a:spcBef>
+                <a:spcPct val="0"/>
+              </a:spcBef>
+              <a:spcAft>
+                <a:spcPct val="0"/>
+              </a:spcAft>
+              <a:buClrTx/>
+              <a:buSzTx/>
+              <a:buFontTx/>
+              <a:buNone/>
+              <a:tabLst/>
+            </a:pPr>
+            <a:r>
+              <a:rPr kumimoji="0" lang="en-US" altLang="en-US" sz="1300" b="0" i="0" u="none" strike="noStrike" cap="none" normalizeH="0" baseline="0" dirty="0">
+                <a:ln>
+                  <a:noFill/>
+                </a:ln>
+                <a:solidFill>
+                  <a:schemeClr val="tx1"/>
+                </a:solidFill>
+                <a:effectLst/>
+                <a:latin typeface="+mj-lt"/>
+              </a:rPr>
+              <a:t>   A </a:t>
+            </a:r>
+            <a:r>
+              <a:rPr kumimoji="0" lang="en-US" altLang="en-US" sz="1300" b="1" i="0" u="none" strike="noStrike" cap="none" normalizeH="0" baseline="0" dirty="0">
+                <a:ln>
+                  <a:noFill/>
+                </a:ln>
+                <a:solidFill>
+                  <a:schemeClr val="tx1"/>
+                </a:solidFill>
+                <a:effectLst/>
+                <a:latin typeface="+mj-lt"/>
+              </a:rPr>
+              <a:t>view</a:t>
+            </a:r>
+            <a:r>
+              <a:rPr kumimoji="0" lang="en-US" altLang="en-US" sz="1300" b="0" i="0" u="none" strike="noStrike" cap="none" normalizeH="0" baseline="0" dirty="0">
+                <a:ln>
+                  <a:noFill/>
+                </a:ln>
+                <a:solidFill>
+                  <a:schemeClr val="tx1"/>
+                </a:solidFill>
+                <a:effectLst/>
+                <a:latin typeface="+mj-lt"/>
+              </a:rPr>
+              <a:t> is a virtual table created by a query. It does not store data itself but dynamically retrieves data from underlying tables.</a:t>
+            </a:r>
+            <a:endParaRPr kumimoji="0" lang="en-US" altLang="en-US" sz="1300" b="1" i="0" u="none" strike="noStrike" cap="none" normalizeH="0" baseline="0" dirty="0">
+              <a:ln>
+                <a:noFill/>
+              </a:ln>
+              <a:solidFill>
+                <a:schemeClr val="tx1"/>
+              </a:solidFill>
+              <a:effectLst/>
+              <a:latin typeface="+mj-lt"/>
+            </a:endParaRPr>
+          </a:p>
+          <a:p>
+            <a:pPr marL="982663" marR="0" lvl="0" algn="l" defTabSz="914400" rtl="0" eaLnBrk="0" fontAlgn="base" latinLnBrk="0" hangingPunct="0">
+              <a:lnSpc>
+                <a:spcPct val="100000"/>
+              </a:lnSpc>
+              <a:spcBef>
+                <a:spcPct val="0"/>
+              </a:spcBef>
+              <a:spcAft>
+                <a:spcPct val="0"/>
+              </a:spcAft>
+              <a:buClrTx/>
+              <a:buSzTx/>
+              <a:buFontTx/>
+              <a:buNone/>
+              <a:tabLst/>
+            </a:pPr>
+            <a:endParaRPr kumimoji="0" lang="en-US" altLang="en-US" sz="1300" b="1" i="0" u="none" strike="noStrike" cap="none" normalizeH="0" baseline="0" dirty="0">
+              <a:ln>
+                <a:noFill/>
+              </a:ln>
+              <a:solidFill>
+                <a:schemeClr val="tx1"/>
+              </a:solidFill>
+              <a:effectLst/>
+              <a:latin typeface="+mj-lt"/>
+            </a:endParaRPr>
+          </a:p>
+          <a:p>
+            <a:pPr marL="982663" marR="0" lvl="0" algn="l" defTabSz="914400" rtl="0" eaLnBrk="0" fontAlgn="base" latinLnBrk="0" hangingPunct="0">
+              <a:lnSpc>
+                <a:spcPct val="100000"/>
+              </a:lnSpc>
+              <a:spcBef>
+                <a:spcPct val="0"/>
+              </a:spcBef>
+              <a:spcAft>
+                <a:spcPct val="0"/>
+              </a:spcAft>
+              <a:buClrTx/>
+              <a:buSzTx/>
+              <a:buFontTx/>
+              <a:buNone/>
+              <a:tabLst/>
+            </a:pPr>
+            <a:r>
+              <a:rPr kumimoji="0" lang="en-US" altLang="en-US" sz="1300" b="1" i="0" u="none" strike="noStrike" cap="none" normalizeH="0" baseline="0" dirty="0">
+                <a:ln>
+                  <a:noFill/>
+                </a:ln>
+                <a:solidFill>
+                  <a:schemeClr val="tx1"/>
+                </a:solidFill>
+                <a:effectLst/>
+                <a:latin typeface="+mj-lt"/>
+              </a:rPr>
+              <a:t>Example:</a:t>
+            </a:r>
+          </a:p>
+          <a:p>
+            <a:pPr marL="0" marR="0" lvl="0" indent="0" algn="l" defTabSz="914400" rtl="0" eaLnBrk="0" fontAlgn="base" latinLnBrk="0" hangingPunct="0">
+              <a:lnSpc>
+                <a:spcPct val="100000"/>
+              </a:lnSpc>
+              <a:spcBef>
+                <a:spcPct val="0"/>
+              </a:spcBef>
+              <a:spcAft>
+                <a:spcPct val="0"/>
+              </a:spcAft>
+              <a:buClrTx/>
+              <a:buSzTx/>
+              <a:buFontTx/>
+              <a:buNone/>
+              <a:tabLst/>
+            </a:pPr>
+            <a:endParaRPr kumimoji="0" lang="en-US" altLang="en-US" sz="1300" b="0" i="0" u="none" strike="noStrike" cap="none" normalizeH="0" baseline="0" dirty="0">
+              <a:ln>
+                <a:noFill/>
+              </a:ln>
+              <a:solidFill>
+                <a:schemeClr val="tx1"/>
+              </a:solidFill>
+              <a:effectLst/>
+              <a:latin typeface="+mj-lt"/>
+            </a:endParaRPr>
+          </a:p>
+          <a:p>
+            <a:pPr marL="1341438" marR="0" lvl="0" algn="l" defTabSz="914400" rtl="0" eaLnBrk="0" fontAlgn="base" latinLnBrk="0" hangingPunct="0">
+              <a:lnSpc>
+                <a:spcPct val="100000"/>
+              </a:lnSpc>
+              <a:spcBef>
+                <a:spcPct val="0"/>
+              </a:spcBef>
+              <a:spcAft>
+                <a:spcPct val="0"/>
+              </a:spcAft>
+              <a:buClrTx/>
+              <a:buSzTx/>
+              <a:buFontTx/>
+              <a:buNone/>
+              <a:tabLst/>
+            </a:pPr>
+            <a:r>
+              <a:rPr kumimoji="0" lang="en-US" altLang="en-US" sz="1300" b="0" i="0" u="none" strike="noStrike" cap="none" normalizeH="0" baseline="0" dirty="0">
+                <a:ln>
+                  <a:noFill/>
+                </a:ln>
+                <a:solidFill>
+                  <a:schemeClr val="tx1"/>
+                </a:solidFill>
+                <a:effectLst/>
+                <a:latin typeface="+mj-lt"/>
+              </a:rPr>
+              <a:t>CREATE VIEW </a:t>
+            </a:r>
+            <a:r>
+              <a:rPr kumimoji="0" lang="en-US" altLang="en-US" sz="1300" b="0" i="0" u="none" strike="noStrike" cap="none" normalizeH="0" baseline="0" dirty="0" err="1">
+                <a:ln>
+                  <a:noFill/>
+                </a:ln>
+                <a:solidFill>
+                  <a:schemeClr val="tx1"/>
+                </a:solidFill>
+                <a:effectLst/>
+                <a:latin typeface="+mj-lt"/>
+              </a:rPr>
+              <a:t>SalesView</a:t>
+            </a:r>
+            <a:r>
+              <a:rPr kumimoji="0" lang="en-US" altLang="en-US" sz="1300" b="0" i="0" u="none" strike="noStrike" cap="none" normalizeH="0" baseline="0" dirty="0">
+                <a:ln>
+                  <a:noFill/>
+                </a:ln>
+                <a:solidFill>
+                  <a:schemeClr val="tx1"/>
+                </a:solidFill>
+                <a:effectLst/>
+                <a:latin typeface="+mj-lt"/>
+              </a:rPr>
+              <a:t> AS SELECT ID, Name, </a:t>
+            </a:r>
+            <a:r>
+              <a:rPr kumimoji="0" lang="en-US" altLang="en-US" sz="1300" b="0" i="0" u="none" strike="noStrike" cap="none" normalizeH="0" baseline="0" dirty="0" err="1">
+                <a:ln>
+                  <a:noFill/>
+                </a:ln>
+                <a:solidFill>
+                  <a:schemeClr val="tx1"/>
+                </a:solidFill>
+                <a:effectLst/>
+                <a:latin typeface="+mj-lt"/>
+              </a:rPr>
+              <a:t>SalesAmount</a:t>
+            </a:r>
+            <a:r>
+              <a:rPr kumimoji="0" lang="en-US" altLang="en-US" sz="1300" b="0" i="0" u="none" strike="noStrike" cap="none" normalizeH="0" baseline="0" dirty="0">
+                <a:ln>
+                  <a:noFill/>
+                </a:ln>
+                <a:solidFill>
+                  <a:schemeClr val="tx1"/>
+                </a:solidFill>
+                <a:effectLst/>
+                <a:latin typeface="+mj-lt"/>
+              </a:rPr>
+              <a:t> FROM Employees WHERE Department = 'Sales'; SELECT * FROM </a:t>
+            </a:r>
+            <a:r>
+              <a:rPr kumimoji="0" lang="en-US" altLang="en-US" sz="1300" b="0" i="0" u="none" strike="noStrike" cap="none" normalizeH="0" baseline="0" dirty="0" err="1">
+                <a:ln>
+                  <a:noFill/>
+                </a:ln>
+                <a:solidFill>
+                  <a:schemeClr val="tx1"/>
+                </a:solidFill>
+                <a:effectLst/>
+                <a:latin typeface="+mj-lt"/>
+              </a:rPr>
+              <a:t>SalesView</a:t>
+            </a:r>
+            <a:r>
+              <a:rPr kumimoji="0" lang="en-US" altLang="en-US" sz="1300" b="0" i="0" u="none" strike="noStrike" cap="none" normalizeH="0" baseline="0" dirty="0">
+                <a:ln>
+                  <a:noFill/>
+                </a:ln>
+                <a:solidFill>
+                  <a:schemeClr val="tx1"/>
+                </a:solidFill>
+                <a:effectLst/>
+                <a:latin typeface="+mj-lt"/>
+              </a:rPr>
+              <a:t>; </a:t>
+            </a:r>
+          </a:p>
+          <a:p>
+            <a:pPr marL="1341438" marR="0" lvl="0" algn="l" defTabSz="914400" rtl="0" eaLnBrk="0" fontAlgn="base" latinLnBrk="0" hangingPunct="0">
+              <a:lnSpc>
+                <a:spcPct val="100000"/>
+              </a:lnSpc>
+              <a:spcBef>
+                <a:spcPct val="0"/>
+              </a:spcBef>
+              <a:spcAft>
+                <a:spcPct val="0"/>
+              </a:spcAft>
+              <a:buClrTx/>
+              <a:buSzTx/>
+              <a:buFontTx/>
+              <a:buNone/>
+              <a:tabLst/>
+            </a:pPr>
+            <a:endParaRPr kumimoji="0" lang="en-US" altLang="en-US" sz="1300" b="0" i="0" u="none" strike="noStrike" cap="none" normalizeH="0" baseline="0" dirty="0">
+              <a:ln>
+                <a:noFill/>
+              </a:ln>
+              <a:solidFill>
+                <a:schemeClr val="tx1"/>
+              </a:solidFill>
+              <a:effectLst/>
+              <a:latin typeface="+mj-lt"/>
+            </a:endParaRPr>
+          </a:p>
+          <a:p>
+            <a:pPr marL="1341438" marR="0" lvl="0" algn="l" defTabSz="914400" rtl="0" eaLnBrk="0" fontAlgn="base" latinLnBrk="0" hangingPunct="0">
+              <a:lnSpc>
+                <a:spcPct val="100000"/>
+              </a:lnSpc>
+              <a:spcBef>
+                <a:spcPct val="0"/>
+              </a:spcBef>
+              <a:spcAft>
+                <a:spcPct val="0"/>
+              </a:spcAft>
+              <a:buClrTx/>
+              <a:buSzTx/>
+              <a:buFontTx/>
+              <a:buChar char="•"/>
+              <a:tabLst/>
+            </a:pPr>
+            <a:r>
+              <a:rPr kumimoji="0" lang="en-US" altLang="en-US" sz="1300" b="1" i="0" u="none" strike="noStrike" cap="none" normalizeH="0" baseline="0" dirty="0">
+                <a:ln>
+                  <a:noFill/>
+                </a:ln>
+                <a:solidFill>
+                  <a:schemeClr val="tx1"/>
+                </a:solidFill>
+                <a:effectLst/>
+                <a:latin typeface="+mj-lt"/>
+              </a:rPr>
+              <a:t>Scope</a:t>
+            </a:r>
+            <a:r>
+              <a:rPr kumimoji="0" lang="en-US" altLang="en-US" sz="1300" b="0" i="0" u="none" strike="noStrike" cap="none" normalizeH="0" baseline="0" dirty="0">
+                <a:ln>
+                  <a:noFill/>
+                </a:ln>
+                <a:solidFill>
+                  <a:schemeClr val="tx1"/>
+                </a:solidFill>
+                <a:effectLst/>
+                <a:latin typeface="+mj-lt"/>
+              </a:rPr>
+              <a:t>: Permanent, until explicitly dropped.</a:t>
+            </a:r>
+          </a:p>
+          <a:p>
+            <a:pPr marL="1341438" marR="0" lvl="0" algn="l" defTabSz="914400" rtl="0" eaLnBrk="0" fontAlgn="base" latinLnBrk="0" hangingPunct="0">
+              <a:lnSpc>
+                <a:spcPct val="100000"/>
+              </a:lnSpc>
+              <a:spcBef>
+                <a:spcPct val="0"/>
+              </a:spcBef>
+              <a:spcAft>
+                <a:spcPct val="0"/>
+              </a:spcAft>
+              <a:buClrTx/>
+              <a:buSzTx/>
+              <a:buFontTx/>
+              <a:buChar char="•"/>
+              <a:tabLst/>
+            </a:pPr>
+            <a:r>
+              <a:rPr kumimoji="0" lang="en-US" altLang="en-US" sz="1300" b="1" i="0" u="none" strike="noStrike" cap="none" normalizeH="0" baseline="0" dirty="0">
+                <a:ln>
+                  <a:noFill/>
+                </a:ln>
+                <a:solidFill>
+                  <a:schemeClr val="tx1"/>
+                </a:solidFill>
+                <a:effectLst/>
+                <a:latin typeface="+mj-lt"/>
+              </a:rPr>
+              <a:t>Purpose</a:t>
+            </a:r>
+            <a:r>
+              <a:rPr kumimoji="0" lang="en-US" altLang="en-US" sz="1300" b="0" i="0" u="none" strike="noStrike" cap="none" normalizeH="0" baseline="0" dirty="0">
+                <a:ln>
+                  <a:noFill/>
+                </a:ln>
+                <a:solidFill>
+                  <a:schemeClr val="tx1"/>
+                </a:solidFill>
+                <a:effectLst/>
+                <a:latin typeface="+mj-lt"/>
+              </a:rPr>
+              <a:t>: Simplifies access to complex queries and enhances security by exposing only specific columns.</a:t>
+            </a:r>
+          </a:p>
+          <a:p>
+            <a:pPr marL="0" marR="0" lvl="0" indent="0" algn="l" defTabSz="914400" rtl="0" eaLnBrk="0" fontAlgn="base" latinLnBrk="0" hangingPunct="0">
+              <a:lnSpc>
+                <a:spcPct val="100000"/>
+              </a:lnSpc>
+              <a:spcBef>
+                <a:spcPct val="0"/>
+              </a:spcBef>
+              <a:spcAft>
+                <a:spcPct val="0"/>
+              </a:spcAft>
+              <a:buClrTx/>
+              <a:buSzTx/>
+              <a:buFontTx/>
+              <a:buNone/>
+              <a:tabLst/>
+            </a:pPr>
+            <a:endParaRPr kumimoji="0" lang="en-US" altLang="en-US" sz="1300" b="1" i="0" u="none" strike="noStrike" cap="none" normalizeH="0" baseline="0" dirty="0">
+              <a:ln>
+                <a:noFill/>
+              </a:ln>
+              <a:solidFill>
+                <a:schemeClr val="tx1"/>
+              </a:solidFill>
+              <a:effectLst/>
+              <a:latin typeface="+mj-lt"/>
+            </a:endParaRPr>
+          </a:p>
+          <a:p>
+            <a:pPr marL="0" marR="0" lvl="0" indent="0" algn="l" defTabSz="914400" rtl="0" eaLnBrk="0" fontAlgn="base" latinLnBrk="0" hangingPunct="0">
+              <a:lnSpc>
+                <a:spcPct val="100000"/>
+              </a:lnSpc>
+              <a:spcBef>
+                <a:spcPct val="0"/>
+              </a:spcBef>
+              <a:spcAft>
+                <a:spcPct val="0"/>
+              </a:spcAft>
+              <a:buClrTx/>
+              <a:buSzTx/>
+              <a:buFontTx/>
+              <a:buNone/>
+              <a:tabLst/>
+            </a:pPr>
+            <a:r>
+              <a:rPr kumimoji="0" lang="en-US" altLang="en-US" sz="1300" b="1" i="0" u="none" strike="noStrike" cap="none" normalizeH="0" baseline="0" dirty="0">
+                <a:ln>
+                  <a:noFill/>
+                </a:ln>
+                <a:solidFill>
+                  <a:schemeClr val="tx1"/>
+                </a:solidFill>
+                <a:effectLst/>
+                <a:latin typeface="+mj-lt"/>
+              </a:rPr>
+              <a:t>5. Table Variable</a:t>
+            </a:r>
+          </a:p>
+          <a:p>
+            <a:pPr marL="0" marR="0" lvl="0" indent="0" algn="l" defTabSz="914400" rtl="0" eaLnBrk="0" fontAlgn="base" latinLnBrk="0" hangingPunct="0">
+              <a:lnSpc>
+                <a:spcPct val="100000"/>
+              </a:lnSpc>
+              <a:spcBef>
+                <a:spcPct val="0"/>
+              </a:spcBef>
+              <a:spcAft>
+                <a:spcPct val="0"/>
+              </a:spcAft>
+              <a:buClrTx/>
+              <a:buSzTx/>
+              <a:buFontTx/>
+              <a:buNone/>
+              <a:tabLst/>
+            </a:pPr>
+            <a:r>
+              <a:rPr kumimoji="0" lang="en-US" altLang="en-US" sz="1300" b="0" i="0" u="none" strike="noStrike" cap="none" normalizeH="0" baseline="0" dirty="0">
+                <a:ln>
+                  <a:noFill/>
+                </a:ln>
+                <a:solidFill>
+                  <a:schemeClr val="tx1"/>
+                </a:solidFill>
+                <a:effectLst/>
+                <a:latin typeface="+mj-lt"/>
+              </a:rPr>
+              <a:t>              A </a:t>
+            </a:r>
+            <a:r>
+              <a:rPr kumimoji="0" lang="en-US" altLang="en-US" sz="1300" b="1" i="0" u="none" strike="noStrike" cap="none" normalizeH="0" baseline="0" dirty="0">
+                <a:ln>
+                  <a:noFill/>
+                </a:ln>
+                <a:solidFill>
+                  <a:schemeClr val="tx1"/>
+                </a:solidFill>
+                <a:effectLst/>
+                <a:latin typeface="+mj-lt"/>
+              </a:rPr>
+              <a:t>table variable</a:t>
+            </a:r>
+            <a:r>
+              <a:rPr kumimoji="0" lang="en-US" altLang="en-US" sz="1300" b="0" i="0" u="none" strike="noStrike" cap="none" normalizeH="0" baseline="0" dirty="0">
+                <a:ln>
+                  <a:noFill/>
+                </a:ln>
+                <a:solidFill>
+                  <a:schemeClr val="tx1"/>
+                </a:solidFill>
+                <a:effectLst/>
+                <a:latin typeface="+mj-lt"/>
+              </a:rPr>
+              <a:t> is a variable that holds table-like data and exists only within the scope of the batch or procedure.</a:t>
+            </a:r>
+            <a:endParaRPr kumimoji="0" lang="en-US" altLang="en-US" sz="1300" b="1" i="0" u="none" strike="noStrike" cap="none" normalizeH="0" baseline="0" dirty="0">
+              <a:ln>
+                <a:noFill/>
+              </a:ln>
+              <a:solidFill>
+                <a:schemeClr val="tx1"/>
+              </a:solidFill>
+              <a:effectLst/>
+              <a:latin typeface="+mj-lt"/>
+            </a:endParaRPr>
+          </a:p>
+          <a:p>
+            <a:pPr marL="0" marR="0" lvl="0" indent="0" algn="l" defTabSz="914400" rtl="0" eaLnBrk="0" fontAlgn="base" latinLnBrk="0" hangingPunct="0">
+              <a:lnSpc>
+                <a:spcPct val="100000"/>
+              </a:lnSpc>
+              <a:spcBef>
+                <a:spcPct val="0"/>
+              </a:spcBef>
+              <a:spcAft>
+                <a:spcPct val="0"/>
+              </a:spcAft>
+              <a:buClrTx/>
+              <a:buSzTx/>
+              <a:buFontTx/>
+              <a:buNone/>
+              <a:tabLst/>
+            </a:pPr>
+            <a:endParaRPr kumimoji="0" lang="en-US" altLang="en-US" sz="1300" b="1" i="0" u="none" strike="noStrike" cap="none" normalizeH="0" baseline="0" dirty="0">
+              <a:ln>
+                <a:noFill/>
+              </a:ln>
+              <a:solidFill>
+                <a:schemeClr val="tx1"/>
+              </a:solidFill>
+              <a:effectLst/>
+              <a:latin typeface="+mj-lt"/>
+            </a:endParaRPr>
+          </a:p>
+          <a:p>
+            <a:pPr marL="982663" marR="0" lvl="0" algn="l" defTabSz="914400" rtl="0" eaLnBrk="0" fontAlgn="base" latinLnBrk="0" hangingPunct="0">
+              <a:lnSpc>
+                <a:spcPct val="100000"/>
+              </a:lnSpc>
+              <a:spcBef>
+                <a:spcPct val="0"/>
+              </a:spcBef>
+              <a:spcAft>
+                <a:spcPct val="0"/>
+              </a:spcAft>
+              <a:buClrTx/>
+              <a:buSzTx/>
+              <a:buFontTx/>
+              <a:buNone/>
+              <a:tabLst/>
+            </a:pPr>
+            <a:r>
+              <a:rPr kumimoji="0" lang="en-US" altLang="en-US" sz="1300" b="1" i="0" u="none" strike="noStrike" cap="none" normalizeH="0" baseline="0" dirty="0">
+                <a:ln>
+                  <a:noFill/>
+                </a:ln>
+                <a:solidFill>
+                  <a:schemeClr val="tx1"/>
+                </a:solidFill>
+                <a:effectLst/>
+                <a:latin typeface="+mj-lt"/>
+              </a:rPr>
+              <a:t>Example:</a:t>
+            </a:r>
+          </a:p>
+          <a:p>
+            <a:pPr marL="0" marR="0" lvl="0" indent="0" algn="l" defTabSz="914400" rtl="0" eaLnBrk="0" fontAlgn="base" latinLnBrk="0" hangingPunct="0">
+              <a:lnSpc>
+                <a:spcPct val="100000"/>
+              </a:lnSpc>
+              <a:spcBef>
+                <a:spcPct val="0"/>
+              </a:spcBef>
+              <a:spcAft>
+                <a:spcPct val="0"/>
+              </a:spcAft>
+              <a:buClrTx/>
+              <a:buSzTx/>
+              <a:buFontTx/>
+              <a:buNone/>
+              <a:tabLst/>
+            </a:pPr>
+            <a:endParaRPr kumimoji="0" lang="en-US" altLang="en-US" sz="1300" b="0" i="0" u="none" strike="noStrike" cap="none" normalizeH="0" baseline="0" dirty="0">
+              <a:ln>
+                <a:noFill/>
+              </a:ln>
+              <a:solidFill>
+                <a:schemeClr val="tx1"/>
+              </a:solidFill>
+              <a:effectLst/>
+              <a:latin typeface="+mj-lt"/>
+            </a:endParaRPr>
+          </a:p>
+          <a:p>
+            <a:pPr marL="1341438" marR="0" lvl="0" algn="l" defTabSz="914400" rtl="0" eaLnBrk="0" fontAlgn="base" latinLnBrk="0" hangingPunct="0">
+              <a:lnSpc>
+                <a:spcPct val="100000"/>
+              </a:lnSpc>
+              <a:spcBef>
+                <a:spcPct val="0"/>
+              </a:spcBef>
+              <a:spcAft>
+                <a:spcPct val="0"/>
+              </a:spcAft>
+              <a:buClrTx/>
+              <a:buSzTx/>
+              <a:buFontTx/>
+              <a:buNone/>
+              <a:tabLst/>
+            </a:pPr>
+            <a:r>
+              <a:rPr kumimoji="0" lang="en-US" altLang="en-US" sz="1300" b="0" i="0" u="none" strike="noStrike" cap="none" normalizeH="0" baseline="0" dirty="0">
+                <a:ln>
+                  <a:noFill/>
+                </a:ln>
+                <a:solidFill>
+                  <a:schemeClr val="tx1"/>
+                </a:solidFill>
+                <a:effectLst/>
+                <a:latin typeface="+mj-lt"/>
+              </a:rPr>
+              <a:t>DECLARE @TableVar TABLE (ID INT, Name NVARCHAR(50)); INSERT INTO @TableVar VALUES (1, 'Alice'), (2, 'Bob'); SELECT * FROM @TableVar; </a:t>
+            </a:r>
+          </a:p>
+          <a:p>
+            <a:pPr marL="1341438" marR="0" lvl="0" algn="l" defTabSz="914400" rtl="0" eaLnBrk="0" fontAlgn="base" latinLnBrk="0" hangingPunct="0">
+              <a:lnSpc>
+                <a:spcPct val="100000"/>
+              </a:lnSpc>
+              <a:spcBef>
+                <a:spcPct val="0"/>
+              </a:spcBef>
+              <a:spcAft>
+                <a:spcPct val="0"/>
+              </a:spcAft>
+              <a:buClrTx/>
+              <a:buSzTx/>
+              <a:buFontTx/>
+              <a:buChar char="•"/>
+              <a:tabLst/>
+            </a:pPr>
+            <a:r>
+              <a:rPr kumimoji="0" lang="en-US" altLang="en-US" sz="1300" b="1" i="0" u="none" strike="noStrike" cap="none" normalizeH="0" baseline="0" dirty="0">
+                <a:ln>
+                  <a:noFill/>
+                </a:ln>
+                <a:solidFill>
+                  <a:schemeClr val="tx1"/>
+                </a:solidFill>
+                <a:effectLst/>
+                <a:latin typeface="+mj-lt"/>
+              </a:rPr>
+              <a:t>Scope</a:t>
+            </a:r>
+            <a:r>
+              <a:rPr kumimoji="0" lang="en-US" altLang="en-US" sz="1300" b="0" i="0" u="none" strike="noStrike" cap="none" normalizeH="0" baseline="0" dirty="0">
+                <a:ln>
+                  <a:noFill/>
+                </a:ln>
+                <a:solidFill>
+                  <a:schemeClr val="tx1"/>
+                </a:solidFill>
+                <a:effectLst/>
+                <a:latin typeface="+mj-lt"/>
+              </a:rPr>
+              <a:t>: Exists only within the batch or procedure.</a:t>
+            </a:r>
+          </a:p>
+          <a:p>
+            <a:pPr marL="1341438" marR="0" lvl="0" algn="l" defTabSz="914400" rtl="0" eaLnBrk="0" fontAlgn="base" latinLnBrk="0" hangingPunct="0">
+              <a:lnSpc>
+                <a:spcPct val="100000"/>
+              </a:lnSpc>
+              <a:spcBef>
+                <a:spcPct val="0"/>
+              </a:spcBef>
+              <a:spcAft>
+                <a:spcPct val="0"/>
+              </a:spcAft>
+              <a:buClrTx/>
+              <a:buSzTx/>
+              <a:buFontTx/>
+              <a:buChar char="•"/>
+              <a:tabLst/>
+            </a:pPr>
+            <a:r>
+              <a:rPr kumimoji="0" lang="en-US" altLang="en-US" sz="1300" b="1" i="0" u="none" strike="noStrike" cap="none" normalizeH="0" baseline="0" dirty="0">
+                <a:ln>
+                  <a:noFill/>
+                </a:ln>
+                <a:solidFill>
+                  <a:schemeClr val="tx1"/>
+                </a:solidFill>
+                <a:effectLst/>
+                <a:latin typeface="+mj-lt"/>
+              </a:rPr>
+              <a:t>Purpose</a:t>
+            </a:r>
+            <a:r>
+              <a:rPr kumimoji="0" lang="en-US" altLang="en-US" sz="1300" b="0" i="0" u="none" strike="noStrike" cap="none" normalizeH="0" baseline="0" dirty="0">
+                <a:ln>
+                  <a:noFill/>
+                </a:ln>
+                <a:solidFill>
+                  <a:schemeClr val="tx1"/>
+                </a:solidFill>
+                <a:effectLst/>
+                <a:latin typeface="+mj-lt"/>
+              </a:rPr>
+              <a:t>: Provides faster performance compared to temp tables for small datasets.</a:t>
+            </a:r>
+          </a:p>
+          <a:p>
+            <a:endParaRPr lang="en-IN" sz="1300" dirty="0"/>
+          </a:p>
+        </p:txBody>
+      </p:sp>
+    </p:spTree>
+    <p:extLst>
+      <p:ext uri="{BB962C8B-B14F-4D97-AF65-F5344CB8AC3E}">
+        <p14:creationId xmlns:p14="http://schemas.microsoft.com/office/powerpoint/2010/main" val="2491072414"/>
+      </p:ext>
+    </p:extLst>
+  </p:cSld>
+  <p:clrMapOvr>
+    <a:masterClrMapping/>
+  </p:clrMapOvr>
+</p:sld>
+</file>
+
+<file path=ppt/slides/slide21.xml><?xml version="1.0" encoding="utf-8"?>
+<p:sld xmlns:a="http://schemas.openxmlformats.org/drawingml/2006/main" xmlns:r="http://schemas.openxmlformats.org/officeDocument/2006/relationships" xmlns:p="http://schemas.openxmlformats.org/presentationml/2006/main">
+  <p:cSld>
+    <p:spTree>
+      <p:nvGrpSpPr>
+        <p:cNvPr id="1" name=""/>
+        <p:cNvGrpSpPr/>
+        <p:nvPr/>
+      </p:nvGrpSpPr>
+      <p:grpSpPr>
+        <a:xfrm>
+          <a:off x="0" y="0"/>
+          <a:ext cx="0" cy="0"/>
+          <a:chOff x="0" y="0"/>
+          <a:chExt cx="0" cy="0"/>
+        </a:xfrm>
+      </p:grpSpPr>
+      <p:sp>
+        <p:nvSpPr>
           <p:cNvPr id="3" name="Rectangle 1">
             <a:extLst>
               <a:ext uri="{FF2B5EF4-FFF2-40B4-BE49-F238E27FC236}">
@@ -11659,7 +14609,7 @@
 </p:sld>
 </file>
 
-<file path=ppt/slides/slide21.xml><?xml version="1.0" encoding="utf-8"?>
+<file path=ppt/slides/slide22.xml><?xml version="1.0" encoding="utf-8"?>
 <p:sld xmlns:a="http://schemas.openxmlformats.org/drawingml/2006/main" xmlns:r="http://schemas.openxmlformats.org/officeDocument/2006/relationships" xmlns:p="http://schemas.openxmlformats.org/presentationml/2006/main">
   <p:cSld>
     <p:spTree>
@@ -11999,7 +14949,7 @@
 </p:sld>
 </file>
 
-<file path=ppt/slides/slide22.xml><?xml version="1.0" encoding="utf-8"?>
+<file path=ppt/slides/slide23.xml><?xml version="1.0" encoding="utf-8"?>
 <p:sld xmlns:a="http://schemas.openxmlformats.org/drawingml/2006/main" xmlns:r="http://schemas.openxmlformats.org/officeDocument/2006/relationships" xmlns:p="http://schemas.openxmlformats.org/presentationml/2006/main">
   <p:cSld>
     <p:spTree>
@@ -12300,7 +15250,7 @@
 </p:sld>
 </file>
 
-<file path=ppt/slides/slide23.xml><?xml version="1.0" encoding="utf-8"?>
+<file path=ppt/slides/slide24.xml><?xml version="1.0" encoding="utf-8"?>
 <p:sld xmlns:a="http://schemas.openxmlformats.org/drawingml/2006/main" xmlns:r="http://schemas.openxmlformats.org/officeDocument/2006/relationships" xmlns:p="http://schemas.openxmlformats.org/presentationml/2006/main">
   <p:cSld>
     <p:spTree>
@@ -12683,7 +15633,7 @@
 </p:sld>
 </file>
 
-<file path=ppt/slides/slide24.xml><?xml version="1.0" encoding="utf-8"?>
+<file path=ppt/slides/slide25.xml><?xml version="1.0" encoding="utf-8"?>
 <p:sld xmlns:a="http://schemas.openxmlformats.org/drawingml/2006/main" xmlns:r="http://schemas.openxmlformats.org/officeDocument/2006/relationships" xmlns:p="http://schemas.openxmlformats.org/presentationml/2006/main">
   <p:cSld>
     <p:spTree>
@@ -13066,7 +16016,7 @@
 </p:sld>
 </file>
 
-<file path=ppt/slides/slide25.xml><?xml version="1.0" encoding="utf-8"?>
+<file path=ppt/slides/slide26.xml><?xml version="1.0" encoding="utf-8"?>
 <p:sld xmlns:a="http://schemas.openxmlformats.org/drawingml/2006/main" xmlns:r="http://schemas.openxmlformats.org/officeDocument/2006/relationships" xmlns:p="http://schemas.openxmlformats.org/presentationml/2006/main">
   <p:cSld>
     <p:spTree>
@@ -13301,7 +16251,7 @@
 </p:sld>
 </file>
 
-<file path=ppt/slides/slide26.xml><?xml version="1.0" encoding="utf-8"?>
+<file path=ppt/slides/slide27.xml><?xml version="1.0" encoding="utf-8"?>
 <p:sld xmlns:a="http://schemas.openxmlformats.org/drawingml/2006/main" xmlns:r="http://schemas.openxmlformats.org/officeDocument/2006/relationships" xmlns:p="http://schemas.openxmlformats.org/presentationml/2006/main">
   <p:cSld>
     <p:spTree>
@@ -13754,7 +16704,7 @@
 </p:sld>
 </file>
 
-<file path=ppt/slides/slide27.xml><?xml version="1.0" encoding="utf-8"?>
+<file path=ppt/slides/slide28.xml><?xml version="1.0" encoding="utf-8"?>
 <p:sld xmlns:a="http://schemas.openxmlformats.org/drawingml/2006/main" xmlns:r="http://schemas.openxmlformats.org/officeDocument/2006/relationships" xmlns:p="http://schemas.openxmlformats.org/presentationml/2006/main">
   <p:cSld>
     <p:spTree>
@@ -13870,7 +16820,7 @@
 </p:sld>
 </file>
 
-<file path=ppt/slides/slide28.xml><?xml version="1.0" encoding="utf-8"?>
+<file path=ppt/slides/slide29.xml><?xml version="1.0" encoding="utf-8"?>
 <p:sld xmlns:a="http://schemas.openxmlformats.org/drawingml/2006/main" xmlns:r="http://schemas.openxmlformats.org/officeDocument/2006/relationships" xmlns:p="http://schemas.openxmlformats.org/presentationml/2006/main">
   <p:cSld>
     <p:spTree>

--- a/DBMS.pptx
+++ b/DBMS.pptx
@@ -48,6 +48,7 @@
     <p:sldId id="279" r:id="rId42"/>
     <p:sldId id="278" r:id="rId43"/>
     <p:sldId id="283" r:id="rId44"/>
+    <p:sldId id="303" r:id="rId45"/>
   </p:sldIdLst>
   <p:sldSz cx="12192000" cy="6858000"/>
   <p:notesSz cx="6858000" cy="9144000"/>
@@ -157,7 +158,7 @@
 <file path=ppt/revisionInfo.xml><?xml version="1.0" encoding="utf-8"?>
 <p1510:revInfo xmlns:a="http://schemas.openxmlformats.org/drawingml/2006/main" xmlns:r="http://schemas.openxmlformats.org/officeDocument/2006/relationships" xmlns:p1510="http://schemas.microsoft.com/office/powerpoint/2015/10/main">
   <p1510:revLst>
-    <p1510:client id="{F6D48F73-9A74-4253-A578-D853A6F81CAD}" v="66" dt="2025-04-15T04:24:23.927"/>
+    <p1510:client id="{F6D48F73-9A74-4253-A578-D853A6F81CAD}" v="67" dt="2025-04-16T08:43:16.546"/>
   </p1510:revLst>
 </p1510:revInfo>
 </file>
@@ -167,7 +168,7 @@
   <pc:docChgLst>
     <pc:chgData name="Naresh Chandra pradhan" userId="0376197e0be6b433" providerId="LiveId" clId="{F6D48F73-9A74-4253-A578-D853A6F81CAD}"/>
     <pc:docChg chg="undo redo custSel addSld delSld modSld sldOrd">
-      <pc:chgData name="Naresh Chandra pradhan" userId="0376197e0be6b433" providerId="LiveId" clId="{F6D48F73-9A74-4253-A578-D853A6F81CAD}" dt="2025-04-15T06:49:32.929" v="1246"/>
+      <pc:chgData name="Naresh Chandra pradhan" userId="0376197e0be6b433" providerId="LiveId" clId="{F6D48F73-9A74-4253-A578-D853A6F81CAD}" dt="2025-04-16T08:43:17.885" v="1249"/>
       <pc:docMkLst>
         <pc:docMk/>
       </pc:docMkLst>
@@ -266,36 +267,12 @@
           <pc:docMk/>
           <pc:sldMk cId="2787545295" sldId="286"/>
         </pc:sldMkLst>
-        <pc:spChg chg="add">
-          <ac:chgData name="Naresh Chandra pradhan" userId="0376197e0be6b433" providerId="LiveId" clId="{F6D48F73-9A74-4253-A578-D853A6F81CAD}" dt="2025-04-14T15:29:27.399" v="78"/>
-          <ac:spMkLst>
-            <pc:docMk/>
-            <pc:sldMk cId="2787545295" sldId="286"/>
-            <ac:spMk id="2" creationId="{423030AE-0B7D-8C61-F84C-76A01EB793AB}"/>
-          </ac:spMkLst>
-        </pc:spChg>
         <pc:spChg chg="add mod">
           <ac:chgData name="Naresh Chandra pradhan" userId="0376197e0be6b433" providerId="LiveId" clId="{F6D48F73-9A74-4253-A578-D853A6F81CAD}" dt="2025-04-14T15:37:16.455" v="224" actId="113"/>
           <ac:spMkLst>
             <pc:docMk/>
             <pc:sldMk cId="2787545295" sldId="286"/>
             <ac:spMk id="3" creationId="{9E18B35C-5241-496E-7A91-D4D96DC98704}"/>
-          </ac:spMkLst>
-        </pc:spChg>
-        <pc:spChg chg="add">
-          <ac:chgData name="Naresh Chandra pradhan" userId="0376197e0be6b433" providerId="LiveId" clId="{F6D48F73-9A74-4253-A578-D853A6F81CAD}" dt="2025-04-14T15:31:08.672" v="89"/>
-          <ac:spMkLst>
-            <pc:docMk/>
-            <pc:sldMk cId="2787545295" sldId="286"/>
-            <ac:spMk id="4" creationId="{085190C7-71C0-D56B-A1CB-5A0F75F6D8D2}"/>
-          </ac:spMkLst>
-        </pc:spChg>
-        <pc:spChg chg="add">
-          <ac:chgData name="Naresh Chandra pradhan" userId="0376197e0be6b433" providerId="LiveId" clId="{F6D48F73-9A74-4253-A578-D853A6F81CAD}" dt="2025-04-14T15:33:55.329" v="155"/>
-          <ac:spMkLst>
-            <pc:docMk/>
-            <pc:sldMk cId="2787545295" sldId="286"/>
-            <ac:spMk id="5" creationId="{7BAD20DD-6124-E0AD-7984-08B7B0F7F132}"/>
           </ac:spMkLst>
         </pc:spChg>
       </pc:sldChg>
@@ -327,14 +304,6 @@
           <pc:docMk/>
           <pc:sldMk cId="1723229167" sldId="287"/>
         </pc:sldMkLst>
-        <pc:spChg chg="add del mod">
-          <ac:chgData name="Naresh Chandra pradhan" userId="0376197e0be6b433" providerId="LiveId" clId="{F6D48F73-9A74-4253-A578-D853A6F81CAD}" dt="2025-04-14T15:51:32.581" v="274" actId="47"/>
-          <ac:spMkLst>
-            <pc:docMk/>
-            <pc:sldMk cId="1723229167" sldId="287"/>
-            <ac:spMk id="2" creationId="{0A0F5841-5CDD-E41A-3CF9-107620DB4064}"/>
-          </ac:spMkLst>
-        </pc:spChg>
       </pc:sldChg>
       <pc:sldChg chg="add del">
         <pc:chgData name="Naresh Chandra pradhan" userId="0376197e0be6b433" providerId="LiveId" clId="{F6D48F73-9A74-4253-A578-D853A6F81CAD}" dt="2025-04-14T15:51:34.031" v="275"/>
@@ -372,14 +341,6 @@
             <ac:spMk id="2" creationId="{7AD4F017-06BC-8D1D-789C-39FBF5FC6676}"/>
           </ac:spMkLst>
         </pc:spChg>
-        <pc:spChg chg="add">
-          <ac:chgData name="Naresh Chandra pradhan" userId="0376197e0be6b433" providerId="LiveId" clId="{F6D48F73-9A74-4253-A578-D853A6F81CAD}" dt="2025-04-14T15:58:44.067" v="415"/>
-          <ac:spMkLst>
-            <pc:docMk/>
-            <pc:sldMk cId="2485755094" sldId="289"/>
-            <ac:spMk id="3" creationId="{5BEC3080-A4FD-F8A9-91FD-7C8FC351C35C}"/>
-          </ac:spMkLst>
-        </pc:spChg>
       </pc:sldChg>
       <pc:sldChg chg="addSp modSp new mod">
         <pc:chgData name="Naresh Chandra pradhan" userId="0376197e0be6b433" providerId="LiveId" clId="{F6D48F73-9A74-4253-A578-D853A6F81CAD}" dt="2025-04-14T16:03:43.049" v="447" actId="20577"/>
@@ -393,14 +354,6 @@
             <pc:docMk/>
             <pc:sldMk cId="48601414" sldId="290"/>
             <ac:spMk id="2" creationId="{259FBFD4-1898-D651-4D67-BFFCCFAFBA01}"/>
-          </ac:spMkLst>
-        </pc:spChg>
-        <pc:spChg chg="add">
-          <ac:chgData name="Naresh Chandra pradhan" userId="0376197e0be6b433" providerId="LiveId" clId="{F6D48F73-9A74-4253-A578-D853A6F81CAD}" dt="2025-04-14T16:03:32.822" v="445"/>
-          <ac:spMkLst>
-            <pc:docMk/>
-            <pc:sldMk cId="48601414" sldId="290"/>
-            <ac:spMk id="3" creationId="{490B304F-36E7-7E24-187E-1A7D9651A856}"/>
           </ac:spMkLst>
         </pc:spChg>
       </pc:sldChg>
@@ -441,22 +394,6 @@
             <ac:spMk id="2" creationId="{6F1ECE0B-E4AA-4AE4-434E-9457631157CD}"/>
           </ac:spMkLst>
         </pc:spChg>
-        <pc:spChg chg="add del mod">
-          <ac:chgData name="Naresh Chandra pradhan" userId="0376197e0be6b433" providerId="LiveId" clId="{F6D48F73-9A74-4253-A578-D853A6F81CAD}" dt="2025-04-14T16:44:15.717" v="824"/>
-          <ac:spMkLst>
-            <pc:docMk/>
-            <pc:sldMk cId="75382698" sldId="292"/>
-            <ac:spMk id="3" creationId="{55617533-AA2D-8AE6-E8BF-360BA9E6BC0D}"/>
-          </ac:spMkLst>
-        </pc:spChg>
-        <pc:spChg chg="add">
-          <ac:chgData name="Naresh Chandra pradhan" userId="0376197e0be6b433" providerId="LiveId" clId="{F6D48F73-9A74-4253-A578-D853A6F81CAD}" dt="2025-04-14T16:31:17.493" v="741"/>
-          <ac:spMkLst>
-            <pc:docMk/>
-            <pc:sldMk cId="75382698" sldId="292"/>
-            <ac:spMk id="4" creationId="{7A52578E-00D7-75E9-9217-9794A7BEC062}"/>
-          </ac:spMkLst>
-        </pc:spChg>
       </pc:sldChg>
       <pc:sldChg chg="addSp modSp add mod">
         <pc:chgData name="Naresh Chandra pradhan" userId="0376197e0be6b433" providerId="LiveId" clId="{F6D48F73-9A74-4253-A578-D853A6F81CAD}" dt="2025-04-14T16:51:27.779" v="873"/>
@@ -470,14 +407,6 @@
             <pc:docMk/>
             <pc:sldMk cId="2458285012" sldId="293"/>
             <ac:spMk id="2" creationId="{876CB426-CBC6-5A21-4B48-4E22A1010028}"/>
-          </ac:spMkLst>
-        </pc:spChg>
-        <pc:spChg chg="add">
-          <ac:chgData name="Naresh Chandra pradhan" userId="0376197e0be6b433" providerId="LiveId" clId="{F6D48F73-9A74-4253-A578-D853A6F81CAD}" dt="2025-04-14T16:51:14.309" v="872"/>
-          <ac:spMkLst>
-            <pc:docMk/>
-            <pc:sldMk cId="2458285012" sldId="293"/>
-            <ac:spMk id="3" creationId="{C34E8960-B18B-7B78-7F14-6B136D7D007B}"/>
           </ac:spMkLst>
         </pc:spChg>
         <pc:spChg chg="mod">
@@ -525,14 +454,6 @@
           <pc:docMk/>
           <pc:sldMk cId="2709793081" sldId="295"/>
         </pc:sldMkLst>
-        <pc:spChg chg="mod">
-          <ac:chgData name="Naresh Chandra pradhan" userId="0376197e0be6b433" providerId="LiveId" clId="{F6D48F73-9A74-4253-A578-D853A6F81CAD}" dt="2025-04-14T16:54:10.714" v="907" actId="113"/>
-          <ac:spMkLst>
-            <pc:docMk/>
-            <pc:sldMk cId="2709793081" sldId="295"/>
-            <ac:spMk id="2" creationId="{A2D6C019-6E5C-8FFC-9114-3448416AEE32}"/>
-          </ac:spMkLst>
-        </pc:spChg>
       </pc:sldChg>
       <pc:sldChg chg="addSp delSp modSp new mod">
         <pc:chgData name="Naresh Chandra pradhan" userId="0376197e0be6b433" providerId="LiveId" clId="{F6D48F73-9A74-4253-A578-D853A6F81CAD}" dt="2025-04-14T16:59:20.719" v="988" actId="20577"/>
@@ -540,14 +461,6 @@
           <pc:docMk/>
           <pc:sldMk cId="3565013237" sldId="296"/>
         </pc:sldMkLst>
-        <pc:spChg chg="add del">
-          <ac:chgData name="Naresh Chandra pradhan" userId="0376197e0be6b433" providerId="LiveId" clId="{F6D48F73-9A74-4253-A578-D853A6F81CAD}" dt="2025-04-14T16:55:14.982" v="910" actId="22"/>
-          <ac:spMkLst>
-            <pc:docMk/>
-            <pc:sldMk cId="3565013237" sldId="296"/>
-            <ac:spMk id="3" creationId="{22E07C0B-0BE1-FE4D-6313-E258B75D04E3}"/>
-          </ac:spMkLst>
-        </pc:spChg>
         <pc:spChg chg="add mod">
           <ac:chgData name="Naresh Chandra pradhan" userId="0376197e0be6b433" providerId="LiveId" clId="{F6D48F73-9A74-4253-A578-D853A6F81CAD}" dt="2025-04-14T16:59:20.719" v="988" actId="20577"/>
           <ac:spMkLst>
@@ -579,14 +492,6 @@
             <ac:spMk id="2" creationId="{839834ED-EE58-108E-4572-CBEB99C9EB9C}"/>
           </ac:spMkLst>
         </pc:spChg>
-        <pc:spChg chg="add">
-          <ac:chgData name="Naresh Chandra pradhan" userId="0376197e0be6b433" providerId="LiveId" clId="{F6D48F73-9A74-4253-A578-D853A6F81CAD}" dt="2025-04-14T16:58:16.348" v="973"/>
-          <ac:spMkLst>
-            <pc:docMk/>
-            <pc:sldMk cId="842846421" sldId="297"/>
-            <ac:spMk id="3" creationId="{BCE19088-EA4C-41A9-4227-BA6CBB1D2F3F}"/>
-          </ac:spMkLst>
-        </pc:spChg>
       </pc:sldChg>
       <pc:sldChg chg="addSp modSp new mod">
         <pc:chgData name="Naresh Chandra pradhan" userId="0376197e0be6b433" providerId="LiveId" clId="{F6D48F73-9A74-4253-A578-D853A6F81CAD}" dt="2025-04-14T17:37:22.731" v="1044" actId="1076"/>
@@ -594,30 +499,6 @@
           <pc:docMk/>
           <pc:sldMk cId="1199985673" sldId="298"/>
         </pc:sldMkLst>
-        <pc:spChg chg="add mod">
-          <ac:chgData name="Naresh Chandra pradhan" userId="0376197e0be6b433" providerId="LiveId" clId="{F6D48F73-9A74-4253-A578-D853A6F81CAD}" dt="2025-04-14T17:32:34.220" v="990" actId="767"/>
-          <ac:spMkLst>
-            <pc:docMk/>
-            <pc:sldMk cId="1199985673" sldId="298"/>
-            <ac:spMk id="2" creationId="{A8F16E9B-3C6A-D2AD-2F7B-F94E163EF7C0}"/>
-          </ac:spMkLst>
-        </pc:spChg>
-        <pc:spChg chg="add">
-          <ac:chgData name="Naresh Chandra pradhan" userId="0376197e0be6b433" providerId="LiveId" clId="{F6D48F73-9A74-4253-A578-D853A6F81CAD}" dt="2025-04-14T17:32:35.218" v="991"/>
-          <ac:spMkLst>
-            <pc:docMk/>
-            <pc:sldMk cId="1199985673" sldId="298"/>
-            <ac:spMk id="3" creationId="{44D28A26-F01F-DF62-544C-6284CF9B1A6D}"/>
-          </ac:spMkLst>
-        </pc:spChg>
-        <pc:spChg chg="add">
-          <ac:chgData name="Naresh Chandra pradhan" userId="0376197e0be6b433" providerId="LiveId" clId="{F6D48F73-9A74-4253-A578-D853A6F81CAD}" dt="2025-04-14T17:32:38.512" v="992"/>
-          <ac:spMkLst>
-            <pc:docMk/>
-            <pc:sldMk cId="1199985673" sldId="298"/>
-            <ac:spMk id="4" creationId="{C51677E1-F23C-85AE-50A2-5FDCEDD8A80F}"/>
-          </ac:spMkLst>
-        </pc:spChg>
         <pc:spChg chg="add mod">
           <ac:chgData name="Naresh Chandra pradhan" userId="0376197e0be6b433" providerId="LiveId" clId="{F6D48F73-9A74-4253-A578-D853A6F81CAD}" dt="2025-04-14T17:37:22.731" v="1044" actId="1076"/>
           <ac:spMkLst>
@@ -632,14 +513,6 @@
             <pc:docMk/>
             <pc:sldMk cId="1199985673" sldId="298"/>
             <ac:spMk id="6" creationId="{C2AAEE43-D601-8F8D-E172-E9BD7EAC53EC}"/>
-          </ac:spMkLst>
-        </pc:spChg>
-        <pc:spChg chg="add">
-          <ac:chgData name="Naresh Chandra pradhan" userId="0376197e0be6b433" providerId="LiveId" clId="{F6D48F73-9A74-4253-A578-D853A6F81CAD}" dt="2025-04-14T17:34:48.672" v="1028"/>
-          <ac:spMkLst>
-            <pc:docMk/>
-            <pc:sldMk cId="1199985673" sldId="298"/>
-            <ac:spMk id="7" creationId="{0D7D6A54-AE60-40E6-59C3-00226CC31C1B}"/>
           </ac:spMkLst>
         </pc:spChg>
       </pc:sldChg>
@@ -727,6 +600,21 @@
           </ac:picMkLst>
         </pc:picChg>
       </pc:sldChg>
+      <pc:sldChg chg="addSp modSp new mod">
+        <pc:chgData name="Naresh Chandra pradhan" userId="0376197e0be6b433" providerId="LiveId" clId="{F6D48F73-9A74-4253-A578-D853A6F81CAD}" dt="2025-04-16T08:43:17.885" v="1249"/>
+        <pc:sldMkLst>
+          <pc:docMk/>
+          <pc:sldMk cId="1864595616" sldId="303"/>
+        </pc:sldMkLst>
+        <pc:spChg chg="add mod">
+          <ac:chgData name="Naresh Chandra pradhan" userId="0376197e0be6b433" providerId="LiveId" clId="{F6D48F73-9A74-4253-A578-D853A6F81CAD}" dt="2025-04-16T08:43:17.885" v="1249"/>
+          <ac:spMkLst>
+            <pc:docMk/>
+            <pc:sldMk cId="1864595616" sldId="303"/>
+            <ac:spMk id="2" creationId="{1EA29DA7-F39F-C2F7-5739-F4DC02C3EEEC}"/>
+          </ac:spMkLst>
+        </pc:spChg>
+      </pc:sldChg>
     </pc:docChg>
   </pc:docChgLst>
 </pc:chgInfo>
@@ -881,7 +769,7 @@
           <a:p>
             <a:fld id="{65502492-929F-497A-BB45-484B0B267777}" type="datetimeFigureOut">
               <a:rPr lang="en-IN" smtClean="0"/>
-              <a:t>14-04-2025</a:t>
+              <a:t>16-04-2025</a:t>
             </a:fld>
             <a:endParaRPr lang="en-IN"/>
           </a:p>
@@ -1081,7 +969,7 @@
           <a:p>
             <a:fld id="{65502492-929F-497A-BB45-484B0B267777}" type="datetimeFigureOut">
               <a:rPr lang="en-IN" smtClean="0"/>
-              <a:t>14-04-2025</a:t>
+              <a:t>16-04-2025</a:t>
             </a:fld>
             <a:endParaRPr lang="en-IN"/>
           </a:p>
@@ -1291,7 +1179,7 @@
           <a:p>
             <a:fld id="{65502492-929F-497A-BB45-484B0B267777}" type="datetimeFigureOut">
               <a:rPr lang="en-IN" smtClean="0"/>
-              <a:t>14-04-2025</a:t>
+              <a:t>16-04-2025</a:t>
             </a:fld>
             <a:endParaRPr lang="en-IN"/>
           </a:p>
@@ -1491,7 +1379,7 @@
           <a:p>
             <a:fld id="{65502492-929F-497A-BB45-484B0B267777}" type="datetimeFigureOut">
               <a:rPr lang="en-IN" smtClean="0"/>
-              <a:t>14-04-2025</a:t>
+              <a:t>16-04-2025</a:t>
             </a:fld>
             <a:endParaRPr lang="en-IN"/>
           </a:p>
@@ -1767,7 +1655,7 @@
           <a:p>
             <a:fld id="{65502492-929F-497A-BB45-484B0B267777}" type="datetimeFigureOut">
               <a:rPr lang="en-IN" smtClean="0"/>
-              <a:t>14-04-2025</a:t>
+              <a:t>16-04-2025</a:t>
             </a:fld>
             <a:endParaRPr lang="en-IN"/>
           </a:p>
@@ -2035,7 +1923,7 @@
           <a:p>
             <a:fld id="{65502492-929F-497A-BB45-484B0B267777}" type="datetimeFigureOut">
               <a:rPr lang="en-IN" smtClean="0"/>
-              <a:t>14-04-2025</a:t>
+              <a:t>16-04-2025</a:t>
             </a:fld>
             <a:endParaRPr lang="en-IN"/>
           </a:p>
@@ -2450,7 +2338,7 @@
           <a:p>
             <a:fld id="{65502492-929F-497A-BB45-484B0B267777}" type="datetimeFigureOut">
               <a:rPr lang="en-IN" smtClean="0"/>
-              <a:t>14-04-2025</a:t>
+              <a:t>16-04-2025</a:t>
             </a:fld>
             <a:endParaRPr lang="en-IN"/>
           </a:p>
@@ -2592,7 +2480,7 @@
           <a:p>
             <a:fld id="{65502492-929F-497A-BB45-484B0B267777}" type="datetimeFigureOut">
               <a:rPr lang="en-IN" smtClean="0"/>
-              <a:t>14-04-2025</a:t>
+              <a:t>16-04-2025</a:t>
             </a:fld>
             <a:endParaRPr lang="en-IN"/>
           </a:p>
@@ -2705,7 +2593,7 @@
           <a:p>
             <a:fld id="{65502492-929F-497A-BB45-484B0B267777}" type="datetimeFigureOut">
               <a:rPr lang="en-IN" smtClean="0"/>
-              <a:t>14-04-2025</a:t>
+              <a:t>16-04-2025</a:t>
             </a:fld>
             <a:endParaRPr lang="en-IN"/>
           </a:p>
@@ -3018,7 +2906,7 @@
           <a:p>
             <a:fld id="{65502492-929F-497A-BB45-484B0B267777}" type="datetimeFigureOut">
               <a:rPr lang="en-IN" smtClean="0"/>
-              <a:t>14-04-2025</a:t>
+              <a:t>16-04-2025</a:t>
             </a:fld>
             <a:endParaRPr lang="en-IN"/>
           </a:p>
@@ -3307,7 +3195,7 @@
           <a:p>
             <a:fld id="{65502492-929F-497A-BB45-484B0B267777}" type="datetimeFigureOut">
               <a:rPr lang="en-IN" smtClean="0"/>
-              <a:t>14-04-2025</a:t>
+              <a:t>16-04-2025</a:t>
             </a:fld>
             <a:endParaRPr lang="en-IN"/>
           </a:p>
@@ -3550,7 +3438,7 @@
           <a:p>
             <a:fld id="{65502492-929F-497A-BB45-484B0B267777}" type="datetimeFigureOut">
               <a:rPr lang="en-IN" smtClean="0"/>
-              <a:t>14-04-2025</a:t>
+              <a:t>16-04-2025</a:t>
             </a:fld>
             <a:endParaRPr lang="en-IN"/>
           </a:p>
@@ -23769,6 +23657,71 @@
 </p:sld>
 </file>
 
+<file path=ppt/slides/slide44.xml><?xml version="1.0" encoding="utf-8"?>
+<p:sld xmlns:a="http://schemas.openxmlformats.org/drawingml/2006/main" xmlns:r="http://schemas.openxmlformats.org/officeDocument/2006/relationships" xmlns:p="http://schemas.openxmlformats.org/presentationml/2006/main">
+  <p:cSld>
+    <p:spTree>
+      <p:nvGrpSpPr>
+        <p:cNvPr id="1" name=""/>
+        <p:cNvGrpSpPr/>
+        <p:nvPr/>
+      </p:nvGrpSpPr>
+      <p:grpSpPr>
+        <a:xfrm>
+          <a:off x="0" y="0"/>
+          <a:ext cx="0" cy="0"/>
+          <a:chOff x="0" y="0"/>
+          <a:chExt cx="0" cy="0"/>
+        </a:xfrm>
+      </p:grpSpPr>
+      <p:sp>
+        <p:nvSpPr>
+          <p:cNvPr id="2" name="TextBox 1">
+            <a:extLst>
+              <a:ext uri="{FF2B5EF4-FFF2-40B4-BE49-F238E27FC236}">
+                <a16:creationId xmlns:a16="http://schemas.microsoft.com/office/drawing/2014/main" id="{1EA29DA7-F39F-C2F7-5739-F4DC02C3EEEC}"/>
+              </a:ext>
+            </a:extLst>
+          </p:cNvPr>
+          <p:cNvSpPr txBox="1"/>
+          <p:nvPr/>
+        </p:nvSpPr>
+        <p:spPr>
+          <a:xfrm>
+            <a:off x="800100" y="422031"/>
+            <a:ext cx="9196754" cy="369332"/>
+          </a:xfrm>
+          <a:prstGeom prst="rect">
+            <a:avLst/>
+          </a:prstGeom>
+          <a:noFill/>
+        </p:spPr>
+        <p:txBody>
+          <a:bodyPr wrap="square" rtlCol="0">
+            <a:spAutoFit/>
+          </a:bodyPr>
+          <a:lstStyle/>
+          <a:p>
+            <a:r>
+              <a:rPr lang="en-IN"/>
+              <a:t>https://www.placementpreparation.io/programming-exercises/sql/advanced/</a:t>
+            </a:r>
+          </a:p>
+        </p:txBody>
+      </p:sp>
+    </p:spTree>
+    <p:extLst>
+      <p:ext uri="{BB962C8B-B14F-4D97-AF65-F5344CB8AC3E}">
+        <p14:creationId xmlns:p14="http://schemas.microsoft.com/office/powerpoint/2010/main" val="1864595616"/>
+      </p:ext>
+    </p:extLst>
+  </p:cSld>
+  <p:clrMapOvr>
+    <a:masterClrMapping/>
+  </p:clrMapOvr>
+</p:sld>
+</file>
+
 <file path=ppt/slides/slide5.xml><?xml version="1.0" encoding="utf-8"?>
 <p:sld xmlns:a="http://schemas.openxmlformats.org/drawingml/2006/main" xmlns:r="http://schemas.openxmlformats.org/officeDocument/2006/relationships" xmlns:p="http://schemas.openxmlformats.org/presentationml/2006/main">
   <p:cSld>

--- a/DBMS.pptx
+++ b/DBMS.pptx
@@ -158,7 +158,7 @@
 <file path=ppt/revisionInfo.xml><?xml version="1.0" encoding="utf-8"?>
 <p1510:revInfo xmlns:a="http://schemas.openxmlformats.org/drawingml/2006/main" xmlns:r="http://schemas.openxmlformats.org/officeDocument/2006/relationships" xmlns:p1510="http://schemas.microsoft.com/office/powerpoint/2015/10/main">
   <p1510:revLst>
-    <p1510:client id="{F6D48F73-9A74-4253-A578-D853A6F81CAD}" v="67" dt="2025-04-16T08:43:16.546"/>
+    <p1510:client id="{F6D48F73-9A74-4253-A578-D853A6F81CAD}" v="68" dt="2025-04-17T02:45:10.124"/>
   </p1510:revLst>
 </p1510:revInfo>
 </file>
@@ -168,7 +168,7 @@
   <pc:docChgLst>
     <pc:chgData name="Naresh Chandra pradhan" userId="0376197e0be6b433" providerId="LiveId" clId="{F6D48F73-9A74-4253-A578-D853A6F81CAD}"/>
     <pc:docChg chg="undo redo custSel addSld delSld modSld sldOrd">
-      <pc:chgData name="Naresh Chandra pradhan" userId="0376197e0be6b433" providerId="LiveId" clId="{F6D48F73-9A74-4253-A578-D853A6F81CAD}" dt="2025-04-16T08:43:17.885" v="1249"/>
+      <pc:chgData name="Naresh Chandra pradhan" userId="0376197e0be6b433" providerId="LiveId" clId="{F6D48F73-9A74-4253-A578-D853A6F81CAD}" dt="2025-04-17T02:45:11.497" v="1251"/>
       <pc:docMkLst>
         <pc:docMk/>
       </pc:docMkLst>
@@ -235,6 +235,21 @@
             <pc:docMk/>
             <pc:sldMk cId="1469444698" sldId="283"/>
             <ac:spMk id="9" creationId="{6E08DB0C-EACC-CB39-314A-E4BFA6C9E727}"/>
+          </ac:spMkLst>
+        </pc:spChg>
+      </pc:sldChg>
+      <pc:sldChg chg="addSp modSp mod">
+        <pc:chgData name="Naresh Chandra pradhan" userId="0376197e0be6b433" providerId="LiveId" clId="{F6D48F73-9A74-4253-A578-D853A6F81CAD}" dt="2025-04-17T02:45:11.497" v="1251"/>
+        <pc:sldMkLst>
+          <pc:docMk/>
+          <pc:sldMk cId="3490437044" sldId="284"/>
+        </pc:sldMkLst>
+        <pc:spChg chg="add mod">
+          <ac:chgData name="Naresh Chandra pradhan" userId="0376197e0be6b433" providerId="LiveId" clId="{F6D48F73-9A74-4253-A578-D853A6F81CAD}" dt="2025-04-17T02:45:11.497" v="1251"/>
+          <ac:spMkLst>
+            <pc:docMk/>
+            <pc:sldMk cId="3490437044" sldId="284"/>
+            <ac:spMk id="3" creationId="{46F3F91B-E3CE-E3ED-F790-AF64CE46C867}"/>
           </ac:spMkLst>
         </pc:spChg>
       </pc:sldChg>
@@ -769,7 +784,7 @@
           <a:p>
             <a:fld id="{65502492-929F-497A-BB45-484B0B267777}" type="datetimeFigureOut">
               <a:rPr lang="en-IN" smtClean="0"/>
-              <a:t>16-04-2025</a:t>
+              <a:t>17-04-2025</a:t>
             </a:fld>
             <a:endParaRPr lang="en-IN"/>
           </a:p>
@@ -969,7 +984,7 @@
           <a:p>
             <a:fld id="{65502492-929F-497A-BB45-484B0B267777}" type="datetimeFigureOut">
               <a:rPr lang="en-IN" smtClean="0"/>
-              <a:t>16-04-2025</a:t>
+              <a:t>17-04-2025</a:t>
             </a:fld>
             <a:endParaRPr lang="en-IN"/>
           </a:p>
@@ -1179,7 +1194,7 @@
           <a:p>
             <a:fld id="{65502492-929F-497A-BB45-484B0B267777}" type="datetimeFigureOut">
               <a:rPr lang="en-IN" smtClean="0"/>
-              <a:t>16-04-2025</a:t>
+              <a:t>17-04-2025</a:t>
             </a:fld>
             <a:endParaRPr lang="en-IN"/>
           </a:p>
@@ -1379,7 +1394,7 @@
           <a:p>
             <a:fld id="{65502492-929F-497A-BB45-484B0B267777}" type="datetimeFigureOut">
               <a:rPr lang="en-IN" smtClean="0"/>
-              <a:t>16-04-2025</a:t>
+              <a:t>17-04-2025</a:t>
             </a:fld>
             <a:endParaRPr lang="en-IN"/>
           </a:p>
@@ -1655,7 +1670,7 @@
           <a:p>
             <a:fld id="{65502492-929F-497A-BB45-484B0B267777}" type="datetimeFigureOut">
               <a:rPr lang="en-IN" smtClean="0"/>
-              <a:t>16-04-2025</a:t>
+              <a:t>17-04-2025</a:t>
             </a:fld>
             <a:endParaRPr lang="en-IN"/>
           </a:p>
@@ -1923,7 +1938,7 @@
           <a:p>
             <a:fld id="{65502492-929F-497A-BB45-484B0B267777}" type="datetimeFigureOut">
               <a:rPr lang="en-IN" smtClean="0"/>
-              <a:t>16-04-2025</a:t>
+              <a:t>17-04-2025</a:t>
             </a:fld>
             <a:endParaRPr lang="en-IN"/>
           </a:p>
@@ -2338,7 +2353,7 @@
           <a:p>
             <a:fld id="{65502492-929F-497A-BB45-484B0B267777}" type="datetimeFigureOut">
               <a:rPr lang="en-IN" smtClean="0"/>
-              <a:t>16-04-2025</a:t>
+              <a:t>17-04-2025</a:t>
             </a:fld>
             <a:endParaRPr lang="en-IN"/>
           </a:p>
@@ -2480,7 +2495,7 @@
           <a:p>
             <a:fld id="{65502492-929F-497A-BB45-484B0B267777}" type="datetimeFigureOut">
               <a:rPr lang="en-IN" smtClean="0"/>
-              <a:t>16-04-2025</a:t>
+              <a:t>17-04-2025</a:t>
             </a:fld>
             <a:endParaRPr lang="en-IN"/>
           </a:p>
@@ -2593,7 +2608,7 @@
           <a:p>
             <a:fld id="{65502492-929F-497A-BB45-484B0B267777}" type="datetimeFigureOut">
               <a:rPr lang="en-IN" smtClean="0"/>
-              <a:t>16-04-2025</a:t>
+              <a:t>17-04-2025</a:t>
             </a:fld>
             <a:endParaRPr lang="en-IN"/>
           </a:p>
@@ -2906,7 +2921,7 @@
           <a:p>
             <a:fld id="{65502492-929F-497A-BB45-484B0B267777}" type="datetimeFigureOut">
               <a:rPr lang="en-IN" smtClean="0"/>
-              <a:t>16-04-2025</a:t>
+              <a:t>17-04-2025</a:t>
             </a:fld>
             <a:endParaRPr lang="en-IN"/>
           </a:p>
@@ -3195,7 +3210,7 @@
           <a:p>
             <a:fld id="{65502492-929F-497A-BB45-484B0B267777}" type="datetimeFigureOut">
               <a:rPr lang="en-IN" smtClean="0"/>
-              <a:t>16-04-2025</a:t>
+              <a:t>17-04-2025</a:t>
             </a:fld>
             <a:endParaRPr lang="en-IN"/>
           </a:p>
@@ -3438,7 +3453,7 @@
           <a:p>
             <a:fld id="{65502492-929F-497A-BB45-484B0B267777}" type="datetimeFigureOut">
               <a:rPr lang="en-IN" smtClean="0"/>
-              <a:t>16-04-2025</a:t>
+              <a:t>17-04-2025</a:t>
             </a:fld>
             <a:endParaRPr lang="en-IN"/>
           </a:p>
@@ -10526,6 +10541,41 @@
           </a:p>
         </p:txBody>
       </p:sp>
+      <p:sp>
+        <p:nvSpPr>
+          <p:cNvPr id="3" name="TextBox 2">
+            <a:extLst>
+              <a:ext uri="{FF2B5EF4-FFF2-40B4-BE49-F238E27FC236}">
+                <a16:creationId xmlns:a16="http://schemas.microsoft.com/office/drawing/2014/main" id="{46F3F91B-E3CE-E3ED-F790-AF64CE46C867}"/>
+              </a:ext>
+            </a:extLst>
+          </p:cNvPr>
+          <p:cNvSpPr txBox="1"/>
+          <p:nvPr/>
+        </p:nvSpPr>
+        <p:spPr>
+          <a:xfrm>
+            <a:off x="1336431" y="5697415"/>
+            <a:ext cx="7280031" cy="369332"/>
+          </a:xfrm>
+          <a:prstGeom prst="rect">
+            <a:avLst/>
+          </a:prstGeom>
+          <a:noFill/>
+        </p:spPr>
+        <p:txBody>
+          <a:bodyPr wrap="square" rtlCol="0">
+            <a:spAutoFit/>
+          </a:bodyPr>
+          <a:lstStyle/>
+          <a:p>
+            <a:r>
+              <a:rPr lang="en-IN" dirty="0"/>
+              <a:t>https://www.w3schools.com/sql/sql_datatypes.asp</a:t>
+            </a:r>
+          </a:p>
+        </p:txBody>
+      </p:sp>
     </p:spTree>
     <p:extLst>
       <p:ext uri="{BB962C8B-B14F-4D97-AF65-F5344CB8AC3E}">
